--- a/Project3_CA_WildFires.pptx
+++ b/Project3_CA_WildFires.pptx
@@ -5,7 +5,7 @@
     <p:sldMasterId id="2147483648" r:id="rId1"/>
   </p:sldMasterIdLst>
   <p:notesMasterIdLst>
-    <p:notesMasterId r:id="rId10"/>
+    <p:notesMasterId r:id="rId13"/>
   </p:notesMasterIdLst>
   <p:sldIdLst>
     <p:sldId id="256" r:id="rId2"/>
@@ -16,6 +16,9 @@
     <p:sldId id="259" r:id="rId7"/>
     <p:sldId id="257" r:id="rId8"/>
     <p:sldId id="258" r:id="rId9"/>
+    <p:sldId id="265" r:id="rId10"/>
+    <p:sldId id="266" r:id="rId11"/>
+    <p:sldId id="267" r:id="rId12"/>
   </p:sldIdLst>
   <p:sldSz cx="12192000" cy="6858000"/>
   <p:notesSz cx="6858000" cy="9144000"/>
@@ -204,7 +207,7 @@
           <a:p>
             <a:fld id="{CC2CE1C3-CD50-44C9-8579-B138BF86FD83}" type="datetimeFigureOut">
               <a:rPr lang="en-US" smtClean="0"/>
-              <a:t>7/22/2022</a:t>
+              <a:t>7/29/22</a:t>
             </a:fld>
             <a:endParaRPr lang="en-US"/>
           </a:p>
@@ -618,7 +621,7 @@
           <a:p>
             <a:fld id="{AD1B6942-FA69-4AD1-BE7A-FACDCEFC9702}" type="datetimeFigureOut">
               <a:rPr lang="en-US" smtClean="0"/>
-              <a:t>7/22/2022</a:t>
+              <a:t>7/29/22</a:t>
             </a:fld>
             <a:endParaRPr lang="en-US"/>
           </a:p>
@@ -816,7 +819,7 @@
           <a:p>
             <a:fld id="{AD1B6942-FA69-4AD1-BE7A-FACDCEFC9702}" type="datetimeFigureOut">
               <a:rPr lang="en-US" smtClean="0"/>
-              <a:t>7/22/2022</a:t>
+              <a:t>7/29/22</a:t>
             </a:fld>
             <a:endParaRPr lang="en-US"/>
           </a:p>
@@ -1024,7 +1027,7 @@
           <a:p>
             <a:fld id="{AD1B6942-FA69-4AD1-BE7A-FACDCEFC9702}" type="datetimeFigureOut">
               <a:rPr lang="en-US" smtClean="0"/>
-              <a:t>7/22/2022</a:t>
+              <a:t>7/29/22</a:t>
             </a:fld>
             <a:endParaRPr lang="en-US"/>
           </a:p>
@@ -1222,7 +1225,7 @@
           <a:p>
             <a:fld id="{AD1B6942-FA69-4AD1-BE7A-FACDCEFC9702}" type="datetimeFigureOut">
               <a:rPr lang="en-US" smtClean="0"/>
-              <a:t>7/22/2022</a:t>
+              <a:t>7/29/22</a:t>
             </a:fld>
             <a:endParaRPr lang="en-US"/>
           </a:p>
@@ -1497,7 +1500,7 @@
           <a:p>
             <a:fld id="{AD1B6942-FA69-4AD1-BE7A-FACDCEFC9702}" type="datetimeFigureOut">
               <a:rPr lang="en-US" smtClean="0"/>
-              <a:t>7/22/2022</a:t>
+              <a:t>7/29/22</a:t>
             </a:fld>
             <a:endParaRPr lang="en-US"/>
           </a:p>
@@ -1762,7 +1765,7 @@
           <a:p>
             <a:fld id="{AD1B6942-FA69-4AD1-BE7A-FACDCEFC9702}" type="datetimeFigureOut">
               <a:rPr lang="en-US" smtClean="0"/>
-              <a:t>7/22/2022</a:t>
+              <a:t>7/29/22</a:t>
             </a:fld>
             <a:endParaRPr lang="en-US"/>
           </a:p>
@@ -2174,7 +2177,7 @@
           <a:p>
             <a:fld id="{AD1B6942-FA69-4AD1-BE7A-FACDCEFC9702}" type="datetimeFigureOut">
               <a:rPr lang="en-US" smtClean="0"/>
-              <a:t>7/22/2022</a:t>
+              <a:t>7/29/22</a:t>
             </a:fld>
             <a:endParaRPr lang="en-US"/>
           </a:p>
@@ -2315,7 +2318,7 @@
           <a:p>
             <a:fld id="{AD1B6942-FA69-4AD1-BE7A-FACDCEFC9702}" type="datetimeFigureOut">
               <a:rPr lang="en-US" smtClean="0"/>
-              <a:t>7/22/2022</a:t>
+              <a:t>7/29/22</a:t>
             </a:fld>
             <a:endParaRPr lang="en-US"/>
           </a:p>
@@ -2428,7 +2431,7 @@
           <a:p>
             <a:fld id="{AD1B6942-FA69-4AD1-BE7A-FACDCEFC9702}" type="datetimeFigureOut">
               <a:rPr lang="en-US" smtClean="0"/>
-              <a:t>7/22/2022</a:t>
+              <a:t>7/29/22</a:t>
             </a:fld>
             <a:endParaRPr lang="en-US"/>
           </a:p>
@@ -2739,7 +2742,7 @@
           <a:p>
             <a:fld id="{AD1B6942-FA69-4AD1-BE7A-FACDCEFC9702}" type="datetimeFigureOut">
               <a:rPr lang="en-US" smtClean="0"/>
-              <a:t>7/22/2022</a:t>
+              <a:t>7/29/22</a:t>
             </a:fld>
             <a:endParaRPr lang="en-US"/>
           </a:p>
@@ -3027,7 +3030,7 @@
           <a:p>
             <a:fld id="{AD1B6942-FA69-4AD1-BE7A-FACDCEFC9702}" type="datetimeFigureOut">
               <a:rPr lang="en-US" smtClean="0"/>
-              <a:t>7/22/2022</a:t>
+              <a:t>7/29/22</a:t>
             </a:fld>
             <a:endParaRPr lang="en-US"/>
           </a:p>
@@ -3268,7 +3271,7 @@
           <a:p>
             <a:fld id="{AD1B6942-FA69-4AD1-BE7A-FACDCEFC9702}" type="datetimeFigureOut">
               <a:rPr lang="en-US" smtClean="0"/>
-              <a:t>7/22/2022</a:t>
+              <a:t>7/29/22</a:t>
             </a:fld>
             <a:endParaRPr lang="en-US"/>
           </a:p>
@@ -7819,6 +7822,186 @@
 </p:sld>
 </file>
 
+<file path=ppt/slides/slide10.xml><?xml version="1.0" encoding="utf-8"?>
+<p:sld xmlns:a="http://schemas.openxmlformats.org/drawingml/2006/main" xmlns:r="http://schemas.openxmlformats.org/officeDocument/2006/relationships" xmlns:p="http://schemas.openxmlformats.org/presentationml/2006/main">
+  <p:cSld>
+    <p:spTree>
+      <p:nvGrpSpPr>
+        <p:cNvPr id="1" name=""/>
+        <p:cNvGrpSpPr/>
+        <p:nvPr/>
+      </p:nvGrpSpPr>
+      <p:grpSpPr>
+        <a:xfrm>
+          <a:off x="0" y="0"/>
+          <a:ext cx="0" cy="0"/>
+          <a:chOff x="0" y="0"/>
+          <a:chExt cx="0" cy="0"/>
+        </a:xfrm>
+      </p:grpSpPr>
+      <p:sp>
+        <p:nvSpPr>
+          <p:cNvPr id="2" name="Title 1">
+            <a:extLst>
+              <a:ext uri="{FF2B5EF4-FFF2-40B4-BE49-F238E27FC236}">
+                <a16:creationId xmlns:a16="http://schemas.microsoft.com/office/drawing/2014/main" id="{E42912D7-8C1F-B426-6442-3552DDFC59ED}"/>
+              </a:ext>
+            </a:extLst>
+          </p:cNvPr>
+          <p:cNvSpPr>
+            <a:spLocks noGrp="1"/>
+          </p:cNvSpPr>
+          <p:nvPr>
+            <p:ph type="title"/>
+          </p:nvPr>
+        </p:nvSpPr>
+        <p:spPr/>
+        <p:txBody>
+          <a:bodyPr/>
+          <a:lstStyle/>
+          <a:p>
+            <a:endParaRPr lang="en-US"/>
+          </a:p>
+        </p:txBody>
+      </p:sp>
+      <p:pic>
+        <p:nvPicPr>
+          <p:cNvPr id="5" name="Content Placeholder 4" descr="Chart&#10;&#10;Description automatically generated">
+            <a:extLst>
+              <a:ext uri="{FF2B5EF4-FFF2-40B4-BE49-F238E27FC236}">
+                <a16:creationId xmlns:a16="http://schemas.microsoft.com/office/drawing/2014/main" id="{15A1BC20-F607-4243-38BD-1726A6B50F9D}"/>
+              </a:ext>
+            </a:extLst>
+          </p:cNvPr>
+          <p:cNvPicPr>
+            <a:picLocks noGrp="1" noChangeAspect="1"/>
+          </p:cNvPicPr>
+          <p:nvPr>
+            <p:ph idx="1"/>
+          </p:nvPr>
+        </p:nvPicPr>
+        <p:blipFill>
+          <a:blip r:embed="rId2">
+            <a:extLst>
+              <a:ext uri="{28A0092B-C50C-407E-A947-70E740481C1C}">
+                <a14:useLocalDpi xmlns:a14="http://schemas.microsoft.com/office/drawing/2010/main" val="0"/>
+              </a:ext>
+            </a:extLst>
+          </a:blip>
+          <a:stretch>
+            <a:fillRect/>
+          </a:stretch>
+        </p:blipFill>
+        <p:spPr>
+          <a:xfrm>
+            <a:off x="838200" y="2265313"/>
+            <a:ext cx="10515600" cy="3471961"/>
+          </a:xfrm>
+        </p:spPr>
+      </p:pic>
+    </p:spTree>
+    <p:extLst>
+      <p:ext uri="{BB962C8B-B14F-4D97-AF65-F5344CB8AC3E}">
+        <p14:creationId xmlns:p14="http://schemas.microsoft.com/office/powerpoint/2010/main" val="1484548813"/>
+      </p:ext>
+    </p:extLst>
+  </p:cSld>
+  <p:clrMapOvr>
+    <a:masterClrMapping/>
+  </p:clrMapOvr>
+</p:sld>
+</file>
+
+<file path=ppt/slides/slide11.xml><?xml version="1.0" encoding="utf-8"?>
+<p:sld xmlns:a="http://schemas.openxmlformats.org/drawingml/2006/main" xmlns:r="http://schemas.openxmlformats.org/officeDocument/2006/relationships" xmlns:p="http://schemas.openxmlformats.org/presentationml/2006/main">
+  <p:cSld>
+    <p:spTree>
+      <p:nvGrpSpPr>
+        <p:cNvPr id="1" name=""/>
+        <p:cNvGrpSpPr/>
+        <p:nvPr/>
+      </p:nvGrpSpPr>
+      <p:grpSpPr>
+        <a:xfrm>
+          <a:off x="0" y="0"/>
+          <a:ext cx="0" cy="0"/>
+          <a:chOff x="0" y="0"/>
+          <a:chExt cx="0" cy="0"/>
+        </a:xfrm>
+      </p:grpSpPr>
+      <p:sp>
+        <p:nvSpPr>
+          <p:cNvPr id="2" name="Title 1">
+            <a:extLst>
+              <a:ext uri="{FF2B5EF4-FFF2-40B4-BE49-F238E27FC236}">
+                <a16:creationId xmlns:a16="http://schemas.microsoft.com/office/drawing/2014/main" id="{B534CA63-2ECE-0DBC-7E68-911096E2AF45}"/>
+              </a:ext>
+            </a:extLst>
+          </p:cNvPr>
+          <p:cNvSpPr>
+            <a:spLocks noGrp="1"/>
+          </p:cNvSpPr>
+          <p:nvPr>
+            <p:ph type="title"/>
+          </p:nvPr>
+        </p:nvSpPr>
+        <p:spPr/>
+        <p:txBody>
+          <a:bodyPr/>
+          <a:lstStyle/>
+          <a:p>
+            <a:endParaRPr lang="en-US"/>
+          </a:p>
+        </p:txBody>
+      </p:sp>
+      <p:pic>
+        <p:nvPicPr>
+          <p:cNvPr id="5" name="Content Placeholder 4" descr="Diagram&#10;&#10;Description automatically generated with medium confidence">
+            <a:extLst>
+              <a:ext uri="{FF2B5EF4-FFF2-40B4-BE49-F238E27FC236}">
+                <a16:creationId xmlns:a16="http://schemas.microsoft.com/office/drawing/2014/main" id="{29535C43-67E2-CA9E-C70C-9A8243AACD7C}"/>
+              </a:ext>
+            </a:extLst>
+          </p:cNvPr>
+          <p:cNvPicPr>
+            <a:picLocks noGrp="1" noChangeAspect="1"/>
+          </p:cNvPicPr>
+          <p:nvPr>
+            <p:ph idx="1"/>
+          </p:nvPr>
+        </p:nvPicPr>
+        <p:blipFill>
+          <a:blip r:embed="rId2">
+            <a:extLst>
+              <a:ext uri="{28A0092B-C50C-407E-A947-70E740481C1C}">
+                <a14:useLocalDpi xmlns:a14="http://schemas.microsoft.com/office/drawing/2010/main" val="0"/>
+              </a:ext>
+            </a:extLst>
+          </a:blip>
+          <a:stretch>
+            <a:fillRect/>
+          </a:stretch>
+        </p:blipFill>
+        <p:spPr>
+          <a:xfrm>
+            <a:off x="3499979" y="1825625"/>
+            <a:ext cx="5192042" cy="4351338"/>
+          </a:xfrm>
+        </p:spPr>
+      </p:pic>
+    </p:spTree>
+    <p:extLst>
+      <p:ext uri="{BB962C8B-B14F-4D97-AF65-F5344CB8AC3E}">
+        <p14:creationId xmlns:p14="http://schemas.microsoft.com/office/powerpoint/2010/main" val="1345740725"/>
+      </p:ext>
+    </p:extLst>
+  </p:cSld>
+  <p:clrMapOvr>
+    <a:masterClrMapping/>
+  </p:clrMapOvr>
+</p:sld>
+</file>
+
 <file path=ppt/slides/slide2.xml><?xml version="1.0" encoding="utf-8"?>
 <p:sld xmlns:a="http://schemas.openxmlformats.org/drawingml/2006/main" xmlns:r="http://schemas.openxmlformats.org/officeDocument/2006/relationships" xmlns:p="http://schemas.openxmlformats.org/presentationml/2006/main">
   <p:cSld>
@@ -8690,6 +8873,96 @@
     <p:extLst>
       <p:ext uri="{BB962C8B-B14F-4D97-AF65-F5344CB8AC3E}">
         <p14:creationId xmlns:p14="http://schemas.microsoft.com/office/powerpoint/2010/main" val="2379626168"/>
+      </p:ext>
+    </p:extLst>
+  </p:cSld>
+  <p:clrMapOvr>
+    <a:masterClrMapping/>
+  </p:clrMapOvr>
+</p:sld>
+</file>
+
+<file path=ppt/slides/slide9.xml><?xml version="1.0" encoding="utf-8"?>
+<p:sld xmlns:a="http://schemas.openxmlformats.org/drawingml/2006/main" xmlns:r="http://schemas.openxmlformats.org/officeDocument/2006/relationships" xmlns:p="http://schemas.openxmlformats.org/presentationml/2006/main">
+  <p:cSld>
+    <p:spTree>
+      <p:nvGrpSpPr>
+        <p:cNvPr id="1" name=""/>
+        <p:cNvGrpSpPr/>
+        <p:nvPr/>
+      </p:nvGrpSpPr>
+      <p:grpSpPr>
+        <a:xfrm>
+          <a:off x="0" y="0"/>
+          <a:ext cx="0" cy="0"/>
+          <a:chOff x="0" y="0"/>
+          <a:chExt cx="0" cy="0"/>
+        </a:xfrm>
+      </p:grpSpPr>
+      <p:sp>
+        <p:nvSpPr>
+          <p:cNvPr id="2" name="Title 1">
+            <a:extLst>
+              <a:ext uri="{FF2B5EF4-FFF2-40B4-BE49-F238E27FC236}">
+                <a16:creationId xmlns:a16="http://schemas.microsoft.com/office/drawing/2014/main" id="{10768FC4-F365-615B-13FD-5BD8E8BE3BF5}"/>
+              </a:ext>
+            </a:extLst>
+          </p:cNvPr>
+          <p:cNvSpPr>
+            <a:spLocks noGrp="1"/>
+          </p:cNvSpPr>
+          <p:nvPr>
+            <p:ph type="title"/>
+          </p:nvPr>
+        </p:nvSpPr>
+        <p:spPr/>
+        <p:txBody>
+          <a:bodyPr/>
+          <a:lstStyle/>
+          <a:p>
+            <a:endParaRPr lang="en-US" dirty="0"/>
+          </a:p>
+        </p:txBody>
+      </p:sp>
+      <p:pic>
+        <p:nvPicPr>
+          <p:cNvPr id="5" name="Content Placeholder 4" descr="Chart, bar chart&#10;&#10;Description automatically generated">
+            <a:extLst>
+              <a:ext uri="{FF2B5EF4-FFF2-40B4-BE49-F238E27FC236}">
+                <a16:creationId xmlns:a16="http://schemas.microsoft.com/office/drawing/2014/main" id="{D037DB51-D28B-8B14-3D04-A85B29D66ED8}"/>
+              </a:ext>
+            </a:extLst>
+          </p:cNvPr>
+          <p:cNvPicPr>
+            <a:picLocks noGrp="1" noChangeAspect="1"/>
+          </p:cNvPicPr>
+          <p:nvPr>
+            <p:ph idx="1"/>
+          </p:nvPr>
+        </p:nvPicPr>
+        <p:blipFill>
+          <a:blip r:embed="rId2">
+            <a:extLst>
+              <a:ext uri="{28A0092B-C50C-407E-A947-70E740481C1C}">
+                <a14:useLocalDpi xmlns:a14="http://schemas.microsoft.com/office/drawing/2010/main" val="0"/>
+              </a:ext>
+            </a:extLst>
+          </a:blip>
+          <a:stretch>
+            <a:fillRect/>
+          </a:stretch>
+        </p:blipFill>
+        <p:spPr>
+          <a:xfrm>
+            <a:off x="1637722" y="1825625"/>
+            <a:ext cx="8916555" cy="4351338"/>
+          </a:xfrm>
+        </p:spPr>
+      </p:pic>
+    </p:spTree>
+    <p:extLst>
+      <p:ext uri="{BB962C8B-B14F-4D97-AF65-F5344CB8AC3E}">
+        <p14:creationId xmlns:p14="http://schemas.microsoft.com/office/powerpoint/2010/main" val="967499017"/>
       </p:ext>
     </p:extLst>
   </p:cSld>

--- a/Project3_CA_WildFires.pptx
+++ b/Project3_CA_WildFires.pptx
@@ -5,20 +5,19 @@
     <p:sldMasterId id="2147483648" r:id="rId1"/>
   </p:sldMasterIdLst>
   <p:notesMasterIdLst>
-    <p:notesMasterId r:id="rId13"/>
+    <p:notesMasterId r:id="rId12"/>
   </p:notesMasterIdLst>
   <p:sldIdLst>
     <p:sldId id="256" r:id="rId2"/>
     <p:sldId id="260" r:id="rId3"/>
-    <p:sldId id="262" r:id="rId4"/>
-    <p:sldId id="263" r:id="rId5"/>
-    <p:sldId id="264" r:id="rId6"/>
-    <p:sldId id="259" r:id="rId7"/>
-    <p:sldId id="257" r:id="rId8"/>
-    <p:sldId id="258" r:id="rId9"/>
-    <p:sldId id="265" r:id="rId10"/>
-    <p:sldId id="266" r:id="rId11"/>
-    <p:sldId id="267" r:id="rId12"/>
+    <p:sldId id="263" r:id="rId4"/>
+    <p:sldId id="264" r:id="rId5"/>
+    <p:sldId id="265" r:id="rId6"/>
+    <p:sldId id="270" r:id="rId7"/>
+    <p:sldId id="267" r:id="rId8"/>
+    <p:sldId id="257" r:id="rId9"/>
+    <p:sldId id="258" r:id="rId10"/>
+    <p:sldId id="268" r:id="rId11"/>
   </p:sldIdLst>
   <p:sldSz cx="12192000" cy="6858000"/>
   <p:notesSz cx="6858000" cy="9144000"/>
@@ -3777,7 +3776,7 @@
         <p:spPr>
           <a:xfrm>
             <a:off x="356060" y="4710225"/>
-            <a:ext cx="6327372" cy="757168"/>
+            <a:ext cx="7698728" cy="757168"/>
           </a:xfrm>
           <a:prstGeom prst="rect">
             <a:avLst/>
@@ -3789,7 +3788,7 @@
           </a:bodyPr>
           <a:lstStyle/>
           <a:p>
-            <a:pPr algn="ctr">
+            <a:pPr>
               <a:lnSpc>
                 <a:spcPct val="90000"/>
               </a:lnSpc>
@@ -3801,7 +3800,7 @@
               </a:spcAft>
             </a:pPr>
             <a:r>
-              <a:rPr lang="en-US" sz="4800" b="1" dirty="0">
+              <a:rPr lang="en-US" sz="5400" b="1" dirty="0">
                 <a:solidFill>
                   <a:schemeClr val="bg1"/>
                 </a:solidFill>
@@ -3809,7 +3808,7 @@
                 <a:ea typeface="+mj-ea"/>
                 <a:cs typeface="+mj-cs"/>
               </a:rPr>
-              <a:t>California Wildfire Study </a:t>
+              <a:t>California Wildfires</a:t>
             </a:r>
           </a:p>
         </p:txBody>
@@ -7705,8 +7704,8 @@
         </p:nvSpPr>
         <p:spPr>
           <a:xfrm>
-            <a:off x="590203" y="5652030"/>
-            <a:ext cx="9035935" cy="510666"/>
+            <a:off x="356060" y="5649572"/>
+            <a:ext cx="10210340" cy="510666"/>
           </a:xfrm>
           <a:prstGeom prst="rect">
             <a:avLst/>
@@ -7785,15 +7784,15 @@
               <a:t>, </a:t>
             </a:r>
             <a:r>
-              <a:rPr lang="en-US" sz="2800" b="1" dirty="0" err="1">
+              <a:rPr lang="en-US" sz="2800" dirty="0">
                 <a:solidFill>
                   <a:schemeClr val="bg1"/>
                 </a:solidFill>
-                <a:latin typeface="+mj-lt"/>
-                <a:ea typeface="+mj-ea"/>
-                <a:cs typeface="+mj-cs"/>
+                <a:latin typeface="Lato" panose="020F0502020204030203" pitchFamily="34" charset="0"/>
+                <a:ea typeface="Lato" panose="020F0502020204030203" pitchFamily="34" charset="0"/>
+                <a:cs typeface="Lato" panose="020F0502020204030203" pitchFamily="34" charset="0"/>
               </a:rPr>
-              <a:t>Mattew</a:t>
+              <a:t>Matthew</a:t>
             </a:r>
             <a:r>
               <a:rPr lang="en-US" sz="2800" b="1" dirty="0">
@@ -7825,6 +7824,2062 @@
 <file path=ppt/slides/slide10.xml><?xml version="1.0" encoding="utf-8"?>
 <p:sld xmlns:a="http://schemas.openxmlformats.org/drawingml/2006/main" xmlns:r="http://schemas.openxmlformats.org/officeDocument/2006/relationships" xmlns:p="http://schemas.openxmlformats.org/presentationml/2006/main">
   <p:cSld>
+    <p:bg>
+      <p:bgPr>
+        <a:solidFill>
+          <a:schemeClr val="bg1"/>
+        </a:solidFill>
+        <a:effectLst/>
+      </p:bgPr>
+    </p:bg>
+    <p:spTree>
+      <p:nvGrpSpPr>
+        <p:cNvPr id="1" name=""/>
+        <p:cNvGrpSpPr/>
+        <p:nvPr/>
+      </p:nvGrpSpPr>
+      <p:grpSpPr>
+        <a:xfrm>
+          <a:off x="0" y="0"/>
+          <a:ext cx="0" cy="0"/>
+          <a:chOff x="0" y="0"/>
+          <a:chExt cx="0" cy="0"/>
+        </a:xfrm>
+      </p:grpSpPr>
+      <p:sp useBgFill="1">
+        <p:nvSpPr>
+          <p:cNvPr id="35" name="Rectangle 34">
+            <a:extLst>
+              <a:ext uri="{FF2B5EF4-FFF2-40B4-BE49-F238E27FC236}">
+                <a16:creationId xmlns:a16="http://schemas.microsoft.com/office/drawing/2014/main" id="{1A9F7B4E-B03D-4F64-BE33-00D074458D45}"/>
+              </a:ext>
+              <a:ext uri="{C183D7F6-B498-43B3-948B-1728B52AA6E4}">
+                <adec:decorative xmlns:adec="http://schemas.microsoft.com/office/drawing/2017/decorative" val="1"/>
+              </a:ext>
+            </a:extLst>
+          </p:cNvPr>
+          <p:cNvSpPr>
+            <a:spLocks noGrp="1" noRot="1" noChangeAspect="1" noMove="1" noResize="1" noEditPoints="1" noAdjustHandles="1" noChangeArrowheads="1" noChangeShapeType="1" noTextEdit="1"/>
+          </p:cNvSpPr>
+          <p:nvPr>
+            <p:extLst>
+              <p:ext uri="{386F3935-93C4-4BCD-93E2-E3B085C9AB24}">
+                <p16:designElem xmlns:p16="http://schemas.microsoft.com/office/powerpoint/2015/main" val="1"/>
+              </p:ext>
+            </p:extLst>
+          </p:nvPr>
+        </p:nvSpPr>
+        <p:spPr>
+          <a:xfrm>
+            <a:off x="0" y="0"/>
+            <a:ext cx="12188952" cy="6858000"/>
+          </a:xfrm>
+          <a:prstGeom prst="rect">
+            <a:avLst/>
+          </a:prstGeom>
+          <a:ln>
+            <a:noFill/>
+          </a:ln>
+        </p:spPr>
+        <p:style>
+          <a:lnRef idx="2">
+            <a:schemeClr val="accent1">
+              <a:shade val="50000"/>
+            </a:schemeClr>
+          </a:lnRef>
+          <a:fillRef idx="1">
+            <a:schemeClr val="accent1"/>
+          </a:fillRef>
+          <a:effectRef idx="0">
+            <a:schemeClr val="accent1"/>
+          </a:effectRef>
+          <a:fontRef idx="minor">
+            <a:schemeClr val="lt1"/>
+          </a:fontRef>
+        </p:style>
+        <p:txBody>
+          <a:bodyPr rtlCol="0" anchor="ctr"/>
+          <a:lstStyle/>
+          <a:p>
+            <a:pPr algn="ctr"/>
+            <a:endParaRPr lang="en-US"/>
+          </a:p>
+        </p:txBody>
+      </p:sp>
+      <p:pic>
+        <p:nvPicPr>
+          <p:cNvPr id="7" name="Picture 6" descr="Flames of fire on black background">
+            <a:extLst>
+              <a:ext uri="{FF2B5EF4-FFF2-40B4-BE49-F238E27FC236}">
+                <a16:creationId xmlns:a16="http://schemas.microsoft.com/office/drawing/2014/main" id="{5376063C-D634-0148-BFB0-F9A68B38AEBF}"/>
+              </a:ext>
+            </a:extLst>
+          </p:cNvPr>
+          <p:cNvPicPr>
+            <a:picLocks noChangeAspect="1"/>
+          </p:cNvPicPr>
+          <p:nvPr/>
+        </p:nvPicPr>
+        <p:blipFill rotWithShape="1">
+          <a:blip r:embed="rId2">
+            <a:alphaModFix amt="40000"/>
+            <a:extLst>
+              <a:ext uri="{28A0092B-C50C-407E-A947-70E740481C1C}">
+                <a14:useLocalDpi xmlns:a14="http://schemas.microsoft.com/office/drawing/2010/main" val="0"/>
+              </a:ext>
+            </a:extLst>
+          </a:blip>
+          <a:srcRect t="15730"/>
+          <a:stretch/>
+        </p:blipFill>
+        <p:spPr>
+          <a:xfrm>
+            <a:off x="20" y="10"/>
+            <a:ext cx="12191979" cy="6857990"/>
+          </a:xfrm>
+          <a:prstGeom prst="rect">
+            <a:avLst/>
+          </a:prstGeom>
+        </p:spPr>
+      </p:pic>
+      <p:sp>
+        <p:nvSpPr>
+          <p:cNvPr id="2" name="Title 1">
+            <a:extLst>
+              <a:ext uri="{FF2B5EF4-FFF2-40B4-BE49-F238E27FC236}">
+                <a16:creationId xmlns:a16="http://schemas.microsoft.com/office/drawing/2014/main" id="{2A7E3DB4-705C-C857-4408-3FAC932A8D24}"/>
+              </a:ext>
+            </a:extLst>
+          </p:cNvPr>
+          <p:cNvSpPr>
+            <a:spLocks noGrp="1"/>
+          </p:cNvSpPr>
+          <p:nvPr>
+            <p:ph type="title"/>
+          </p:nvPr>
+        </p:nvSpPr>
+        <p:spPr>
+          <a:xfrm>
+            <a:off x="838200" y="365125"/>
+            <a:ext cx="10515600" cy="1325563"/>
+          </a:xfrm>
+        </p:spPr>
+        <p:txBody>
+          <a:bodyPr>
+            <a:normAutofit/>
+          </a:bodyPr>
+          <a:lstStyle/>
+          <a:p>
+            <a:r>
+              <a:rPr lang="en-US" sz="5400">
+                <a:solidFill>
+                  <a:srgbClr val="FFFFFF"/>
+                </a:solidFill>
+              </a:rPr>
+              <a:t>Conclusions:</a:t>
+            </a:r>
+          </a:p>
+        </p:txBody>
+      </p:sp>
+      <p:sp>
+        <p:nvSpPr>
+          <p:cNvPr id="37" name="sketchy line">
+            <a:extLst>
+              <a:ext uri="{FF2B5EF4-FFF2-40B4-BE49-F238E27FC236}">
+                <a16:creationId xmlns:a16="http://schemas.microsoft.com/office/drawing/2014/main" id="{7E2BE7F7-CA89-4002-ACCE-A478AEA24F5E}"/>
+              </a:ext>
+              <a:ext uri="{C183D7F6-B498-43B3-948B-1728B52AA6E4}">
+                <adec:decorative xmlns:adec="http://schemas.microsoft.com/office/drawing/2017/decorative" val="1"/>
+              </a:ext>
+            </a:extLst>
+          </p:cNvPr>
+          <p:cNvSpPr>
+            <a:spLocks noGrp="1" noRot="1" noChangeAspect="1" noMove="1" noResize="1" noEditPoints="1" noAdjustHandles="1" noChangeArrowheads="1" noChangeShapeType="1" noTextEdit="1"/>
+          </p:cNvSpPr>
+          <p:nvPr>
+            <p:extLst>
+              <p:ext uri="{386F3935-93C4-4BCD-93E2-E3B085C9AB24}">
+                <p16:designElem xmlns:p16="http://schemas.microsoft.com/office/powerpoint/2015/main" val="1"/>
+              </p:ext>
+            </p:extLst>
+          </p:nvPr>
+        </p:nvSpPr>
+        <p:spPr>
+          <a:xfrm>
+            <a:off x="914399" y="1681544"/>
+            <a:ext cx="9692640" cy="18288"/>
+          </a:xfrm>
+          <a:custGeom>
+            <a:avLst/>
+            <a:gdLst>
+              <a:gd name="connsiteX0" fmla="*/ 0 w 9692640"/>
+              <a:gd name="connsiteY0" fmla="*/ 0 h 18288"/>
+              <a:gd name="connsiteX1" fmla="*/ 401552 w 9692640"/>
+              <a:gd name="connsiteY1" fmla="*/ 0 h 18288"/>
+              <a:gd name="connsiteX2" fmla="*/ 996957 w 9692640"/>
+              <a:gd name="connsiteY2" fmla="*/ 0 h 18288"/>
+              <a:gd name="connsiteX3" fmla="*/ 1398509 w 9692640"/>
+              <a:gd name="connsiteY3" fmla="*/ 0 h 18288"/>
+              <a:gd name="connsiteX4" fmla="*/ 2090841 w 9692640"/>
+              <a:gd name="connsiteY4" fmla="*/ 0 h 18288"/>
+              <a:gd name="connsiteX5" fmla="*/ 2686246 w 9692640"/>
+              <a:gd name="connsiteY5" fmla="*/ 0 h 18288"/>
+              <a:gd name="connsiteX6" fmla="*/ 3475504 w 9692640"/>
+              <a:gd name="connsiteY6" fmla="*/ 0 h 18288"/>
+              <a:gd name="connsiteX7" fmla="*/ 4361688 w 9692640"/>
+              <a:gd name="connsiteY7" fmla="*/ 0 h 18288"/>
+              <a:gd name="connsiteX8" fmla="*/ 5054019 w 9692640"/>
+              <a:gd name="connsiteY8" fmla="*/ 0 h 18288"/>
+              <a:gd name="connsiteX9" fmla="*/ 5940204 w 9692640"/>
+              <a:gd name="connsiteY9" fmla="*/ 0 h 18288"/>
+              <a:gd name="connsiteX10" fmla="*/ 6632535 w 9692640"/>
+              <a:gd name="connsiteY10" fmla="*/ 0 h 18288"/>
+              <a:gd name="connsiteX11" fmla="*/ 7034087 w 9692640"/>
+              <a:gd name="connsiteY11" fmla="*/ 0 h 18288"/>
+              <a:gd name="connsiteX12" fmla="*/ 7532566 w 9692640"/>
+              <a:gd name="connsiteY12" fmla="*/ 0 h 18288"/>
+              <a:gd name="connsiteX13" fmla="*/ 8418750 w 9692640"/>
+              <a:gd name="connsiteY13" fmla="*/ 0 h 18288"/>
+              <a:gd name="connsiteX14" fmla="*/ 9692640 w 9692640"/>
+              <a:gd name="connsiteY14" fmla="*/ 0 h 18288"/>
+              <a:gd name="connsiteX15" fmla="*/ 9692640 w 9692640"/>
+              <a:gd name="connsiteY15" fmla="*/ 18288 h 18288"/>
+              <a:gd name="connsiteX16" fmla="*/ 9000309 w 9692640"/>
+              <a:gd name="connsiteY16" fmla="*/ 18288 h 18288"/>
+              <a:gd name="connsiteX17" fmla="*/ 8307977 w 9692640"/>
+              <a:gd name="connsiteY17" fmla="*/ 18288 h 18288"/>
+              <a:gd name="connsiteX18" fmla="*/ 7712572 w 9692640"/>
+              <a:gd name="connsiteY18" fmla="*/ 18288 h 18288"/>
+              <a:gd name="connsiteX19" fmla="*/ 7214093 w 9692640"/>
+              <a:gd name="connsiteY19" fmla="*/ 18288 h 18288"/>
+              <a:gd name="connsiteX20" fmla="*/ 6327909 w 9692640"/>
+              <a:gd name="connsiteY20" fmla="*/ 18288 h 18288"/>
+              <a:gd name="connsiteX21" fmla="*/ 5635578 w 9692640"/>
+              <a:gd name="connsiteY21" fmla="*/ 18288 h 18288"/>
+              <a:gd name="connsiteX22" fmla="*/ 4846320 w 9692640"/>
+              <a:gd name="connsiteY22" fmla="*/ 18288 h 18288"/>
+              <a:gd name="connsiteX23" fmla="*/ 4444768 w 9692640"/>
+              <a:gd name="connsiteY23" fmla="*/ 18288 h 18288"/>
+              <a:gd name="connsiteX24" fmla="*/ 3946289 w 9692640"/>
+              <a:gd name="connsiteY24" fmla="*/ 18288 h 18288"/>
+              <a:gd name="connsiteX25" fmla="*/ 3253958 w 9692640"/>
+              <a:gd name="connsiteY25" fmla="*/ 18288 h 18288"/>
+              <a:gd name="connsiteX26" fmla="*/ 2464700 w 9692640"/>
+              <a:gd name="connsiteY26" fmla="*/ 18288 h 18288"/>
+              <a:gd name="connsiteX27" fmla="*/ 2063148 w 9692640"/>
+              <a:gd name="connsiteY27" fmla="*/ 18288 h 18288"/>
+              <a:gd name="connsiteX28" fmla="*/ 1661595 w 9692640"/>
+              <a:gd name="connsiteY28" fmla="*/ 18288 h 18288"/>
+              <a:gd name="connsiteX29" fmla="*/ 969264 w 9692640"/>
+              <a:gd name="connsiteY29" fmla="*/ 18288 h 18288"/>
+              <a:gd name="connsiteX30" fmla="*/ 0 w 9692640"/>
+              <a:gd name="connsiteY30" fmla="*/ 18288 h 18288"/>
+              <a:gd name="connsiteX31" fmla="*/ 0 w 9692640"/>
+              <a:gd name="connsiteY31" fmla="*/ 0 h 18288"/>
+            </a:gdLst>
+            <a:ahLst/>
+            <a:cxnLst>
+              <a:cxn ang="0">
+                <a:pos x="connsiteX0" y="connsiteY0"/>
+              </a:cxn>
+              <a:cxn ang="0">
+                <a:pos x="connsiteX1" y="connsiteY1"/>
+              </a:cxn>
+              <a:cxn ang="0">
+                <a:pos x="connsiteX2" y="connsiteY2"/>
+              </a:cxn>
+              <a:cxn ang="0">
+                <a:pos x="connsiteX3" y="connsiteY3"/>
+              </a:cxn>
+              <a:cxn ang="0">
+                <a:pos x="connsiteX4" y="connsiteY4"/>
+              </a:cxn>
+              <a:cxn ang="0">
+                <a:pos x="connsiteX5" y="connsiteY5"/>
+              </a:cxn>
+              <a:cxn ang="0">
+                <a:pos x="connsiteX6" y="connsiteY6"/>
+              </a:cxn>
+              <a:cxn ang="0">
+                <a:pos x="connsiteX7" y="connsiteY7"/>
+              </a:cxn>
+              <a:cxn ang="0">
+                <a:pos x="connsiteX8" y="connsiteY8"/>
+              </a:cxn>
+              <a:cxn ang="0">
+                <a:pos x="connsiteX9" y="connsiteY9"/>
+              </a:cxn>
+              <a:cxn ang="0">
+                <a:pos x="connsiteX10" y="connsiteY10"/>
+              </a:cxn>
+              <a:cxn ang="0">
+                <a:pos x="connsiteX11" y="connsiteY11"/>
+              </a:cxn>
+              <a:cxn ang="0">
+                <a:pos x="connsiteX12" y="connsiteY12"/>
+              </a:cxn>
+              <a:cxn ang="0">
+                <a:pos x="connsiteX13" y="connsiteY13"/>
+              </a:cxn>
+              <a:cxn ang="0">
+                <a:pos x="connsiteX14" y="connsiteY14"/>
+              </a:cxn>
+              <a:cxn ang="0">
+                <a:pos x="connsiteX15" y="connsiteY15"/>
+              </a:cxn>
+              <a:cxn ang="0">
+                <a:pos x="connsiteX16" y="connsiteY16"/>
+              </a:cxn>
+              <a:cxn ang="0">
+                <a:pos x="connsiteX17" y="connsiteY17"/>
+              </a:cxn>
+              <a:cxn ang="0">
+                <a:pos x="connsiteX18" y="connsiteY18"/>
+              </a:cxn>
+              <a:cxn ang="0">
+                <a:pos x="connsiteX19" y="connsiteY19"/>
+              </a:cxn>
+              <a:cxn ang="0">
+                <a:pos x="connsiteX20" y="connsiteY20"/>
+              </a:cxn>
+              <a:cxn ang="0">
+                <a:pos x="connsiteX21" y="connsiteY21"/>
+              </a:cxn>
+              <a:cxn ang="0">
+                <a:pos x="connsiteX22" y="connsiteY22"/>
+              </a:cxn>
+              <a:cxn ang="0">
+                <a:pos x="connsiteX23" y="connsiteY23"/>
+              </a:cxn>
+              <a:cxn ang="0">
+                <a:pos x="connsiteX24" y="connsiteY24"/>
+              </a:cxn>
+              <a:cxn ang="0">
+                <a:pos x="connsiteX25" y="connsiteY25"/>
+              </a:cxn>
+              <a:cxn ang="0">
+                <a:pos x="connsiteX26" y="connsiteY26"/>
+              </a:cxn>
+              <a:cxn ang="0">
+                <a:pos x="connsiteX27" y="connsiteY27"/>
+              </a:cxn>
+              <a:cxn ang="0">
+                <a:pos x="connsiteX28" y="connsiteY28"/>
+              </a:cxn>
+              <a:cxn ang="0">
+                <a:pos x="connsiteX29" y="connsiteY29"/>
+              </a:cxn>
+              <a:cxn ang="0">
+                <a:pos x="connsiteX30" y="connsiteY30"/>
+              </a:cxn>
+              <a:cxn ang="0">
+                <a:pos x="connsiteX31" y="connsiteY31"/>
+              </a:cxn>
+            </a:cxnLst>
+            <a:rect l="l" t="t" r="r" b="b"/>
+            <a:pathLst>
+              <a:path w="9692640" h="18288" fill="none" extrusionOk="0">
+                <a:moveTo>
+                  <a:pt x="0" y="0"/>
+                </a:moveTo>
+                <a:cubicBezTo>
+                  <a:pt x="142992" y="4732"/>
+                  <a:pt x="265909" y="-3365"/>
+                  <a:pt x="401552" y="0"/>
+                </a:cubicBezTo>
+                <a:cubicBezTo>
+                  <a:pt x="537195" y="3365"/>
+                  <a:pt x="738153" y="6482"/>
+                  <a:pt x="996957" y="0"/>
+                </a:cubicBezTo>
+                <a:cubicBezTo>
+                  <a:pt x="1255762" y="-6482"/>
+                  <a:pt x="1280511" y="12509"/>
+                  <a:pt x="1398509" y="0"/>
+                </a:cubicBezTo>
+                <a:cubicBezTo>
+                  <a:pt x="1516507" y="-12509"/>
+                  <a:pt x="1782573" y="-31523"/>
+                  <a:pt x="2090841" y="0"/>
+                </a:cubicBezTo>
+                <a:cubicBezTo>
+                  <a:pt x="2399109" y="31523"/>
+                  <a:pt x="2488380" y="26286"/>
+                  <a:pt x="2686246" y="0"/>
+                </a:cubicBezTo>
+                <a:cubicBezTo>
+                  <a:pt x="2884112" y="-26286"/>
+                  <a:pt x="3186024" y="-14734"/>
+                  <a:pt x="3475504" y="0"/>
+                </a:cubicBezTo>
+                <a:cubicBezTo>
+                  <a:pt x="3764984" y="14734"/>
+                  <a:pt x="4053017" y="43292"/>
+                  <a:pt x="4361688" y="0"/>
+                </a:cubicBezTo>
+                <a:cubicBezTo>
+                  <a:pt x="4670359" y="-43292"/>
+                  <a:pt x="4736164" y="-729"/>
+                  <a:pt x="5054019" y="0"/>
+                </a:cubicBezTo>
+                <a:cubicBezTo>
+                  <a:pt x="5371874" y="729"/>
+                  <a:pt x="5543528" y="-22963"/>
+                  <a:pt x="5940204" y="0"/>
+                </a:cubicBezTo>
+                <a:cubicBezTo>
+                  <a:pt x="6336881" y="22963"/>
+                  <a:pt x="6423838" y="6469"/>
+                  <a:pt x="6632535" y="0"/>
+                </a:cubicBezTo>
+                <a:cubicBezTo>
+                  <a:pt x="6841232" y="-6469"/>
+                  <a:pt x="6852819" y="17036"/>
+                  <a:pt x="7034087" y="0"/>
+                </a:cubicBezTo>
+                <a:cubicBezTo>
+                  <a:pt x="7215355" y="-17036"/>
+                  <a:pt x="7313136" y="11151"/>
+                  <a:pt x="7532566" y="0"/>
+                </a:cubicBezTo>
+                <a:cubicBezTo>
+                  <a:pt x="7751996" y="-11151"/>
+                  <a:pt x="8015001" y="25614"/>
+                  <a:pt x="8418750" y="0"/>
+                </a:cubicBezTo>
+                <a:cubicBezTo>
+                  <a:pt x="8822499" y="-25614"/>
+                  <a:pt x="9163239" y="48603"/>
+                  <a:pt x="9692640" y="0"/>
+                </a:cubicBezTo>
+                <a:cubicBezTo>
+                  <a:pt x="9691955" y="4437"/>
+                  <a:pt x="9693170" y="10717"/>
+                  <a:pt x="9692640" y="18288"/>
+                </a:cubicBezTo>
+                <a:cubicBezTo>
+                  <a:pt x="9545125" y="42172"/>
+                  <a:pt x="9164259" y="6706"/>
+                  <a:pt x="9000309" y="18288"/>
+                </a:cubicBezTo>
+                <a:cubicBezTo>
+                  <a:pt x="8836359" y="29870"/>
+                  <a:pt x="8521035" y="-14108"/>
+                  <a:pt x="8307977" y="18288"/>
+                </a:cubicBezTo>
+                <a:cubicBezTo>
+                  <a:pt x="8094919" y="50684"/>
+                  <a:pt x="7881757" y="11235"/>
+                  <a:pt x="7712572" y="18288"/>
+                </a:cubicBezTo>
+                <a:cubicBezTo>
+                  <a:pt x="7543387" y="25341"/>
+                  <a:pt x="7358861" y="20625"/>
+                  <a:pt x="7214093" y="18288"/>
+                </a:cubicBezTo>
+                <a:cubicBezTo>
+                  <a:pt x="7069325" y="15951"/>
+                  <a:pt x="6523705" y="52160"/>
+                  <a:pt x="6327909" y="18288"/>
+                </a:cubicBezTo>
+                <a:cubicBezTo>
+                  <a:pt x="6132113" y="-15584"/>
+                  <a:pt x="5923847" y="21204"/>
+                  <a:pt x="5635578" y="18288"/>
+                </a:cubicBezTo>
+                <a:cubicBezTo>
+                  <a:pt x="5347309" y="15372"/>
+                  <a:pt x="5114749" y="50642"/>
+                  <a:pt x="4846320" y="18288"/>
+                </a:cubicBezTo>
+                <a:cubicBezTo>
+                  <a:pt x="4577891" y="-14066"/>
+                  <a:pt x="4576701" y="1487"/>
+                  <a:pt x="4444768" y="18288"/>
+                </a:cubicBezTo>
+                <a:cubicBezTo>
+                  <a:pt x="4312835" y="35089"/>
+                  <a:pt x="4112575" y="15158"/>
+                  <a:pt x="3946289" y="18288"/>
+                </a:cubicBezTo>
+                <a:cubicBezTo>
+                  <a:pt x="3780003" y="21418"/>
+                  <a:pt x="3396009" y="18797"/>
+                  <a:pt x="3253958" y="18288"/>
+                </a:cubicBezTo>
+                <a:cubicBezTo>
+                  <a:pt x="3111907" y="17779"/>
+                  <a:pt x="2760272" y="57223"/>
+                  <a:pt x="2464700" y="18288"/>
+                </a:cubicBezTo>
+                <a:cubicBezTo>
+                  <a:pt x="2169128" y="-20647"/>
+                  <a:pt x="2232262" y="7960"/>
+                  <a:pt x="2063148" y="18288"/>
+                </a:cubicBezTo>
+                <a:cubicBezTo>
+                  <a:pt x="1894034" y="28616"/>
+                  <a:pt x="1799338" y="3019"/>
+                  <a:pt x="1661595" y="18288"/>
+                </a:cubicBezTo>
+                <a:cubicBezTo>
+                  <a:pt x="1523852" y="33557"/>
+                  <a:pt x="1113928" y="-4352"/>
+                  <a:pt x="969264" y="18288"/>
+                </a:cubicBezTo>
+                <a:cubicBezTo>
+                  <a:pt x="824600" y="40928"/>
+                  <a:pt x="356149" y="-3128"/>
+                  <a:pt x="0" y="18288"/>
+                </a:cubicBezTo>
+                <a:cubicBezTo>
+                  <a:pt x="-540" y="12521"/>
+                  <a:pt x="894" y="7749"/>
+                  <a:pt x="0" y="0"/>
+                </a:cubicBezTo>
+                <a:close/>
+              </a:path>
+              <a:path w="9692640" h="18288" stroke="0" extrusionOk="0">
+                <a:moveTo>
+                  <a:pt x="0" y="0"/>
+                </a:moveTo>
+                <a:cubicBezTo>
+                  <a:pt x="162642" y="3864"/>
+                  <a:pt x="346119" y="-18364"/>
+                  <a:pt x="498479" y="0"/>
+                </a:cubicBezTo>
+                <a:cubicBezTo>
+                  <a:pt x="650839" y="18364"/>
+                  <a:pt x="712065" y="-9389"/>
+                  <a:pt x="900031" y="0"/>
+                </a:cubicBezTo>
+                <a:cubicBezTo>
+                  <a:pt x="1087997" y="9389"/>
+                  <a:pt x="1177291" y="3685"/>
+                  <a:pt x="1398509" y="0"/>
+                </a:cubicBezTo>
+                <a:cubicBezTo>
+                  <a:pt x="1619727" y="-3685"/>
+                  <a:pt x="1874008" y="-8897"/>
+                  <a:pt x="2090841" y="0"/>
+                </a:cubicBezTo>
+                <a:cubicBezTo>
+                  <a:pt x="2307674" y="8897"/>
+                  <a:pt x="2573432" y="-313"/>
+                  <a:pt x="2880099" y="0"/>
+                </a:cubicBezTo>
+                <a:cubicBezTo>
+                  <a:pt x="3186766" y="313"/>
+                  <a:pt x="3422577" y="10664"/>
+                  <a:pt x="3766283" y="0"/>
+                </a:cubicBezTo>
+                <a:cubicBezTo>
+                  <a:pt x="4109989" y="-10664"/>
+                  <a:pt x="4342683" y="-32873"/>
+                  <a:pt x="4652467" y="0"/>
+                </a:cubicBezTo>
+                <a:cubicBezTo>
+                  <a:pt x="4962251" y="32873"/>
+                  <a:pt x="5122120" y="29155"/>
+                  <a:pt x="5247872" y="0"/>
+                </a:cubicBezTo>
+                <a:cubicBezTo>
+                  <a:pt x="5373625" y="-29155"/>
+                  <a:pt x="5749491" y="1706"/>
+                  <a:pt x="6037130" y="0"/>
+                </a:cubicBezTo>
+                <a:cubicBezTo>
+                  <a:pt x="6324769" y="-1706"/>
+                  <a:pt x="6531407" y="1172"/>
+                  <a:pt x="6729461" y="0"/>
+                </a:cubicBezTo>
+                <a:cubicBezTo>
+                  <a:pt x="6927515" y="-1172"/>
+                  <a:pt x="7096794" y="-1520"/>
+                  <a:pt x="7324867" y="0"/>
+                </a:cubicBezTo>
+                <a:cubicBezTo>
+                  <a:pt x="7552940" y="1520"/>
+                  <a:pt x="7878827" y="-17110"/>
+                  <a:pt x="8114124" y="0"/>
+                </a:cubicBezTo>
+                <a:cubicBezTo>
+                  <a:pt x="8349421" y="17110"/>
+                  <a:pt x="8334208" y="15114"/>
+                  <a:pt x="8515677" y="0"/>
+                </a:cubicBezTo>
+                <a:cubicBezTo>
+                  <a:pt x="8697146" y="-15114"/>
+                  <a:pt x="9236164" y="22466"/>
+                  <a:pt x="9692640" y="0"/>
+                </a:cubicBezTo>
+                <a:cubicBezTo>
+                  <a:pt x="9692735" y="8251"/>
+                  <a:pt x="9692514" y="12333"/>
+                  <a:pt x="9692640" y="18288"/>
+                </a:cubicBezTo>
+                <a:cubicBezTo>
+                  <a:pt x="9410102" y="47398"/>
+                  <a:pt x="9172773" y="7109"/>
+                  <a:pt x="9000309" y="18288"/>
+                </a:cubicBezTo>
+                <a:cubicBezTo>
+                  <a:pt x="8827845" y="29467"/>
+                  <a:pt x="8713608" y="28372"/>
+                  <a:pt x="8501830" y="18288"/>
+                </a:cubicBezTo>
+                <a:cubicBezTo>
+                  <a:pt x="8290052" y="8204"/>
+                  <a:pt x="7893416" y="3561"/>
+                  <a:pt x="7712572" y="18288"/>
+                </a:cubicBezTo>
+                <a:cubicBezTo>
+                  <a:pt x="7531728" y="33015"/>
+                  <a:pt x="7480716" y="17052"/>
+                  <a:pt x="7311020" y="18288"/>
+                </a:cubicBezTo>
+                <a:cubicBezTo>
+                  <a:pt x="7141324" y="19524"/>
+                  <a:pt x="6962706" y="15975"/>
+                  <a:pt x="6618688" y="18288"/>
+                </a:cubicBezTo>
+                <a:cubicBezTo>
+                  <a:pt x="6274670" y="20601"/>
+                  <a:pt x="6230664" y="-1692"/>
+                  <a:pt x="6120210" y="18288"/>
+                </a:cubicBezTo>
+                <a:cubicBezTo>
+                  <a:pt x="6009756" y="38268"/>
+                  <a:pt x="5442516" y="28115"/>
+                  <a:pt x="5234026" y="18288"/>
+                </a:cubicBezTo>
+                <a:cubicBezTo>
+                  <a:pt x="5025536" y="8461"/>
+                  <a:pt x="4953693" y="18182"/>
+                  <a:pt x="4832473" y="18288"/>
+                </a:cubicBezTo>
+                <a:cubicBezTo>
+                  <a:pt x="4711253" y="18394"/>
+                  <a:pt x="4414565" y="-11251"/>
+                  <a:pt x="4140142" y="18288"/>
+                </a:cubicBezTo>
+                <a:cubicBezTo>
+                  <a:pt x="3865719" y="47827"/>
+                  <a:pt x="3819081" y="16772"/>
+                  <a:pt x="3738590" y="18288"/>
+                </a:cubicBezTo>
+                <a:cubicBezTo>
+                  <a:pt x="3658099" y="19804"/>
+                  <a:pt x="3427576" y="1385"/>
+                  <a:pt x="3240111" y="18288"/>
+                </a:cubicBezTo>
+                <a:cubicBezTo>
+                  <a:pt x="3052646" y="35191"/>
+                  <a:pt x="2749652" y="-13914"/>
+                  <a:pt x="2450853" y="18288"/>
+                </a:cubicBezTo>
+                <a:cubicBezTo>
+                  <a:pt x="2152054" y="50490"/>
+                  <a:pt x="1928331" y="61101"/>
+                  <a:pt x="1564669" y="18288"/>
+                </a:cubicBezTo>
+                <a:cubicBezTo>
+                  <a:pt x="1201007" y="-24525"/>
+                  <a:pt x="1217828" y="-275"/>
+                  <a:pt x="1066190" y="18288"/>
+                </a:cubicBezTo>
+                <a:cubicBezTo>
+                  <a:pt x="914552" y="36851"/>
+                  <a:pt x="418290" y="-14785"/>
+                  <a:pt x="0" y="18288"/>
+                </a:cubicBezTo>
+                <a:cubicBezTo>
+                  <a:pt x="641" y="14236"/>
+                  <a:pt x="889" y="7550"/>
+                  <a:pt x="0" y="0"/>
+                </a:cubicBezTo>
+                <a:close/>
+              </a:path>
+            </a:pathLst>
+          </a:custGeom>
+          <a:solidFill>
+            <a:srgbClr val="FFFFFF">
+              <a:alpha val="75000"/>
+            </a:srgbClr>
+          </a:solidFill>
+          <a:ln w="44450" cap="rnd">
+            <a:solidFill>
+              <a:srgbClr val="FFFFFF">
+                <a:alpha val="75000"/>
+              </a:srgbClr>
+            </a:solidFill>
+            <a:round/>
+            <a:extLst>
+              <a:ext uri="{C807C97D-BFC1-408E-A445-0C87EB9F89A2}">
+                <ask:lineSketchStyleProps xmlns:ask="http://schemas.microsoft.com/office/drawing/2018/sketchyshapes" sd="2727557108">
+                  <a:prstGeom prst="rect">
+                    <a:avLst/>
+                  </a:prstGeom>
+                  <ask:type>
+                    <ask:lineSketchFreehand/>
+                  </ask:type>
+                </ask:lineSketchStyleProps>
+              </a:ext>
+            </a:extLst>
+          </a:ln>
+        </p:spPr>
+        <p:style>
+          <a:lnRef idx="2">
+            <a:schemeClr val="accent1">
+              <a:shade val="50000"/>
+            </a:schemeClr>
+          </a:lnRef>
+          <a:fillRef idx="1">
+            <a:schemeClr val="accent1"/>
+          </a:fillRef>
+          <a:effectRef idx="0">
+            <a:schemeClr val="accent1"/>
+          </a:effectRef>
+          <a:fontRef idx="minor">
+            <a:schemeClr val="lt1"/>
+          </a:fontRef>
+        </p:style>
+        <p:txBody>
+          <a:bodyPr rtlCol="0" anchor="ctr"/>
+          <a:lstStyle/>
+          <a:p>
+            <a:pPr algn="ctr"/>
+            <a:endParaRPr lang="en-US"/>
+          </a:p>
+        </p:txBody>
+      </p:sp>
+      <p:sp>
+        <p:nvSpPr>
+          <p:cNvPr id="3" name="Content Placeholder 2">
+            <a:extLst>
+              <a:ext uri="{FF2B5EF4-FFF2-40B4-BE49-F238E27FC236}">
+                <a16:creationId xmlns:a16="http://schemas.microsoft.com/office/drawing/2014/main" id="{B5ED2F7B-4850-4333-E749-1C4A75D9389A}"/>
+              </a:ext>
+            </a:extLst>
+          </p:cNvPr>
+          <p:cNvSpPr>
+            <a:spLocks noGrp="1"/>
+          </p:cNvSpPr>
+          <p:nvPr>
+            <p:ph idx="1"/>
+          </p:nvPr>
+        </p:nvSpPr>
+        <p:spPr>
+          <a:xfrm>
+            <a:off x="838200" y="2004446"/>
+            <a:ext cx="10515600" cy="4176897"/>
+          </a:xfrm>
+        </p:spPr>
+        <p:txBody>
+          <a:bodyPr>
+            <a:normAutofit/>
+          </a:bodyPr>
+          <a:lstStyle/>
+          <a:p>
+            <a:r>
+              <a:rPr lang="en-US" sz="2200" dirty="0">
+                <a:solidFill>
+                  <a:srgbClr val="FFFFFF"/>
+                </a:solidFill>
+                <a:latin typeface="Lato" panose="020F0502020204030203" pitchFamily="34" charset="0"/>
+                <a:ea typeface="Lato" panose="020F0502020204030203" pitchFamily="34" charset="0"/>
+                <a:cs typeface="Lato" panose="020F0502020204030203" pitchFamily="34" charset="0"/>
+              </a:rPr>
+              <a:t>Summer months are peak fire season due to high temperatures and extreme drought in the state.</a:t>
+            </a:r>
+          </a:p>
+          <a:p>
+            <a:r>
+              <a:rPr lang="en-US" sz="2200" dirty="0">
+                <a:solidFill>
+                  <a:srgbClr val="FFFFFF"/>
+                </a:solidFill>
+                <a:latin typeface="Lato" panose="020F0502020204030203" pitchFamily="34" charset="0"/>
+                <a:ea typeface="Lato" panose="020F0502020204030203" pitchFamily="34" charset="0"/>
+                <a:cs typeface="Lato" panose="020F0502020204030203" pitchFamily="34" charset="0"/>
+              </a:rPr>
+              <a:t>The highest number of fires occur between 1pm-3pm, which is the hottest part of the day.</a:t>
+            </a:r>
+          </a:p>
+          <a:p>
+            <a:r>
+              <a:rPr lang="en-US" sz="2200" dirty="0">
+                <a:solidFill>
+                  <a:srgbClr val="FFFFFF"/>
+                </a:solidFill>
+                <a:latin typeface="Lato" panose="020F0502020204030203" pitchFamily="34" charset="0"/>
+                <a:ea typeface="Lato" panose="020F0502020204030203" pitchFamily="34" charset="0"/>
+                <a:cs typeface="Lato" panose="020F0502020204030203" pitchFamily="34" charset="0"/>
+              </a:rPr>
+              <a:t>Most fire causes </a:t>
+            </a:r>
+            <a:r>
+              <a:rPr lang="en-US" sz="2200">
+                <a:solidFill>
+                  <a:srgbClr val="FFFFFF"/>
+                </a:solidFill>
+                <a:latin typeface="Lato" panose="020F0502020204030203" pitchFamily="34" charset="0"/>
+                <a:ea typeface="Lato" panose="020F0502020204030203" pitchFamily="34" charset="0"/>
+                <a:cs typeface="Lato" panose="020F0502020204030203" pitchFamily="34" charset="0"/>
+              </a:rPr>
+              <a:t>are unknown.</a:t>
+            </a:r>
+            <a:endParaRPr lang="en-US" sz="2200" dirty="0">
+              <a:solidFill>
+                <a:srgbClr val="FFFFFF"/>
+              </a:solidFill>
+              <a:latin typeface="Lato" panose="020F0502020204030203" pitchFamily="34" charset="0"/>
+              <a:ea typeface="Lato" panose="020F0502020204030203" pitchFamily="34" charset="0"/>
+              <a:cs typeface="Lato" panose="020F0502020204030203" pitchFamily="34" charset="0"/>
+            </a:endParaRPr>
+          </a:p>
+          <a:p>
+            <a:r>
+              <a:rPr lang="en-US" sz="2200" dirty="0">
+                <a:solidFill>
+                  <a:srgbClr val="FFFFFF"/>
+                </a:solidFill>
+                <a:latin typeface="Lato" panose="020F0502020204030203" pitchFamily="34" charset="0"/>
+                <a:ea typeface="Lato" panose="020F0502020204030203" pitchFamily="34" charset="0"/>
+                <a:cs typeface="Lato" panose="020F0502020204030203" pitchFamily="34" charset="0"/>
+              </a:rPr>
+              <a:t>Fires across the state have been progressively increasing from 2012-2022, with a large increase over the past 3 years due to rising temperatures and longer droughts.</a:t>
+            </a:r>
+          </a:p>
+          <a:p>
+            <a:endParaRPr lang="en-US" sz="2200" dirty="0">
+              <a:solidFill>
+                <a:srgbClr val="FFFFFF"/>
+              </a:solidFill>
+            </a:endParaRPr>
+          </a:p>
+        </p:txBody>
+      </p:sp>
+    </p:spTree>
+    <p:extLst>
+      <p:ext uri="{BB962C8B-B14F-4D97-AF65-F5344CB8AC3E}">
+        <p14:creationId xmlns:p14="http://schemas.microsoft.com/office/powerpoint/2010/main" val="1858858562"/>
+      </p:ext>
+    </p:extLst>
+  </p:cSld>
+  <p:clrMapOvr>
+    <a:overrideClrMapping bg1="dk1" tx1="lt1" bg2="dk2" tx2="lt2" accent1="accent1" accent2="accent2" accent3="accent3" accent4="accent4" accent5="accent5" accent6="accent6" hlink="hlink" folHlink="folHlink"/>
+  </p:clrMapOvr>
+</p:sld>
+</file>
+
+<file path=ppt/slides/slide2.xml><?xml version="1.0" encoding="utf-8"?>
+<p:sld xmlns:a="http://schemas.openxmlformats.org/drawingml/2006/main" xmlns:r="http://schemas.openxmlformats.org/officeDocument/2006/relationships" xmlns:p="http://schemas.openxmlformats.org/presentationml/2006/main">
+  <p:cSld>
+    <p:bg>
+      <p:bgPr>
+        <a:solidFill>
+          <a:schemeClr val="bg1"/>
+        </a:solidFill>
+        <a:effectLst/>
+      </p:bgPr>
+    </p:bg>
+    <p:spTree>
+      <p:nvGrpSpPr>
+        <p:cNvPr id="1" name=""/>
+        <p:cNvGrpSpPr/>
+        <p:nvPr/>
+      </p:nvGrpSpPr>
+      <p:grpSpPr>
+        <a:xfrm>
+          <a:off x="0" y="0"/>
+          <a:ext cx="0" cy="0"/>
+          <a:chOff x="0" y="0"/>
+          <a:chExt cx="0" cy="0"/>
+        </a:xfrm>
+      </p:grpSpPr>
+      <p:sp useBgFill="1">
+        <p:nvSpPr>
+          <p:cNvPr id="34" name="Rectangle 33">
+            <a:extLst>
+              <a:ext uri="{FF2B5EF4-FFF2-40B4-BE49-F238E27FC236}">
+                <a16:creationId xmlns:a16="http://schemas.microsoft.com/office/drawing/2014/main" id="{F12E7CC5-C78B-4EBD-9565-3FA00FAA6CF2}"/>
+              </a:ext>
+              <a:ext uri="{C183D7F6-B498-43B3-948B-1728B52AA6E4}">
+                <adec:decorative xmlns:adec="http://schemas.microsoft.com/office/drawing/2017/decorative" val="1"/>
+              </a:ext>
+            </a:extLst>
+          </p:cNvPr>
+          <p:cNvSpPr>
+            <a:spLocks noGrp="1" noRot="1" noChangeAspect="1" noMove="1" noResize="1" noEditPoints="1" noAdjustHandles="1" noChangeArrowheads="1" noChangeShapeType="1" noTextEdit="1"/>
+          </p:cNvSpPr>
+          <p:nvPr>
+            <p:extLst>
+              <p:ext uri="{386F3935-93C4-4BCD-93E2-E3B085C9AB24}">
+                <p16:designElem xmlns:p16="http://schemas.microsoft.com/office/powerpoint/2015/main" val="1"/>
+              </p:ext>
+            </p:extLst>
+          </p:nvPr>
+        </p:nvSpPr>
+        <p:spPr>
+          <a:xfrm>
+            <a:off x="0" y="0"/>
+            <a:ext cx="12188952" cy="6858000"/>
+          </a:xfrm>
+          <a:prstGeom prst="rect">
+            <a:avLst/>
+          </a:prstGeom>
+          <a:ln>
+            <a:noFill/>
+          </a:ln>
+        </p:spPr>
+        <p:style>
+          <a:lnRef idx="2">
+            <a:schemeClr val="accent1">
+              <a:shade val="50000"/>
+            </a:schemeClr>
+          </a:lnRef>
+          <a:fillRef idx="1">
+            <a:schemeClr val="accent1"/>
+          </a:fillRef>
+          <a:effectRef idx="0">
+            <a:schemeClr val="accent1"/>
+          </a:effectRef>
+          <a:fontRef idx="minor">
+            <a:schemeClr val="lt1"/>
+          </a:fontRef>
+        </p:style>
+        <p:txBody>
+          <a:bodyPr rtlCol="0" anchor="ctr"/>
+          <a:lstStyle/>
+          <a:p>
+            <a:pPr algn="ctr"/>
+            <a:endParaRPr lang="en-US"/>
+          </a:p>
+        </p:txBody>
+      </p:sp>
+      <p:sp>
+        <p:nvSpPr>
+          <p:cNvPr id="36" name="Freeform: Shape 35">
+            <a:extLst>
+              <a:ext uri="{FF2B5EF4-FFF2-40B4-BE49-F238E27FC236}">
+                <a16:creationId xmlns:a16="http://schemas.microsoft.com/office/drawing/2014/main" id="{3A4529A5-F675-429F-8044-01372BB13422}"/>
+              </a:ext>
+              <a:ext uri="{C183D7F6-B498-43B3-948B-1728B52AA6E4}">
+                <adec:decorative xmlns:adec="http://schemas.microsoft.com/office/drawing/2017/decorative" val="1"/>
+              </a:ext>
+            </a:extLst>
+          </p:cNvPr>
+          <p:cNvSpPr>
+            <a:spLocks noGrp="1" noRot="1" noChangeAspect="1" noMove="1" noResize="1" noEditPoints="1" noAdjustHandles="1" noChangeArrowheads="1" noChangeShapeType="1" noTextEdit="1"/>
+          </p:cNvSpPr>
+          <p:nvPr>
+            <p:extLst>
+              <p:ext uri="{386F3935-93C4-4BCD-93E2-E3B085C9AB24}">
+                <p16:designElem xmlns:p16="http://schemas.microsoft.com/office/powerpoint/2015/main" val="1"/>
+              </p:ext>
+            </p:extLst>
+          </p:nvPr>
+        </p:nvSpPr>
+        <p:spPr>
+          <a:xfrm flipH="1">
+            <a:off x="-1" y="0"/>
+            <a:ext cx="7562008" cy="6858000"/>
+          </a:xfrm>
+          <a:custGeom>
+            <a:avLst/>
+            <a:gdLst>
+              <a:gd name="connsiteX0" fmla="*/ 7529613 w 7529613"/>
+              <a:gd name="connsiteY0" fmla="*/ 0 h 6858000"/>
+              <a:gd name="connsiteX1" fmla="*/ 1222331 w 7529613"/>
+              <a:gd name="connsiteY1" fmla="*/ 0 h 6858000"/>
+              <a:gd name="connsiteX2" fmla="*/ 1126483 w 7529613"/>
+              <a:gd name="connsiteY2" fmla="*/ 148742 h 6858000"/>
+              <a:gd name="connsiteX3" fmla="*/ 767554 w 7529613"/>
+              <a:gd name="connsiteY3" fmla="*/ 819975 h 6858000"/>
+              <a:gd name="connsiteX4" fmla="*/ 742103 w 7529613"/>
+              <a:gd name="connsiteY4" fmla="*/ 854514 h 6858000"/>
+              <a:gd name="connsiteX5" fmla="*/ 785881 w 7529613"/>
+              <a:gd name="connsiteY5" fmla="*/ 750263 h 6858000"/>
+              <a:gd name="connsiteX6" fmla="*/ 978978 w 7529613"/>
+              <a:gd name="connsiteY6" fmla="*/ 331786 h 6858000"/>
+              <a:gd name="connsiteX7" fmla="*/ 1155717 w 7529613"/>
+              <a:gd name="connsiteY7" fmla="*/ 0 h 6858000"/>
+              <a:gd name="connsiteX8" fmla="*/ 1098249 w 7529613"/>
+              <a:gd name="connsiteY8" fmla="*/ 0 h 6858000"/>
+              <a:gd name="connsiteX9" fmla="*/ 991458 w 7529613"/>
+              <a:gd name="connsiteY9" fmla="*/ 196614 h 6858000"/>
+              <a:gd name="connsiteX10" fmla="*/ 493941 w 7529613"/>
+              <a:gd name="connsiteY10" fmla="*/ 1371196 h 6858000"/>
+              <a:gd name="connsiteX11" fmla="*/ 46485 w 7529613"/>
+              <a:gd name="connsiteY11" fmla="*/ 3331516 h 6858000"/>
+              <a:gd name="connsiteX12" fmla="*/ 12252 w 7529613"/>
+              <a:gd name="connsiteY12" fmla="*/ 4357388 h 6858000"/>
+              <a:gd name="connsiteX13" fmla="*/ 170821 w 7529613"/>
+              <a:gd name="connsiteY13" fmla="*/ 5552906 h 6858000"/>
+              <a:gd name="connsiteX14" fmla="*/ 537265 w 7529613"/>
+              <a:gd name="connsiteY14" fmla="*/ 6828295 h 6858000"/>
+              <a:gd name="connsiteX15" fmla="*/ 549692 w 7529613"/>
+              <a:gd name="connsiteY15" fmla="*/ 6858000 h 6858000"/>
+              <a:gd name="connsiteX16" fmla="*/ 602234 w 7529613"/>
+              <a:gd name="connsiteY16" fmla="*/ 6858000 h 6858000"/>
+              <a:gd name="connsiteX17" fmla="*/ 595414 w 7529613"/>
+              <a:gd name="connsiteY17" fmla="*/ 6841549 h 6858000"/>
+              <a:gd name="connsiteX18" fmla="*/ 364260 w 7529613"/>
+              <a:gd name="connsiteY18" fmla="*/ 6142729 h 6858000"/>
+              <a:gd name="connsiteX19" fmla="*/ 213071 w 7529613"/>
+              <a:gd name="connsiteY19" fmla="*/ 5513923 h 6858000"/>
+              <a:gd name="connsiteX20" fmla="*/ 211290 w 7529613"/>
+              <a:gd name="connsiteY20" fmla="*/ 5480401 h 6858000"/>
+              <a:gd name="connsiteX21" fmla="*/ 311446 w 7529613"/>
+              <a:gd name="connsiteY21" fmla="*/ 5830359 h 6858000"/>
+              <a:gd name="connsiteX22" fmla="*/ 622963 w 7529613"/>
+              <a:gd name="connsiteY22" fmla="*/ 6670527 h 6858000"/>
+              <a:gd name="connsiteX23" fmla="*/ 710464 w 7529613"/>
+              <a:gd name="connsiteY23" fmla="*/ 6858000 h 6858000"/>
+              <a:gd name="connsiteX24" fmla="*/ 7529613 w 7529613"/>
+              <a:gd name="connsiteY24" fmla="*/ 6858000 h 6858000"/>
+            </a:gdLst>
+            <a:ahLst/>
+            <a:cxnLst>
+              <a:cxn ang="0">
+                <a:pos x="connsiteX0" y="connsiteY0"/>
+              </a:cxn>
+              <a:cxn ang="0">
+                <a:pos x="connsiteX1" y="connsiteY1"/>
+              </a:cxn>
+              <a:cxn ang="0">
+                <a:pos x="connsiteX2" y="connsiteY2"/>
+              </a:cxn>
+              <a:cxn ang="0">
+                <a:pos x="connsiteX3" y="connsiteY3"/>
+              </a:cxn>
+              <a:cxn ang="0">
+                <a:pos x="connsiteX4" y="connsiteY4"/>
+              </a:cxn>
+              <a:cxn ang="0">
+                <a:pos x="connsiteX5" y="connsiteY5"/>
+              </a:cxn>
+              <a:cxn ang="0">
+                <a:pos x="connsiteX6" y="connsiteY6"/>
+              </a:cxn>
+              <a:cxn ang="0">
+                <a:pos x="connsiteX7" y="connsiteY7"/>
+              </a:cxn>
+              <a:cxn ang="0">
+                <a:pos x="connsiteX8" y="connsiteY8"/>
+              </a:cxn>
+              <a:cxn ang="0">
+                <a:pos x="connsiteX9" y="connsiteY9"/>
+              </a:cxn>
+              <a:cxn ang="0">
+                <a:pos x="connsiteX10" y="connsiteY10"/>
+              </a:cxn>
+              <a:cxn ang="0">
+                <a:pos x="connsiteX11" y="connsiteY11"/>
+              </a:cxn>
+              <a:cxn ang="0">
+                <a:pos x="connsiteX12" y="connsiteY12"/>
+              </a:cxn>
+              <a:cxn ang="0">
+                <a:pos x="connsiteX13" y="connsiteY13"/>
+              </a:cxn>
+              <a:cxn ang="0">
+                <a:pos x="connsiteX14" y="connsiteY14"/>
+              </a:cxn>
+              <a:cxn ang="0">
+                <a:pos x="connsiteX15" y="connsiteY15"/>
+              </a:cxn>
+              <a:cxn ang="0">
+                <a:pos x="connsiteX16" y="connsiteY16"/>
+              </a:cxn>
+              <a:cxn ang="0">
+                <a:pos x="connsiteX17" y="connsiteY17"/>
+              </a:cxn>
+              <a:cxn ang="0">
+                <a:pos x="connsiteX18" y="connsiteY18"/>
+              </a:cxn>
+              <a:cxn ang="0">
+                <a:pos x="connsiteX19" y="connsiteY19"/>
+              </a:cxn>
+              <a:cxn ang="0">
+                <a:pos x="connsiteX20" y="connsiteY20"/>
+              </a:cxn>
+              <a:cxn ang="0">
+                <a:pos x="connsiteX21" y="connsiteY21"/>
+              </a:cxn>
+              <a:cxn ang="0">
+                <a:pos x="connsiteX22" y="connsiteY22"/>
+              </a:cxn>
+              <a:cxn ang="0">
+                <a:pos x="connsiteX23" y="connsiteY23"/>
+              </a:cxn>
+              <a:cxn ang="0">
+                <a:pos x="connsiteX24" y="connsiteY24"/>
+              </a:cxn>
+            </a:cxnLst>
+            <a:rect l="l" t="t" r="r" b="b"/>
+            <a:pathLst>
+              <a:path w="7529613" h="6858000">
+                <a:moveTo>
+                  <a:pt x="7529613" y="0"/>
+                </a:moveTo>
+                <a:lnTo>
+                  <a:pt x="1222331" y="0"/>
+                </a:lnTo>
+                <a:lnTo>
+                  <a:pt x="1126483" y="148742"/>
+                </a:lnTo>
+                <a:cubicBezTo>
+                  <a:pt x="995323" y="365513"/>
+                  <a:pt x="876174" y="589569"/>
+                  <a:pt x="767554" y="819975"/>
+                </a:cubicBezTo>
+                <a:cubicBezTo>
+                  <a:pt x="762210" y="833492"/>
+                  <a:pt x="753441" y="845393"/>
+                  <a:pt x="742103" y="854514"/>
+                </a:cubicBezTo>
+                <a:cubicBezTo>
+                  <a:pt x="756737" y="819849"/>
+                  <a:pt x="770991" y="784928"/>
+                  <a:pt x="785881" y="750263"/>
+                </a:cubicBezTo>
+                <a:cubicBezTo>
+                  <a:pt x="846713" y="608712"/>
+                  <a:pt x="910948" y="469145"/>
+                  <a:pt x="978978" y="331786"/>
+                </a:cubicBezTo>
+                <a:lnTo>
+                  <a:pt x="1155717" y="0"/>
+                </a:lnTo>
+                <a:lnTo>
+                  <a:pt x="1098249" y="0"/>
+                </a:lnTo>
+                <a:lnTo>
+                  <a:pt x="991458" y="196614"/>
+                </a:lnTo>
+                <a:cubicBezTo>
+                  <a:pt x="797017" y="573253"/>
+                  <a:pt x="633548" y="966066"/>
+                  <a:pt x="493941" y="1371196"/>
+                </a:cubicBezTo>
+                <a:cubicBezTo>
+                  <a:pt x="276630" y="2007265"/>
+                  <a:pt x="126659" y="2664286"/>
+                  <a:pt x="46485" y="3331516"/>
+                </a:cubicBezTo>
+                <a:cubicBezTo>
+                  <a:pt x="4488" y="3672965"/>
+                  <a:pt x="-14219" y="4013908"/>
+                  <a:pt x="12252" y="4357388"/>
+                </a:cubicBezTo>
+                <a:cubicBezTo>
+                  <a:pt x="43558" y="4758899"/>
+                  <a:pt x="90773" y="5157998"/>
+                  <a:pt x="170821" y="5552906"/>
+                </a:cubicBezTo>
+                <a:cubicBezTo>
+                  <a:pt x="259109" y="5988893"/>
+                  <a:pt x="378967" y="6414594"/>
+                  <a:pt x="537265" y="6828295"/>
+                </a:cubicBezTo>
+                <a:lnTo>
+                  <a:pt x="549692" y="6858000"/>
+                </a:lnTo>
+                <a:lnTo>
+                  <a:pt x="602234" y="6858000"/>
+                </a:lnTo>
+                <a:lnTo>
+                  <a:pt x="595414" y="6841549"/>
+                </a:lnTo>
+                <a:cubicBezTo>
+                  <a:pt x="507884" y="6614016"/>
+                  <a:pt x="431296" y="6380817"/>
+                  <a:pt x="364260" y="6142729"/>
+                </a:cubicBezTo>
+                <a:cubicBezTo>
+                  <a:pt x="305974" y="5935370"/>
+                  <a:pt x="262958" y="5723695"/>
+                  <a:pt x="213071" y="5513923"/>
+                </a:cubicBezTo>
+                <a:cubicBezTo>
+                  <a:pt x="211892" y="5502788"/>
+                  <a:pt x="211299" y="5491601"/>
+                  <a:pt x="211290" y="5480401"/>
+                </a:cubicBezTo>
+                <a:cubicBezTo>
+                  <a:pt x="247814" y="5607635"/>
+                  <a:pt x="276958" y="5719759"/>
+                  <a:pt x="311446" y="5830359"/>
+                </a:cubicBezTo>
+                <a:cubicBezTo>
+                  <a:pt x="401357" y="6118381"/>
+                  <a:pt x="505060" y="6398531"/>
+                  <a:pt x="622963" y="6670527"/>
+                </a:cubicBezTo>
+                <a:lnTo>
+                  <a:pt x="710464" y="6858000"/>
+                </a:lnTo>
+                <a:lnTo>
+                  <a:pt x="7529613" y="6858000"/>
+                </a:lnTo>
+                <a:close/>
+              </a:path>
+            </a:pathLst>
+          </a:custGeom>
+          <a:solidFill>
+            <a:schemeClr val="accent2"/>
+          </a:solidFill>
+          <a:ln w="6857" cap="flat">
+            <a:noFill/>
+            <a:prstDash val="solid"/>
+            <a:miter/>
+          </a:ln>
+        </p:spPr>
+        <p:txBody>
+          <a:bodyPr wrap="square" rtlCol="0" anchor="ctr">
+            <a:noAutofit/>
+          </a:bodyPr>
+          <a:lstStyle/>
+          <a:p>
+            <a:endParaRPr lang="en-US"/>
+          </a:p>
+        </p:txBody>
+      </p:sp>
+      <p:sp>
+        <p:nvSpPr>
+          <p:cNvPr id="5" name="TextBox 4">
+            <a:extLst>
+              <a:ext uri="{FF2B5EF4-FFF2-40B4-BE49-F238E27FC236}">
+                <a16:creationId xmlns:a16="http://schemas.microsoft.com/office/drawing/2014/main" id="{D607FFEE-9D16-79A4-89E0-BCB7880685E9}"/>
+              </a:ext>
+            </a:extLst>
+          </p:cNvPr>
+          <p:cNvSpPr txBox="1"/>
+          <p:nvPr/>
+        </p:nvSpPr>
+        <p:spPr>
+          <a:xfrm>
+            <a:off x="7848600" y="1122363"/>
+            <a:ext cx="3505200" cy="4269549"/>
+          </a:xfrm>
+          <a:prstGeom prst="rect">
+            <a:avLst/>
+          </a:prstGeom>
+        </p:spPr>
+        <p:txBody>
+          <a:bodyPr vert="horz" lIns="91440" tIns="45720" rIns="91440" bIns="45720" rtlCol="0" anchor="b">
+            <a:normAutofit/>
+          </a:bodyPr>
+          <a:lstStyle/>
+          <a:p>
+            <a:pPr>
+              <a:lnSpc>
+                <a:spcPct val="90000"/>
+              </a:lnSpc>
+              <a:spcBef>
+                <a:spcPts val="1000"/>
+              </a:spcBef>
+            </a:pPr>
+            <a:r>
+              <a:rPr lang="en-US" sz="2000" dirty="0">
+                <a:latin typeface="Lato" panose="020F0502020204030203" pitchFamily="34" charset="0"/>
+                <a:ea typeface="Lato" panose="020F0502020204030203" pitchFamily="34" charset="0"/>
+                <a:cs typeface="Lato" panose="020F0502020204030203" pitchFamily="34" charset="0"/>
+              </a:rPr>
+              <a:t>W</a:t>
+            </a:r>
+            <a:r>
+              <a:rPr lang="en-US" sz="2000" kern="1200" dirty="0">
+                <a:solidFill>
+                  <a:schemeClr val="tx1"/>
+                </a:solidFill>
+                <a:latin typeface="Lato" panose="020F0502020204030203" pitchFamily="34" charset="0"/>
+                <a:ea typeface="Lato" panose="020F0502020204030203" pitchFamily="34" charset="0"/>
+                <a:cs typeface="Lato" panose="020F0502020204030203" pitchFamily="34" charset="0"/>
+              </a:rPr>
+              <a:t>ildfires in California from 2012 to date exploring the number of fires per year, burn length and location using several datasets.</a:t>
+            </a:r>
+          </a:p>
+        </p:txBody>
+      </p:sp>
+      <p:sp>
+        <p:nvSpPr>
+          <p:cNvPr id="38" name="sketch line 1">
+            <a:extLst>
+              <a:ext uri="{FF2B5EF4-FFF2-40B4-BE49-F238E27FC236}">
+                <a16:creationId xmlns:a16="http://schemas.microsoft.com/office/drawing/2014/main" id="{32C5B66D-E390-4A14-AB60-69626CBF294E}"/>
+              </a:ext>
+              <a:ext uri="{C183D7F6-B498-43B3-948B-1728B52AA6E4}">
+                <adec:decorative xmlns:adec="http://schemas.microsoft.com/office/drawing/2017/decorative" val="1"/>
+              </a:ext>
+            </a:extLst>
+          </p:cNvPr>
+          <p:cNvSpPr>
+            <a:spLocks noGrp="1" noRot="1" noChangeAspect="1" noMove="1" noResize="1" noEditPoints="1" noAdjustHandles="1" noChangeArrowheads="1" noChangeShapeType="1" noTextEdit="1"/>
+          </p:cNvSpPr>
+          <p:nvPr>
+            <p:extLst>
+              <p:ext uri="{386F3935-93C4-4BCD-93E2-E3B085C9AB24}">
+                <p16:designElem xmlns:p16="http://schemas.microsoft.com/office/powerpoint/2015/main" val="1"/>
+              </p:ext>
+            </p:extLst>
+          </p:nvPr>
+        </p:nvSpPr>
+        <p:spPr>
+          <a:xfrm>
+            <a:off x="838199" y="5626353"/>
+            <a:ext cx="4243589" cy="18288"/>
+          </a:xfrm>
+          <a:custGeom>
+            <a:avLst/>
+            <a:gdLst>
+              <a:gd name="connsiteX0" fmla="*/ 0 w 4243589"/>
+              <a:gd name="connsiteY0" fmla="*/ 0 h 18288"/>
+              <a:gd name="connsiteX1" fmla="*/ 563791 w 4243589"/>
+              <a:gd name="connsiteY1" fmla="*/ 0 h 18288"/>
+              <a:gd name="connsiteX2" fmla="*/ 1042710 w 4243589"/>
+              <a:gd name="connsiteY2" fmla="*/ 0 h 18288"/>
+              <a:gd name="connsiteX3" fmla="*/ 1564066 w 4243589"/>
+              <a:gd name="connsiteY3" fmla="*/ 0 h 18288"/>
+              <a:gd name="connsiteX4" fmla="*/ 2212729 w 4243589"/>
+              <a:gd name="connsiteY4" fmla="*/ 0 h 18288"/>
+              <a:gd name="connsiteX5" fmla="*/ 2776520 w 4243589"/>
+              <a:gd name="connsiteY5" fmla="*/ 0 h 18288"/>
+              <a:gd name="connsiteX6" fmla="*/ 3297875 w 4243589"/>
+              <a:gd name="connsiteY6" fmla="*/ 0 h 18288"/>
+              <a:gd name="connsiteX7" fmla="*/ 4243589 w 4243589"/>
+              <a:gd name="connsiteY7" fmla="*/ 0 h 18288"/>
+              <a:gd name="connsiteX8" fmla="*/ 4243589 w 4243589"/>
+              <a:gd name="connsiteY8" fmla="*/ 18288 h 18288"/>
+              <a:gd name="connsiteX9" fmla="*/ 3637362 w 4243589"/>
+              <a:gd name="connsiteY9" fmla="*/ 18288 h 18288"/>
+              <a:gd name="connsiteX10" fmla="*/ 3116007 w 4243589"/>
+              <a:gd name="connsiteY10" fmla="*/ 18288 h 18288"/>
+              <a:gd name="connsiteX11" fmla="*/ 2424908 w 4243589"/>
+              <a:gd name="connsiteY11" fmla="*/ 18288 h 18288"/>
+              <a:gd name="connsiteX12" fmla="*/ 1861117 w 4243589"/>
+              <a:gd name="connsiteY12" fmla="*/ 18288 h 18288"/>
+              <a:gd name="connsiteX13" fmla="*/ 1382198 w 4243589"/>
+              <a:gd name="connsiteY13" fmla="*/ 18288 h 18288"/>
+              <a:gd name="connsiteX14" fmla="*/ 733535 w 4243589"/>
+              <a:gd name="connsiteY14" fmla="*/ 18288 h 18288"/>
+              <a:gd name="connsiteX15" fmla="*/ 0 w 4243589"/>
+              <a:gd name="connsiteY15" fmla="*/ 18288 h 18288"/>
+              <a:gd name="connsiteX16" fmla="*/ 0 w 4243589"/>
+              <a:gd name="connsiteY16" fmla="*/ 0 h 18288"/>
+            </a:gdLst>
+            <a:ahLst/>
+            <a:cxnLst>
+              <a:cxn ang="0">
+                <a:pos x="connsiteX0" y="connsiteY0"/>
+              </a:cxn>
+              <a:cxn ang="0">
+                <a:pos x="connsiteX1" y="connsiteY1"/>
+              </a:cxn>
+              <a:cxn ang="0">
+                <a:pos x="connsiteX2" y="connsiteY2"/>
+              </a:cxn>
+              <a:cxn ang="0">
+                <a:pos x="connsiteX3" y="connsiteY3"/>
+              </a:cxn>
+              <a:cxn ang="0">
+                <a:pos x="connsiteX4" y="connsiteY4"/>
+              </a:cxn>
+              <a:cxn ang="0">
+                <a:pos x="connsiteX5" y="connsiteY5"/>
+              </a:cxn>
+              <a:cxn ang="0">
+                <a:pos x="connsiteX6" y="connsiteY6"/>
+              </a:cxn>
+              <a:cxn ang="0">
+                <a:pos x="connsiteX7" y="connsiteY7"/>
+              </a:cxn>
+              <a:cxn ang="0">
+                <a:pos x="connsiteX8" y="connsiteY8"/>
+              </a:cxn>
+              <a:cxn ang="0">
+                <a:pos x="connsiteX9" y="connsiteY9"/>
+              </a:cxn>
+              <a:cxn ang="0">
+                <a:pos x="connsiteX10" y="connsiteY10"/>
+              </a:cxn>
+              <a:cxn ang="0">
+                <a:pos x="connsiteX11" y="connsiteY11"/>
+              </a:cxn>
+              <a:cxn ang="0">
+                <a:pos x="connsiteX12" y="connsiteY12"/>
+              </a:cxn>
+              <a:cxn ang="0">
+                <a:pos x="connsiteX13" y="connsiteY13"/>
+              </a:cxn>
+              <a:cxn ang="0">
+                <a:pos x="connsiteX14" y="connsiteY14"/>
+              </a:cxn>
+              <a:cxn ang="0">
+                <a:pos x="connsiteX15" y="connsiteY15"/>
+              </a:cxn>
+              <a:cxn ang="0">
+                <a:pos x="connsiteX16" y="connsiteY16"/>
+              </a:cxn>
+            </a:cxnLst>
+            <a:rect l="l" t="t" r="r" b="b"/>
+            <a:pathLst>
+              <a:path w="4243589" h="18288" fill="none" extrusionOk="0">
+                <a:moveTo>
+                  <a:pt x="0" y="0"/>
+                </a:moveTo>
+                <a:cubicBezTo>
+                  <a:pt x="157351" y="-15653"/>
+                  <a:pt x="378877" y="-5828"/>
+                  <a:pt x="563791" y="0"/>
+                </a:cubicBezTo>
+                <a:cubicBezTo>
+                  <a:pt x="748705" y="5828"/>
+                  <a:pt x="905659" y="-5525"/>
+                  <a:pt x="1042710" y="0"/>
+                </a:cubicBezTo>
+                <a:cubicBezTo>
+                  <a:pt x="1179761" y="5525"/>
+                  <a:pt x="1356845" y="-21288"/>
+                  <a:pt x="1564066" y="0"/>
+                </a:cubicBezTo>
+                <a:cubicBezTo>
+                  <a:pt x="1771287" y="21288"/>
+                  <a:pt x="1912099" y="25135"/>
+                  <a:pt x="2212729" y="0"/>
+                </a:cubicBezTo>
+                <a:cubicBezTo>
+                  <a:pt x="2513359" y="-25135"/>
+                  <a:pt x="2514918" y="-27119"/>
+                  <a:pt x="2776520" y="0"/>
+                </a:cubicBezTo>
+                <a:cubicBezTo>
+                  <a:pt x="3038122" y="27119"/>
+                  <a:pt x="3178771" y="18116"/>
+                  <a:pt x="3297875" y="0"/>
+                </a:cubicBezTo>
+                <a:cubicBezTo>
+                  <a:pt x="3416980" y="-18116"/>
+                  <a:pt x="4012240" y="-40869"/>
+                  <a:pt x="4243589" y="0"/>
+                </a:cubicBezTo>
+                <a:cubicBezTo>
+                  <a:pt x="4243987" y="7429"/>
+                  <a:pt x="4243569" y="10822"/>
+                  <a:pt x="4243589" y="18288"/>
+                </a:cubicBezTo>
+                <a:cubicBezTo>
+                  <a:pt x="4112949" y="-2855"/>
+                  <a:pt x="3928037" y="1831"/>
+                  <a:pt x="3637362" y="18288"/>
+                </a:cubicBezTo>
+                <a:cubicBezTo>
+                  <a:pt x="3346687" y="34745"/>
+                  <a:pt x="3254446" y="26669"/>
+                  <a:pt x="3116007" y="18288"/>
+                </a:cubicBezTo>
+                <a:cubicBezTo>
+                  <a:pt x="2977569" y="9907"/>
+                  <a:pt x="2620228" y="28873"/>
+                  <a:pt x="2424908" y="18288"/>
+                </a:cubicBezTo>
+                <a:cubicBezTo>
+                  <a:pt x="2229588" y="7703"/>
+                  <a:pt x="2088287" y="-3854"/>
+                  <a:pt x="1861117" y="18288"/>
+                </a:cubicBezTo>
+                <a:cubicBezTo>
+                  <a:pt x="1633947" y="40430"/>
+                  <a:pt x="1502447" y="-871"/>
+                  <a:pt x="1382198" y="18288"/>
+                </a:cubicBezTo>
+                <a:cubicBezTo>
+                  <a:pt x="1261949" y="37447"/>
+                  <a:pt x="1045440" y="28353"/>
+                  <a:pt x="733535" y="18288"/>
+                </a:cubicBezTo>
+                <a:cubicBezTo>
+                  <a:pt x="421630" y="8223"/>
+                  <a:pt x="341257" y="-18359"/>
+                  <a:pt x="0" y="18288"/>
+                </a:cubicBezTo>
+                <a:cubicBezTo>
+                  <a:pt x="-591" y="13205"/>
+                  <a:pt x="-663" y="6329"/>
+                  <a:pt x="0" y="0"/>
+                </a:cubicBezTo>
+                <a:close/>
+              </a:path>
+              <a:path w="4243589" h="18288" stroke="0" extrusionOk="0">
+                <a:moveTo>
+                  <a:pt x="0" y="0"/>
+                </a:moveTo>
+                <a:cubicBezTo>
+                  <a:pt x="128164" y="17204"/>
+                  <a:pt x="312653" y="1129"/>
+                  <a:pt x="563791" y="0"/>
+                </a:cubicBezTo>
+                <a:cubicBezTo>
+                  <a:pt x="814929" y="-1129"/>
+                  <a:pt x="837271" y="8503"/>
+                  <a:pt x="1042710" y="0"/>
+                </a:cubicBezTo>
+                <a:cubicBezTo>
+                  <a:pt x="1248149" y="-8503"/>
+                  <a:pt x="1588432" y="-28862"/>
+                  <a:pt x="1733809" y="0"/>
+                </a:cubicBezTo>
+                <a:cubicBezTo>
+                  <a:pt x="1879186" y="28862"/>
+                  <a:pt x="2052815" y="5974"/>
+                  <a:pt x="2297600" y="0"/>
+                </a:cubicBezTo>
+                <a:cubicBezTo>
+                  <a:pt x="2542385" y="-5974"/>
+                  <a:pt x="2699960" y="-23550"/>
+                  <a:pt x="2861391" y="0"/>
+                </a:cubicBezTo>
+                <a:cubicBezTo>
+                  <a:pt x="3022822" y="23550"/>
+                  <a:pt x="3390411" y="25272"/>
+                  <a:pt x="3552490" y="0"/>
+                </a:cubicBezTo>
+                <a:cubicBezTo>
+                  <a:pt x="3714569" y="-25272"/>
+                  <a:pt x="3950585" y="-31327"/>
+                  <a:pt x="4243589" y="0"/>
+                </a:cubicBezTo>
+                <a:cubicBezTo>
+                  <a:pt x="4242703" y="5429"/>
+                  <a:pt x="4244410" y="14046"/>
+                  <a:pt x="4243589" y="18288"/>
+                </a:cubicBezTo>
+                <a:cubicBezTo>
+                  <a:pt x="4130424" y="-1240"/>
+                  <a:pt x="3932803" y="42249"/>
+                  <a:pt x="3722234" y="18288"/>
+                </a:cubicBezTo>
+                <a:cubicBezTo>
+                  <a:pt x="3511665" y="-5673"/>
+                  <a:pt x="3269903" y="45994"/>
+                  <a:pt x="3116007" y="18288"/>
+                </a:cubicBezTo>
+                <a:cubicBezTo>
+                  <a:pt x="2962111" y="-9418"/>
+                  <a:pt x="2744280" y="23224"/>
+                  <a:pt x="2509780" y="18288"/>
+                </a:cubicBezTo>
+                <a:cubicBezTo>
+                  <a:pt x="2275280" y="13352"/>
+                  <a:pt x="2066059" y="43664"/>
+                  <a:pt x="1945989" y="18288"/>
+                </a:cubicBezTo>
+                <a:cubicBezTo>
+                  <a:pt x="1825919" y="-7088"/>
+                  <a:pt x="1407329" y="12616"/>
+                  <a:pt x="1254890" y="18288"/>
+                </a:cubicBezTo>
+                <a:cubicBezTo>
+                  <a:pt x="1102451" y="23960"/>
+                  <a:pt x="837950" y="31673"/>
+                  <a:pt x="563791" y="18288"/>
+                </a:cubicBezTo>
+                <a:cubicBezTo>
+                  <a:pt x="289632" y="4903"/>
+                  <a:pt x="132768" y="7105"/>
+                  <a:pt x="0" y="18288"/>
+                </a:cubicBezTo>
+                <a:cubicBezTo>
+                  <a:pt x="668" y="13665"/>
+                  <a:pt x="578" y="5675"/>
+                  <a:pt x="0" y="0"/>
+                </a:cubicBezTo>
+                <a:close/>
+              </a:path>
+            </a:pathLst>
+          </a:custGeom>
+          <a:solidFill>
+            <a:srgbClr val="FFFFFF"/>
+          </a:solidFill>
+          <a:ln w="41275" cap="rnd">
+            <a:solidFill>
+              <a:srgbClr val="FFFFFF"/>
+            </a:solidFill>
+            <a:round/>
+            <a:extLst>
+              <a:ext uri="{C807C97D-BFC1-408E-A445-0C87EB9F89A2}">
+                <ask:lineSketchStyleProps xmlns:ask="http://schemas.microsoft.com/office/drawing/2018/sketchyshapes" sd="1219033472">
+                  <a:prstGeom prst="rect">
+                    <a:avLst/>
+                  </a:prstGeom>
+                  <ask:type>
+                    <ask:lineSketchFreehand/>
+                  </ask:type>
+                </ask:lineSketchStyleProps>
+              </a:ext>
+            </a:extLst>
+          </a:ln>
+        </p:spPr>
+        <p:style>
+          <a:lnRef idx="2">
+            <a:schemeClr val="accent1">
+              <a:shade val="50000"/>
+            </a:schemeClr>
+          </a:lnRef>
+          <a:fillRef idx="1">
+            <a:schemeClr val="accent1"/>
+          </a:fillRef>
+          <a:effectRef idx="0">
+            <a:schemeClr val="accent1"/>
+          </a:effectRef>
+          <a:fontRef idx="minor">
+            <a:schemeClr val="lt1"/>
+          </a:fontRef>
+        </p:style>
+        <p:txBody>
+          <a:bodyPr rtlCol="0" anchor="ctr"/>
+          <a:lstStyle/>
+          <a:p>
+            <a:pPr algn="ctr"/>
+            <a:endParaRPr lang="en-US"/>
+          </a:p>
+        </p:txBody>
+      </p:sp>
+      <p:sp>
+        <p:nvSpPr>
+          <p:cNvPr id="40" name="sketch line">
+            <a:extLst>
+              <a:ext uri="{FF2B5EF4-FFF2-40B4-BE49-F238E27FC236}">
+                <a16:creationId xmlns:a16="http://schemas.microsoft.com/office/drawing/2014/main" id="{646273DA-F933-4D17-A5FE-B1EF87FD7A20}"/>
+              </a:ext>
+              <a:ext uri="{C183D7F6-B498-43B3-948B-1728B52AA6E4}">
+                <adec:decorative xmlns:adec="http://schemas.microsoft.com/office/drawing/2017/decorative" val="1"/>
+              </a:ext>
+            </a:extLst>
+          </p:cNvPr>
+          <p:cNvSpPr>
+            <a:spLocks noGrp="1" noRot="1" noChangeAspect="1" noMove="1" noResize="1" noEditPoints="1" noAdjustHandles="1" noChangeArrowheads="1" noChangeShapeType="1" noTextEdit="1"/>
+          </p:cNvSpPr>
+          <p:nvPr>
+            <p:extLst>
+              <p:ext uri="{386F3935-93C4-4BCD-93E2-E3B085C9AB24}">
+                <p16:designElem xmlns:p16="http://schemas.microsoft.com/office/powerpoint/2015/main" val="1"/>
+              </p:ext>
+            </p:extLst>
+          </p:nvPr>
+        </p:nvSpPr>
+        <p:spPr>
+          <a:xfrm>
+            <a:off x="7850653" y="5626353"/>
+            <a:ext cx="3479619" cy="18288"/>
+          </a:xfrm>
+          <a:custGeom>
+            <a:avLst/>
+            <a:gdLst>
+              <a:gd name="connsiteX0" fmla="*/ 0 w 3479619"/>
+              <a:gd name="connsiteY0" fmla="*/ 0 h 18288"/>
+              <a:gd name="connsiteX1" fmla="*/ 661128 w 3479619"/>
+              <a:gd name="connsiteY1" fmla="*/ 0 h 18288"/>
+              <a:gd name="connsiteX2" fmla="*/ 1357051 w 3479619"/>
+              <a:gd name="connsiteY2" fmla="*/ 0 h 18288"/>
+              <a:gd name="connsiteX3" fmla="*/ 2087771 w 3479619"/>
+              <a:gd name="connsiteY3" fmla="*/ 0 h 18288"/>
+              <a:gd name="connsiteX4" fmla="*/ 2818491 w 3479619"/>
+              <a:gd name="connsiteY4" fmla="*/ 0 h 18288"/>
+              <a:gd name="connsiteX5" fmla="*/ 3479619 w 3479619"/>
+              <a:gd name="connsiteY5" fmla="*/ 0 h 18288"/>
+              <a:gd name="connsiteX6" fmla="*/ 3479619 w 3479619"/>
+              <a:gd name="connsiteY6" fmla="*/ 18288 h 18288"/>
+              <a:gd name="connsiteX7" fmla="*/ 2714103 w 3479619"/>
+              <a:gd name="connsiteY7" fmla="*/ 18288 h 18288"/>
+              <a:gd name="connsiteX8" fmla="*/ 1948587 w 3479619"/>
+              <a:gd name="connsiteY8" fmla="*/ 18288 h 18288"/>
+              <a:gd name="connsiteX9" fmla="*/ 1252663 w 3479619"/>
+              <a:gd name="connsiteY9" fmla="*/ 18288 h 18288"/>
+              <a:gd name="connsiteX10" fmla="*/ 0 w 3479619"/>
+              <a:gd name="connsiteY10" fmla="*/ 18288 h 18288"/>
+              <a:gd name="connsiteX11" fmla="*/ 0 w 3479619"/>
+              <a:gd name="connsiteY11" fmla="*/ 0 h 18288"/>
+            </a:gdLst>
+            <a:ahLst/>
+            <a:cxnLst>
+              <a:cxn ang="0">
+                <a:pos x="connsiteX0" y="connsiteY0"/>
+              </a:cxn>
+              <a:cxn ang="0">
+                <a:pos x="connsiteX1" y="connsiteY1"/>
+              </a:cxn>
+              <a:cxn ang="0">
+                <a:pos x="connsiteX2" y="connsiteY2"/>
+              </a:cxn>
+              <a:cxn ang="0">
+                <a:pos x="connsiteX3" y="connsiteY3"/>
+              </a:cxn>
+              <a:cxn ang="0">
+                <a:pos x="connsiteX4" y="connsiteY4"/>
+              </a:cxn>
+              <a:cxn ang="0">
+                <a:pos x="connsiteX5" y="connsiteY5"/>
+              </a:cxn>
+              <a:cxn ang="0">
+                <a:pos x="connsiteX6" y="connsiteY6"/>
+              </a:cxn>
+              <a:cxn ang="0">
+                <a:pos x="connsiteX7" y="connsiteY7"/>
+              </a:cxn>
+              <a:cxn ang="0">
+                <a:pos x="connsiteX8" y="connsiteY8"/>
+              </a:cxn>
+              <a:cxn ang="0">
+                <a:pos x="connsiteX9" y="connsiteY9"/>
+              </a:cxn>
+              <a:cxn ang="0">
+                <a:pos x="connsiteX10" y="connsiteY10"/>
+              </a:cxn>
+              <a:cxn ang="0">
+                <a:pos x="connsiteX11" y="connsiteY11"/>
+              </a:cxn>
+            </a:cxnLst>
+            <a:rect l="l" t="t" r="r" b="b"/>
+            <a:pathLst>
+              <a:path w="3479619" h="18288" fill="none" extrusionOk="0">
+                <a:moveTo>
+                  <a:pt x="0" y="0"/>
+                </a:moveTo>
+                <a:cubicBezTo>
+                  <a:pt x="178395" y="-3637"/>
+                  <a:pt x="368619" y="-28254"/>
+                  <a:pt x="661128" y="0"/>
+                </a:cubicBezTo>
+                <a:cubicBezTo>
+                  <a:pt x="953637" y="28254"/>
+                  <a:pt x="1022982" y="-4416"/>
+                  <a:pt x="1357051" y="0"/>
+                </a:cubicBezTo>
+                <a:cubicBezTo>
+                  <a:pt x="1691120" y="4416"/>
+                  <a:pt x="1729558" y="27777"/>
+                  <a:pt x="2087771" y="0"/>
+                </a:cubicBezTo>
+                <a:cubicBezTo>
+                  <a:pt x="2445984" y="-27777"/>
+                  <a:pt x="2592094" y="4429"/>
+                  <a:pt x="2818491" y="0"/>
+                </a:cubicBezTo>
+                <a:cubicBezTo>
+                  <a:pt x="3044888" y="-4429"/>
+                  <a:pt x="3204567" y="26471"/>
+                  <a:pt x="3479619" y="0"/>
+                </a:cubicBezTo>
+                <a:cubicBezTo>
+                  <a:pt x="3478910" y="8157"/>
+                  <a:pt x="3479206" y="12125"/>
+                  <a:pt x="3479619" y="18288"/>
+                </a:cubicBezTo>
+                <a:cubicBezTo>
+                  <a:pt x="3315855" y="-2963"/>
+                  <a:pt x="3094885" y="26965"/>
+                  <a:pt x="2714103" y="18288"/>
+                </a:cubicBezTo>
+                <a:cubicBezTo>
+                  <a:pt x="2333321" y="9611"/>
+                  <a:pt x="2260528" y="-15335"/>
+                  <a:pt x="1948587" y="18288"/>
+                </a:cubicBezTo>
+                <a:cubicBezTo>
+                  <a:pt x="1636646" y="51911"/>
+                  <a:pt x="1489816" y="46369"/>
+                  <a:pt x="1252663" y="18288"/>
+                </a:cubicBezTo>
+                <a:cubicBezTo>
+                  <a:pt x="1015510" y="-9793"/>
+                  <a:pt x="519812" y="-12177"/>
+                  <a:pt x="0" y="18288"/>
+                </a:cubicBezTo>
+                <a:cubicBezTo>
+                  <a:pt x="-46" y="12483"/>
+                  <a:pt x="-203" y="6491"/>
+                  <a:pt x="0" y="0"/>
+                </a:cubicBezTo>
+                <a:close/>
+              </a:path>
+              <a:path w="3479619" h="18288" stroke="0" extrusionOk="0">
+                <a:moveTo>
+                  <a:pt x="0" y="0"/>
+                </a:moveTo>
+                <a:cubicBezTo>
+                  <a:pt x="326045" y="25020"/>
+                  <a:pt x="425411" y="-17676"/>
+                  <a:pt x="661128" y="0"/>
+                </a:cubicBezTo>
+                <a:cubicBezTo>
+                  <a:pt x="896845" y="17676"/>
+                  <a:pt x="1124825" y="1478"/>
+                  <a:pt x="1252663" y="0"/>
+                </a:cubicBezTo>
+                <a:cubicBezTo>
+                  <a:pt x="1380502" y="-1478"/>
+                  <a:pt x="1694914" y="11788"/>
+                  <a:pt x="2018179" y="0"/>
+                </a:cubicBezTo>
+                <a:cubicBezTo>
+                  <a:pt x="2341444" y="-11788"/>
+                  <a:pt x="2451167" y="12596"/>
+                  <a:pt x="2679307" y="0"/>
+                </a:cubicBezTo>
+                <a:cubicBezTo>
+                  <a:pt x="2907447" y="-12596"/>
+                  <a:pt x="3094555" y="23821"/>
+                  <a:pt x="3479619" y="0"/>
+                </a:cubicBezTo>
+                <a:cubicBezTo>
+                  <a:pt x="3479355" y="4493"/>
+                  <a:pt x="3480003" y="9472"/>
+                  <a:pt x="3479619" y="18288"/>
+                </a:cubicBezTo>
+                <a:cubicBezTo>
+                  <a:pt x="3311729" y="36782"/>
+                  <a:pt x="3015946" y="7938"/>
+                  <a:pt x="2783695" y="18288"/>
+                </a:cubicBezTo>
+                <a:cubicBezTo>
+                  <a:pt x="2551444" y="28638"/>
+                  <a:pt x="2398767" y="-13940"/>
+                  <a:pt x="2018179" y="18288"/>
+                </a:cubicBezTo>
+                <a:cubicBezTo>
+                  <a:pt x="1637591" y="50516"/>
+                  <a:pt x="1634873" y="-6356"/>
+                  <a:pt x="1426644" y="18288"/>
+                </a:cubicBezTo>
+                <a:cubicBezTo>
+                  <a:pt x="1218415" y="42932"/>
+                  <a:pt x="1006973" y="4094"/>
+                  <a:pt x="730720" y="18288"/>
+                </a:cubicBezTo>
+                <a:cubicBezTo>
+                  <a:pt x="454467" y="32482"/>
+                  <a:pt x="291313" y="3910"/>
+                  <a:pt x="0" y="18288"/>
+                </a:cubicBezTo>
+                <a:cubicBezTo>
+                  <a:pt x="843" y="9577"/>
+                  <a:pt x="371" y="6900"/>
+                  <a:pt x="0" y="0"/>
+                </a:cubicBezTo>
+                <a:close/>
+              </a:path>
+            </a:pathLst>
+          </a:custGeom>
+          <a:solidFill>
+            <a:schemeClr val="accent2"/>
+          </a:solidFill>
+          <a:ln w="41275" cap="rnd">
+            <a:solidFill>
+              <a:schemeClr val="accent2"/>
+            </a:solidFill>
+            <a:round/>
+            <a:extLst>
+              <a:ext uri="{C807C97D-BFC1-408E-A445-0C87EB9F89A2}">
+                <ask:lineSketchStyleProps xmlns:ask="http://schemas.microsoft.com/office/drawing/2018/sketchyshapes" sd="1219033472">
+                  <a:prstGeom prst="rect">
+                    <a:avLst/>
+                  </a:prstGeom>
+                  <ask:type>
+                    <ask:lineSketchFreehand/>
+                  </ask:type>
+                </ask:lineSketchStyleProps>
+              </a:ext>
+            </a:extLst>
+          </a:ln>
+        </p:spPr>
+        <p:style>
+          <a:lnRef idx="2">
+            <a:schemeClr val="accent1">
+              <a:shade val="50000"/>
+            </a:schemeClr>
+          </a:lnRef>
+          <a:fillRef idx="1">
+            <a:schemeClr val="accent1"/>
+          </a:fillRef>
+          <a:effectRef idx="0">
+            <a:schemeClr val="accent1"/>
+          </a:effectRef>
+          <a:fontRef idx="minor">
+            <a:schemeClr val="lt1"/>
+          </a:fontRef>
+        </p:style>
+        <p:txBody>
+          <a:bodyPr rtlCol="0" anchor="ctr"/>
+          <a:lstStyle/>
+          <a:p>
+            <a:pPr algn="ctr"/>
+            <a:endParaRPr lang="en-US"/>
+          </a:p>
+        </p:txBody>
+      </p:sp>
+      <p:sp>
+        <p:nvSpPr>
+          <p:cNvPr id="2" name="TextBox 1">
+            <a:extLst>
+              <a:ext uri="{FF2B5EF4-FFF2-40B4-BE49-F238E27FC236}">
+                <a16:creationId xmlns:a16="http://schemas.microsoft.com/office/drawing/2014/main" id="{05FE3551-3377-2299-ABF1-72539AFCA6D5}"/>
+              </a:ext>
+            </a:extLst>
+          </p:cNvPr>
+          <p:cNvSpPr txBox="1"/>
+          <p:nvPr/>
+        </p:nvSpPr>
+        <p:spPr>
+          <a:xfrm>
+            <a:off x="55081" y="1066800"/>
+            <a:ext cx="6877087" cy="4300841"/>
+          </a:xfrm>
+          <a:prstGeom prst="rect">
+            <a:avLst/>
+          </a:prstGeom>
+        </p:spPr>
+        <p:txBody>
+          <a:bodyPr vert="horz" lIns="91440" tIns="45720" rIns="91440" bIns="45720" rtlCol="0">
+            <a:noAutofit/>
+          </a:bodyPr>
+          <a:lstStyle/>
+          <a:p>
+            <a:pPr algn="ctr">
+              <a:lnSpc>
+                <a:spcPct val="90000"/>
+              </a:lnSpc>
+              <a:spcBef>
+                <a:spcPts val="1000"/>
+              </a:spcBef>
+              <a:spcAft>
+                <a:spcPts val="600"/>
+              </a:spcAft>
+            </a:pPr>
+            <a:r>
+              <a:rPr lang="en-US" sz="2800" dirty="0">
+                <a:solidFill>
+                  <a:srgbClr val="FFFFFF"/>
+                </a:solidFill>
+                <a:latin typeface="Lato" panose="020F0502020204030203" pitchFamily="34" charset="0"/>
+                <a:ea typeface="Lato" panose="020F0502020204030203" pitchFamily="34" charset="0"/>
+                <a:cs typeface="Lato" panose="020F0502020204030203" pitchFamily="34" charset="0"/>
+              </a:rPr>
+              <a:t>California w</a:t>
+            </a:r>
+            <a:r>
+              <a:rPr lang="en-US" sz="2800" kern="1200" dirty="0">
+                <a:solidFill>
+                  <a:srgbClr val="FFFFFF"/>
+                </a:solidFill>
+                <a:latin typeface="Lato" panose="020F0502020204030203" pitchFamily="34" charset="0"/>
+                <a:ea typeface="Lato" panose="020F0502020204030203" pitchFamily="34" charset="0"/>
+                <a:cs typeface="Lato" panose="020F0502020204030203" pitchFamily="34" charset="0"/>
+              </a:rPr>
+              <a:t>ildfires pose significant danger immediately threatening life, property, and air quality with long-term impacts on the state’s water supply. Tracking fire locations and the extent of the events that effect the area may help with predicting and managing potential impacts fires will have upon the state’s water supply, air quality, land availability and livability as well as many other resources that will begin to become limited.  </a:t>
+            </a:r>
+          </a:p>
+        </p:txBody>
+      </p:sp>
+      <p:sp>
+        <p:nvSpPr>
+          <p:cNvPr id="4" name="TextBox 3">
+            <a:extLst>
+              <a:ext uri="{FF2B5EF4-FFF2-40B4-BE49-F238E27FC236}">
+                <a16:creationId xmlns:a16="http://schemas.microsoft.com/office/drawing/2014/main" id="{EF38D8F9-1D12-CDBA-9908-3E943B9B14B5}"/>
+              </a:ext>
+            </a:extLst>
+          </p:cNvPr>
+          <p:cNvSpPr txBox="1"/>
+          <p:nvPr/>
+        </p:nvSpPr>
+        <p:spPr>
+          <a:xfrm>
+            <a:off x="7848600" y="3294277"/>
+            <a:ext cx="3368040" cy="523220"/>
+          </a:xfrm>
+          <a:prstGeom prst="rect">
+            <a:avLst/>
+          </a:prstGeom>
+          <a:noFill/>
+        </p:spPr>
+        <p:txBody>
+          <a:bodyPr wrap="square" rtlCol="0">
+            <a:spAutoFit/>
+          </a:bodyPr>
+          <a:lstStyle/>
+          <a:p>
+            <a:r>
+              <a:rPr lang="en-US" sz="2800" dirty="0">
+                <a:latin typeface="+mj-lt"/>
+              </a:rPr>
+              <a:t>PROJECT FOCUS:</a:t>
+            </a:r>
+          </a:p>
+        </p:txBody>
+      </p:sp>
+      <p:pic>
+        <p:nvPicPr>
+          <p:cNvPr id="7" name="Picture 6" descr="A picture containing tree, outdoor, plant, forest&#10;&#10;Description automatically generated">
+            <a:extLst>
+              <a:ext uri="{FF2B5EF4-FFF2-40B4-BE49-F238E27FC236}">
+                <a16:creationId xmlns:a16="http://schemas.microsoft.com/office/drawing/2014/main" id="{62249FBD-3D80-D568-4313-91FC2EC37B4F}"/>
+              </a:ext>
+            </a:extLst>
+          </p:cNvPr>
+          <p:cNvPicPr>
+            <a:picLocks noChangeAspect="1"/>
+          </p:cNvPicPr>
+          <p:nvPr/>
+        </p:nvPicPr>
+        <p:blipFill>
+          <a:blip r:embed="rId2">
+            <a:extLst>
+              <a:ext uri="{28A0092B-C50C-407E-A947-70E740481C1C}">
+                <a14:useLocalDpi xmlns:a14="http://schemas.microsoft.com/office/drawing/2010/main" val="0"/>
+              </a:ext>
+            </a:extLst>
+          </a:blip>
+          <a:stretch>
+            <a:fillRect/>
+          </a:stretch>
+        </p:blipFill>
+        <p:spPr>
+          <a:xfrm>
+            <a:off x="7848600" y="445816"/>
+            <a:ext cx="3368040" cy="2532558"/>
+          </a:xfrm>
+          <a:prstGeom prst="rect">
+            <a:avLst/>
+          </a:prstGeom>
+        </p:spPr>
+      </p:pic>
+    </p:spTree>
+    <p:extLst>
+      <p:ext uri="{BB962C8B-B14F-4D97-AF65-F5344CB8AC3E}">
+        <p14:creationId xmlns:p14="http://schemas.microsoft.com/office/powerpoint/2010/main" val="1034098591"/>
+      </p:ext>
+    </p:extLst>
+  </p:cSld>
+  <p:clrMapOvr>
+    <a:masterClrMapping/>
+  </p:clrMapOvr>
+</p:sld>
+</file>
+
+<file path=ppt/slides/slide3.xml><?xml version="1.0" encoding="utf-8"?>
+<p:sld xmlns:a="http://schemas.openxmlformats.org/drawingml/2006/main" xmlns:r="http://schemas.openxmlformats.org/officeDocument/2006/relationships" xmlns:p="http://schemas.openxmlformats.org/presentationml/2006/main">
+  <p:cSld>
+    <p:bg>
+      <p:bgPr>
+        <a:solidFill>
+          <a:schemeClr val="bg1"/>
+        </a:solidFill>
+        <a:effectLst/>
+      </p:bgPr>
+    </p:bg>
     <p:spTree>
       <p:nvGrpSpPr>
         <p:cNvPr id="1" name=""/>
@@ -7841,190 +9896,76 @@
       </p:grpSpPr>
       <p:sp>
         <p:nvSpPr>
-          <p:cNvPr id="2" name="Title 1">
+          <p:cNvPr id="9" name="Down Arrow 7">
             <a:extLst>
               <a:ext uri="{FF2B5EF4-FFF2-40B4-BE49-F238E27FC236}">
-                <a16:creationId xmlns:a16="http://schemas.microsoft.com/office/drawing/2014/main" id="{E42912D7-8C1F-B426-6442-3552DDFC59ED}"/>
+                <a16:creationId xmlns:a16="http://schemas.microsoft.com/office/drawing/2014/main" id="{D4771268-CB57-404A-9271-370EB28F6090}"/>
+              </a:ext>
+              <a:ext uri="{C183D7F6-B498-43B3-948B-1728B52AA6E4}">
+                <adec:decorative xmlns:adec="http://schemas.microsoft.com/office/drawing/2017/decorative" val="1"/>
               </a:ext>
             </a:extLst>
           </p:cNvPr>
           <p:cNvSpPr>
-            <a:spLocks noGrp="1"/>
+            <a:spLocks noGrp="1" noRot="1" noChangeAspect="1" noMove="1" noResize="1" noEditPoints="1" noAdjustHandles="1" noChangeArrowheads="1" noChangeShapeType="1" noTextEdit="1"/>
           </p:cNvSpPr>
           <p:nvPr>
-            <p:ph type="title"/>
+            <p:extLst>
+              <p:ext uri="{386F3935-93C4-4BCD-93E2-E3B085C9AB24}">
+                <p16:designElem xmlns:p16="http://schemas.microsoft.com/office/powerpoint/2015/main" val="1"/>
+              </p:ext>
+            </p:extLst>
           </p:nvPr>
         </p:nvSpPr>
-        <p:spPr/>
+        <p:spPr>
+          <a:xfrm rot="16200000">
+            <a:off x="800100" y="1491343"/>
+            <a:ext cx="3333749" cy="3499103"/>
+          </a:xfrm>
+          <a:prstGeom prst="downArrow">
+            <a:avLst>
+              <a:gd name="adj1" fmla="val 100000"/>
+              <a:gd name="adj2" fmla="val 15788"/>
+            </a:avLst>
+          </a:prstGeom>
+          <a:solidFill>
+            <a:srgbClr val="404040"/>
+          </a:solidFill>
+          <a:ln w="53975">
+            <a:noFill/>
+          </a:ln>
+        </p:spPr>
+        <p:style>
+          <a:lnRef idx="2">
+            <a:schemeClr val="accent1">
+              <a:shade val="50000"/>
+            </a:schemeClr>
+          </a:lnRef>
+          <a:fillRef idx="1">
+            <a:schemeClr val="accent1"/>
+          </a:fillRef>
+          <a:effectRef idx="0">
+            <a:schemeClr val="accent1"/>
+          </a:effectRef>
+          <a:fontRef idx="minor">
+            <a:schemeClr val="lt1"/>
+          </a:fontRef>
+        </p:style>
         <p:txBody>
-          <a:bodyPr/>
+          <a:bodyPr rtlCol="0" anchor="ctr"/>
           <a:lstStyle/>
           <a:p>
+            <a:pPr algn="ctr"/>
             <a:endParaRPr lang="en-US"/>
           </a:p>
         </p:txBody>
       </p:sp>
-      <p:pic>
-        <p:nvPicPr>
-          <p:cNvPr id="5" name="Content Placeholder 4" descr="Chart&#10;&#10;Description automatically generated">
+      <p:sp>
+        <p:nvSpPr>
+          <p:cNvPr id="3" name="TextBox 2">
             <a:extLst>
               <a:ext uri="{FF2B5EF4-FFF2-40B4-BE49-F238E27FC236}">
-                <a16:creationId xmlns:a16="http://schemas.microsoft.com/office/drawing/2014/main" id="{15A1BC20-F607-4243-38BD-1726A6B50F9D}"/>
-              </a:ext>
-            </a:extLst>
-          </p:cNvPr>
-          <p:cNvPicPr>
-            <a:picLocks noGrp="1" noChangeAspect="1"/>
-          </p:cNvPicPr>
-          <p:nvPr>
-            <p:ph idx="1"/>
-          </p:nvPr>
-        </p:nvPicPr>
-        <p:blipFill>
-          <a:blip r:embed="rId2">
-            <a:extLst>
-              <a:ext uri="{28A0092B-C50C-407E-A947-70E740481C1C}">
-                <a14:useLocalDpi xmlns:a14="http://schemas.microsoft.com/office/drawing/2010/main" val="0"/>
-              </a:ext>
-            </a:extLst>
-          </a:blip>
-          <a:stretch>
-            <a:fillRect/>
-          </a:stretch>
-        </p:blipFill>
-        <p:spPr>
-          <a:xfrm>
-            <a:off x="838200" y="2265313"/>
-            <a:ext cx="10515600" cy="3471961"/>
-          </a:xfrm>
-        </p:spPr>
-      </p:pic>
-    </p:spTree>
-    <p:extLst>
-      <p:ext uri="{BB962C8B-B14F-4D97-AF65-F5344CB8AC3E}">
-        <p14:creationId xmlns:p14="http://schemas.microsoft.com/office/powerpoint/2010/main" val="1484548813"/>
-      </p:ext>
-    </p:extLst>
-  </p:cSld>
-  <p:clrMapOvr>
-    <a:masterClrMapping/>
-  </p:clrMapOvr>
-</p:sld>
-</file>
-
-<file path=ppt/slides/slide11.xml><?xml version="1.0" encoding="utf-8"?>
-<p:sld xmlns:a="http://schemas.openxmlformats.org/drawingml/2006/main" xmlns:r="http://schemas.openxmlformats.org/officeDocument/2006/relationships" xmlns:p="http://schemas.openxmlformats.org/presentationml/2006/main">
-  <p:cSld>
-    <p:spTree>
-      <p:nvGrpSpPr>
-        <p:cNvPr id="1" name=""/>
-        <p:cNvGrpSpPr/>
-        <p:nvPr/>
-      </p:nvGrpSpPr>
-      <p:grpSpPr>
-        <a:xfrm>
-          <a:off x="0" y="0"/>
-          <a:ext cx="0" cy="0"/>
-          <a:chOff x="0" y="0"/>
-          <a:chExt cx="0" cy="0"/>
-        </a:xfrm>
-      </p:grpSpPr>
-      <p:sp>
-        <p:nvSpPr>
-          <p:cNvPr id="2" name="Title 1">
-            <a:extLst>
-              <a:ext uri="{FF2B5EF4-FFF2-40B4-BE49-F238E27FC236}">
-                <a16:creationId xmlns:a16="http://schemas.microsoft.com/office/drawing/2014/main" id="{B534CA63-2ECE-0DBC-7E68-911096E2AF45}"/>
-              </a:ext>
-            </a:extLst>
-          </p:cNvPr>
-          <p:cNvSpPr>
-            <a:spLocks noGrp="1"/>
-          </p:cNvSpPr>
-          <p:nvPr>
-            <p:ph type="title"/>
-          </p:nvPr>
-        </p:nvSpPr>
-        <p:spPr/>
-        <p:txBody>
-          <a:bodyPr/>
-          <a:lstStyle/>
-          <a:p>
-            <a:endParaRPr lang="en-US"/>
-          </a:p>
-        </p:txBody>
-      </p:sp>
-      <p:pic>
-        <p:nvPicPr>
-          <p:cNvPr id="5" name="Content Placeholder 4" descr="Diagram&#10;&#10;Description automatically generated with medium confidence">
-            <a:extLst>
-              <a:ext uri="{FF2B5EF4-FFF2-40B4-BE49-F238E27FC236}">
-                <a16:creationId xmlns:a16="http://schemas.microsoft.com/office/drawing/2014/main" id="{29535C43-67E2-CA9E-C70C-9A8243AACD7C}"/>
-              </a:ext>
-            </a:extLst>
-          </p:cNvPr>
-          <p:cNvPicPr>
-            <a:picLocks noGrp="1" noChangeAspect="1"/>
-          </p:cNvPicPr>
-          <p:nvPr>
-            <p:ph idx="1"/>
-          </p:nvPr>
-        </p:nvPicPr>
-        <p:blipFill>
-          <a:blip r:embed="rId2">
-            <a:extLst>
-              <a:ext uri="{28A0092B-C50C-407E-A947-70E740481C1C}">
-                <a14:useLocalDpi xmlns:a14="http://schemas.microsoft.com/office/drawing/2010/main" val="0"/>
-              </a:ext>
-            </a:extLst>
-          </a:blip>
-          <a:stretch>
-            <a:fillRect/>
-          </a:stretch>
-        </p:blipFill>
-        <p:spPr>
-          <a:xfrm>
-            <a:off x="3499979" y="1825625"/>
-            <a:ext cx="5192042" cy="4351338"/>
-          </a:xfrm>
-        </p:spPr>
-      </p:pic>
-    </p:spTree>
-    <p:extLst>
-      <p:ext uri="{BB962C8B-B14F-4D97-AF65-F5344CB8AC3E}">
-        <p14:creationId xmlns:p14="http://schemas.microsoft.com/office/powerpoint/2010/main" val="1345740725"/>
-      </p:ext>
-    </p:extLst>
-  </p:cSld>
-  <p:clrMapOvr>
-    <a:masterClrMapping/>
-  </p:clrMapOvr>
-</p:sld>
-</file>
-
-<file path=ppt/slides/slide2.xml><?xml version="1.0" encoding="utf-8"?>
-<p:sld xmlns:a="http://schemas.openxmlformats.org/drawingml/2006/main" xmlns:r="http://schemas.openxmlformats.org/officeDocument/2006/relationships" xmlns:p="http://schemas.openxmlformats.org/presentationml/2006/main">
-  <p:cSld>
-    <p:spTree>
-      <p:nvGrpSpPr>
-        <p:cNvPr id="1" name=""/>
-        <p:cNvGrpSpPr/>
-        <p:nvPr/>
-      </p:nvGrpSpPr>
-      <p:grpSpPr>
-        <a:xfrm>
-          <a:off x="0" y="0"/>
-          <a:ext cx="0" cy="0"/>
-          <a:chOff x="0" y="0"/>
-          <a:chExt cx="0" cy="0"/>
-        </a:xfrm>
-      </p:grpSpPr>
-      <p:sp>
-        <p:nvSpPr>
-          <p:cNvPr id="11" name="TextBox 10">
-            <a:extLst>
-              <a:ext uri="{FF2B5EF4-FFF2-40B4-BE49-F238E27FC236}">
-                <a16:creationId xmlns:a16="http://schemas.microsoft.com/office/drawing/2014/main" id="{DD21EFF1-365B-2AE0-2B48-9E941DA66D3B}"/>
+                <a16:creationId xmlns:a16="http://schemas.microsoft.com/office/drawing/2014/main" id="{60F2BC18-925F-F4F8-D5A5-99974A2651FB}"/>
               </a:ext>
             </a:extLst>
           </p:cNvPr>
@@ -8033,8 +9974,8 @@
         </p:nvSpPr>
         <p:spPr>
           <a:xfrm>
-            <a:off x="1319916" y="832313"/>
-            <a:ext cx="3023265" cy="830997"/>
+            <a:off x="1028700" y="1967266"/>
+            <a:ext cx="2628900" cy="2547257"/>
           </a:xfrm>
           <a:prstGeom prst="rect">
             <a:avLst/>
@@ -8042,219 +9983,32 @@
           <a:noFill/>
         </p:spPr>
         <p:txBody>
-          <a:bodyPr wrap="none" rtlCol="0">
-            <a:spAutoFit/>
+          <a:bodyPr vert="horz" lIns="91440" tIns="45720" rIns="91440" bIns="45720" rtlCol="0" anchor="ctr">
+            <a:normAutofit/>
           </a:bodyPr>
           <a:lstStyle/>
           <a:p>
-            <a:pPr algn="ctr"/>
+            <a:pPr>
+              <a:lnSpc>
+                <a:spcPct val="90000"/>
+              </a:lnSpc>
+              <a:spcBef>
+                <a:spcPct val="0"/>
+              </a:spcBef>
+              <a:spcAft>
+                <a:spcPts val="600"/>
+              </a:spcAft>
+            </a:pPr>
             <a:r>
-              <a:rPr lang="en-US" sz="4800" b="1" dirty="0"/>
-              <a:t>Motivation</a:t>
-            </a:r>
-          </a:p>
-        </p:txBody>
-      </p:sp>
-      <p:sp>
-        <p:nvSpPr>
-          <p:cNvPr id="2" name="TextBox 1">
-            <a:extLst>
-              <a:ext uri="{FF2B5EF4-FFF2-40B4-BE49-F238E27FC236}">
-                <a16:creationId xmlns:a16="http://schemas.microsoft.com/office/drawing/2014/main" id="{05FE3551-3377-2299-ABF1-72539AFCA6D5}"/>
-              </a:ext>
-            </a:extLst>
-          </p:cNvPr>
-          <p:cNvSpPr txBox="1"/>
-          <p:nvPr/>
-        </p:nvSpPr>
-        <p:spPr>
-          <a:xfrm>
-            <a:off x="1319916" y="2006357"/>
-            <a:ext cx="9837180" cy="1938992"/>
-          </a:xfrm>
-          <a:prstGeom prst="rect">
-            <a:avLst/>
-          </a:prstGeom>
-          <a:noFill/>
-        </p:spPr>
-        <p:txBody>
-          <a:bodyPr wrap="square" rtlCol="0">
-            <a:spAutoFit/>
-          </a:bodyPr>
-          <a:lstStyle/>
-          <a:p>
-            <a:pPr algn="just"/>
-            <a:r>
-              <a:rPr lang="en-US" sz="2400" dirty="0"/>
-              <a:t>Wildfires pose significant threat immediately threatening life, property, and air quality, and have long-term impacts on the state’s water. Knowing location and extent of wildfire events that effect California may help scientists and resource managers predict and manage potential impacts burns may have upon California’s water quality, availability, and movement.  </a:t>
-            </a:r>
-          </a:p>
-        </p:txBody>
-      </p:sp>
-      <p:sp>
-        <p:nvSpPr>
-          <p:cNvPr id="5" name="TextBox 4">
-            <a:extLst>
-              <a:ext uri="{FF2B5EF4-FFF2-40B4-BE49-F238E27FC236}">
-                <a16:creationId xmlns:a16="http://schemas.microsoft.com/office/drawing/2014/main" id="{D607FFEE-9D16-79A4-89E0-BCB7880685E9}"/>
-              </a:ext>
-            </a:extLst>
-          </p:cNvPr>
-          <p:cNvSpPr txBox="1"/>
-          <p:nvPr/>
-        </p:nvSpPr>
-        <p:spPr>
-          <a:xfrm>
-            <a:off x="1319916" y="4436445"/>
-            <a:ext cx="9719386" cy="461665"/>
-          </a:xfrm>
-          <a:prstGeom prst="rect">
-            <a:avLst/>
-          </a:prstGeom>
-          <a:noFill/>
-        </p:spPr>
-        <p:txBody>
-          <a:bodyPr wrap="square" rtlCol="0">
-            <a:spAutoFit/>
-          </a:bodyPr>
-          <a:lstStyle/>
-          <a:p>
-            <a:pPr algn="just"/>
-            <a:r>
-              <a:rPr lang="en-US" sz="2400" dirty="0"/>
-              <a:t>Our study focuses on identifying a cause of wildfires using several datasets.</a:t>
-            </a:r>
-          </a:p>
-        </p:txBody>
-      </p:sp>
-    </p:spTree>
-    <p:extLst>
-      <p:ext uri="{BB962C8B-B14F-4D97-AF65-F5344CB8AC3E}">
-        <p14:creationId xmlns:p14="http://schemas.microsoft.com/office/powerpoint/2010/main" val="1034098591"/>
-      </p:ext>
-    </p:extLst>
-  </p:cSld>
-  <p:clrMapOvr>
-    <a:masterClrMapping/>
-  </p:clrMapOvr>
-</p:sld>
-</file>
-
-<file path=ppt/slides/slide3.xml><?xml version="1.0" encoding="utf-8"?>
-<p:sld xmlns:a="http://schemas.openxmlformats.org/drawingml/2006/main" xmlns:r="http://schemas.openxmlformats.org/officeDocument/2006/relationships" xmlns:p="http://schemas.openxmlformats.org/presentationml/2006/main">
-  <p:cSld>
-    <p:spTree>
-      <p:nvGrpSpPr>
-        <p:cNvPr id="1" name=""/>
-        <p:cNvGrpSpPr/>
-        <p:nvPr/>
-      </p:nvGrpSpPr>
-      <p:grpSpPr>
-        <a:xfrm>
-          <a:off x="0" y="0"/>
-          <a:ext cx="0" cy="0"/>
-          <a:chOff x="0" y="0"/>
-          <a:chExt cx="0" cy="0"/>
-        </a:xfrm>
-      </p:grpSpPr>
-      <p:sp>
-        <p:nvSpPr>
-          <p:cNvPr id="11" name="TextBox 10">
-            <a:extLst>
-              <a:ext uri="{FF2B5EF4-FFF2-40B4-BE49-F238E27FC236}">
-                <a16:creationId xmlns:a16="http://schemas.microsoft.com/office/drawing/2014/main" id="{DD21EFF1-365B-2AE0-2B48-9E941DA66D3B}"/>
-              </a:ext>
-            </a:extLst>
-          </p:cNvPr>
-          <p:cNvSpPr txBox="1"/>
-          <p:nvPr/>
-        </p:nvSpPr>
-        <p:spPr>
-          <a:xfrm>
-            <a:off x="1319916" y="351764"/>
-            <a:ext cx="3814186" cy="830997"/>
-          </a:xfrm>
-          <a:prstGeom prst="rect">
-            <a:avLst/>
-          </a:prstGeom>
-          <a:noFill/>
-        </p:spPr>
-        <p:txBody>
-          <a:bodyPr wrap="none" rtlCol="0">
-            <a:spAutoFit/>
-          </a:bodyPr>
-          <a:lstStyle/>
-          <a:p>
-            <a:pPr algn="ctr"/>
-            <a:r>
-              <a:rPr lang="en-US" sz="4800" b="1" dirty="0"/>
-              <a:t>Key Questions</a:t>
-            </a:r>
-          </a:p>
-        </p:txBody>
-      </p:sp>
-    </p:spTree>
-    <p:extLst>
-      <p:ext uri="{BB962C8B-B14F-4D97-AF65-F5344CB8AC3E}">
-        <p14:creationId xmlns:p14="http://schemas.microsoft.com/office/powerpoint/2010/main" val="3747248930"/>
-      </p:ext>
-    </p:extLst>
-  </p:cSld>
-  <p:clrMapOvr>
-    <a:masterClrMapping/>
-  </p:clrMapOvr>
-</p:sld>
-</file>
-
-<file path=ppt/slides/slide4.xml><?xml version="1.0" encoding="utf-8"?>
-<p:sld xmlns:a="http://schemas.openxmlformats.org/drawingml/2006/main" xmlns:r="http://schemas.openxmlformats.org/officeDocument/2006/relationships" xmlns:p="http://schemas.openxmlformats.org/presentationml/2006/main">
-  <p:cSld>
-    <p:spTree>
-      <p:nvGrpSpPr>
-        <p:cNvPr id="1" name=""/>
-        <p:cNvGrpSpPr/>
-        <p:nvPr/>
-      </p:nvGrpSpPr>
-      <p:grpSpPr>
-        <a:xfrm>
-          <a:off x="0" y="0"/>
-          <a:ext cx="0" cy="0"/>
-          <a:chOff x="0" y="0"/>
-          <a:chExt cx="0" cy="0"/>
-        </a:xfrm>
-      </p:grpSpPr>
-      <p:sp>
-        <p:nvSpPr>
-          <p:cNvPr id="3" name="TextBox 2">
-            <a:extLst>
-              <a:ext uri="{FF2B5EF4-FFF2-40B4-BE49-F238E27FC236}">
-                <a16:creationId xmlns:a16="http://schemas.microsoft.com/office/drawing/2014/main" id="{60F2BC18-925F-F4F8-D5A5-99974A2651FB}"/>
-              </a:ext>
-            </a:extLst>
-          </p:cNvPr>
-          <p:cNvSpPr txBox="1"/>
-          <p:nvPr/>
-        </p:nvSpPr>
-        <p:spPr>
-          <a:xfrm>
-            <a:off x="1079419" y="335138"/>
-            <a:ext cx="6822253" cy="830997"/>
-          </a:xfrm>
-          <a:prstGeom prst="rect">
-            <a:avLst/>
-          </a:prstGeom>
-          <a:noFill/>
-        </p:spPr>
-        <p:txBody>
-          <a:bodyPr wrap="none" rtlCol="0">
-            <a:spAutoFit/>
-          </a:bodyPr>
-          <a:lstStyle/>
-          <a:p>
-            <a:pPr algn="ctr"/>
-            <a:r>
-              <a:rPr lang="en-US" sz="4800" b="1" dirty="0"/>
-              <a:t>Where are datasets from?</a:t>
+              <a:rPr lang="en-US" sz="3600" b="1" kern="1200" dirty="0">
+                <a:solidFill>
+                  <a:srgbClr val="FFFFFF"/>
+                </a:solidFill>
+                <a:latin typeface="+mj-lt"/>
+                <a:ea typeface="+mj-ea"/>
+                <a:cs typeface="+mj-cs"/>
+              </a:rPr>
+              <a:t>Dataset Resources:</a:t>
             </a:r>
           </a:p>
         </p:txBody>
@@ -8281,8 +10035,8 @@
         </p:blipFill>
         <p:spPr>
           <a:xfrm>
-            <a:off x="2452688" y="1232629"/>
-            <a:ext cx="7112238" cy="5159859"/>
+            <a:off x="4424436" y="619760"/>
+            <a:ext cx="7529820" cy="5459119"/>
           </a:xfrm>
           <a:prstGeom prst="rect">
             <a:avLst/>
@@ -8302,7 +10056,7 @@
 </p:sld>
 </file>
 
-<file path=ppt/slides/slide5.xml><?xml version="1.0" encoding="utf-8"?>
+<file path=ppt/slides/slide4.xml><?xml version="1.0" encoding="utf-8"?>
 <p:sld xmlns:a="http://schemas.openxmlformats.org/drawingml/2006/main" xmlns:r="http://schemas.openxmlformats.org/officeDocument/2006/relationships" xmlns:p="http://schemas.openxmlformats.org/presentationml/2006/main">
   <p:cSld>
     <p:spTree>
@@ -8404,7 +10158,7 @@
                 <a:ea typeface="+mj-ea"/>
                 <a:cs typeface="+mj-cs"/>
               </a:rPr>
-              <a:t>Visualization for California wildfire on map</a:t>
+              <a:t>California Wildfire Locations</a:t>
             </a:r>
           </a:p>
           <a:p>
@@ -8468,9 +10222,570 @@
 </p:sld>
 </file>
 
+<file path=ppt/slides/slide5.xml><?xml version="1.0" encoding="utf-8"?>
+<p:sld xmlns:a="http://schemas.openxmlformats.org/drawingml/2006/main" xmlns:r="http://schemas.openxmlformats.org/officeDocument/2006/relationships" xmlns:p="http://schemas.openxmlformats.org/presentationml/2006/main">
+  <p:cSld>
+    <p:bg>
+      <p:bgPr>
+        <a:solidFill>
+          <a:schemeClr val="bg1"/>
+        </a:solidFill>
+        <a:effectLst/>
+      </p:bgPr>
+    </p:bg>
+    <p:spTree>
+      <p:nvGrpSpPr>
+        <p:cNvPr id="1" name=""/>
+        <p:cNvGrpSpPr/>
+        <p:nvPr/>
+      </p:nvGrpSpPr>
+      <p:grpSpPr>
+        <a:xfrm>
+          <a:off x="0" y="0"/>
+          <a:ext cx="0" cy="0"/>
+          <a:chOff x="0" y="0"/>
+          <a:chExt cx="0" cy="0"/>
+        </a:xfrm>
+      </p:grpSpPr>
+      <p:sp useBgFill="1">
+        <p:nvSpPr>
+          <p:cNvPr id="11" name="Rectangle 10">
+            <a:extLst>
+              <a:ext uri="{FF2B5EF4-FFF2-40B4-BE49-F238E27FC236}">
+                <a16:creationId xmlns:a16="http://schemas.microsoft.com/office/drawing/2014/main" id="{BCED4D40-4B67-4331-AC48-79B82B4A47D8}"/>
+              </a:ext>
+              <a:ext uri="{C183D7F6-B498-43B3-948B-1728B52AA6E4}">
+                <adec:decorative xmlns:adec="http://schemas.microsoft.com/office/drawing/2017/decorative" val="1"/>
+              </a:ext>
+            </a:extLst>
+          </p:cNvPr>
+          <p:cNvSpPr>
+            <a:spLocks noGrp="1" noRot="1" noChangeAspect="1" noMove="1" noResize="1" noEditPoints="1" noAdjustHandles="1" noChangeArrowheads="1" noChangeShapeType="1" noTextEdit="1"/>
+          </p:cNvSpPr>
+          <p:nvPr>
+            <p:extLst>
+              <p:ext uri="{386F3935-93C4-4BCD-93E2-E3B085C9AB24}">
+                <p16:designElem xmlns:p16="http://schemas.microsoft.com/office/powerpoint/2015/main" val="1"/>
+              </p:ext>
+            </p:extLst>
+          </p:nvPr>
+        </p:nvSpPr>
+        <p:spPr>
+          <a:xfrm>
+            <a:off x="0" y="0"/>
+            <a:ext cx="12192000" cy="6858000"/>
+          </a:xfrm>
+          <a:prstGeom prst="rect">
+            <a:avLst/>
+          </a:prstGeom>
+          <a:ln>
+            <a:noFill/>
+          </a:ln>
+        </p:spPr>
+        <p:style>
+          <a:lnRef idx="2">
+            <a:schemeClr val="accent1">
+              <a:shade val="50000"/>
+            </a:schemeClr>
+          </a:lnRef>
+          <a:fillRef idx="1">
+            <a:schemeClr val="accent1"/>
+          </a:fillRef>
+          <a:effectRef idx="0">
+            <a:schemeClr val="accent1"/>
+          </a:effectRef>
+          <a:fontRef idx="minor">
+            <a:schemeClr val="lt1"/>
+          </a:fontRef>
+        </p:style>
+        <p:txBody>
+          <a:bodyPr rtlCol="0" anchor="ctr"/>
+          <a:lstStyle/>
+          <a:p>
+            <a:pPr algn="ctr"/>
+            <a:endParaRPr lang="en-US"/>
+          </a:p>
+        </p:txBody>
+      </p:sp>
+      <p:sp>
+        <p:nvSpPr>
+          <p:cNvPr id="2" name="Title 1">
+            <a:extLst>
+              <a:ext uri="{FF2B5EF4-FFF2-40B4-BE49-F238E27FC236}">
+                <a16:creationId xmlns:a16="http://schemas.microsoft.com/office/drawing/2014/main" id="{10768FC4-F365-615B-13FD-5BD8E8BE3BF5}"/>
+              </a:ext>
+            </a:extLst>
+          </p:cNvPr>
+          <p:cNvSpPr>
+            <a:spLocks noGrp="1"/>
+          </p:cNvSpPr>
+          <p:nvPr>
+            <p:ph type="title"/>
+          </p:nvPr>
+        </p:nvSpPr>
+        <p:spPr>
+          <a:xfrm>
+            <a:off x="638881" y="417576"/>
+            <a:ext cx="10909640" cy="1249394"/>
+          </a:xfrm>
+        </p:spPr>
+        <p:txBody>
+          <a:bodyPr vert="horz" lIns="91440" tIns="45720" rIns="91440" bIns="45720" rtlCol="0" anchor="ctr">
+            <a:normAutofit fontScale="90000"/>
+          </a:bodyPr>
+          <a:lstStyle/>
+          <a:p>
+            <a:pPr algn="ctr"/>
+            <a:r>
+              <a:rPr lang="en-US" sz="6600" kern="1200" dirty="0">
+                <a:solidFill>
+                  <a:schemeClr val="tx1"/>
+                </a:solidFill>
+                <a:latin typeface="+mj-lt"/>
+                <a:ea typeface="+mj-ea"/>
+                <a:cs typeface="+mj-cs"/>
+              </a:rPr>
+              <a:t>Number of Fire Incidents by Cause</a:t>
+            </a:r>
+          </a:p>
+        </p:txBody>
+      </p:sp>
+      <p:sp>
+        <p:nvSpPr>
+          <p:cNvPr id="13" name="sketch line">
+            <a:extLst>
+              <a:ext uri="{FF2B5EF4-FFF2-40B4-BE49-F238E27FC236}">
+                <a16:creationId xmlns:a16="http://schemas.microsoft.com/office/drawing/2014/main" id="{670CEDEF-4F34-412E-84EE-329C1E936AF5}"/>
+              </a:ext>
+              <a:ext uri="{C183D7F6-B498-43B3-948B-1728B52AA6E4}">
+                <adec:decorative xmlns:adec="http://schemas.microsoft.com/office/drawing/2017/decorative" val="1"/>
+              </a:ext>
+            </a:extLst>
+          </p:cNvPr>
+          <p:cNvSpPr>
+            <a:spLocks noGrp="1" noRot="1" noChangeAspect="1" noMove="1" noResize="1" noEditPoints="1" noAdjustHandles="1" noChangeArrowheads="1" noChangeShapeType="1" noTextEdit="1"/>
+          </p:cNvSpPr>
+          <p:nvPr>
+            <p:extLst>
+              <p:ext uri="{386F3935-93C4-4BCD-93E2-E3B085C9AB24}">
+                <p16:designElem xmlns:p16="http://schemas.microsoft.com/office/powerpoint/2015/main" val="1"/>
+              </p:ext>
+            </p:extLst>
+          </p:nvPr>
+        </p:nvSpPr>
+        <p:spPr>
+          <a:xfrm>
+            <a:off x="3807702" y="1733454"/>
+            <a:ext cx="4572000" cy="18288"/>
+          </a:xfrm>
+          <a:custGeom>
+            <a:avLst/>
+            <a:gdLst>
+              <a:gd name="connsiteX0" fmla="*/ 0 w 4572000"/>
+              <a:gd name="connsiteY0" fmla="*/ 0 h 18288"/>
+              <a:gd name="connsiteX1" fmla="*/ 515983 w 4572000"/>
+              <a:gd name="connsiteY1" fmla="*/ 0 h 18288"/>
+              <a:gd name="connsiteX2" fmla="*/ 1031966 w 4572000"/>
+              <a:gd name="connsiteY2" fmla="*/ 0 h 18288"/>
+              <a:gd name="connsiteX3" fmla="*/ 1639389 w 4572000"/>
+              <a:gd name="connsiteY3" fmla="*/ 0 h 18288"/>
+              <a:gd name="connsiteX4" fmla="*/ 2383971 w 4572000"/>
+              <a:gd name="connsiteY4" fmla="*/ 0 h 18288"/>
+              <a:gd name="connsiteX5" fmla="*/ 2945674 w 4572000"/>
+              <a:gd name="connsiteY5" fmla="*/ 0 h 18288"/>
+              <a:gd name="connsiteX6" fmla="*/ 3507377 w 4572000"/>
+              <a:gd name="connsiteY6" fmla="*/ 0 h 18288"/>
+              <a:gd name="connsiteX7" fmla="*/ 4572000 w 4572000"/>
+              <a:gd name="connsiteY7" fmla="*/ 0 h 18288"/>
+              <a:gd name="connsiteX8" fmla="*/ 4572000 w 4572000"/>
+              <a:gd name="connsiteY8" fmla="*/ 18288 h 18288"/>
+              <a:gd name="connsiteX9" fmla="*/ 3873137 w 4572000"/>
+              <a:gd name="connsiteY9" fmla="*/ 18288 h 18288"/>
+              <a:gd name="connsiteX10" fmla="*/ 3311434 w 4572000"/>
+              <a:gd name="connsiteY10" fmla="*/ 18288 h 18288"/>
+              <a:gd name="connsiteX11" fmla="*/ 2749731 w 4572000"/>
+              <a:gd name="connsiteY11" fmla="*/ 18288 h 18288"/>
+              <a:gd name="connsiteX12" fmla="*/ 2050869 w 4572000"/>
+              <a:gd name="connsiteY12" fmla="*/ 18288 h 18288"/>
+              <a:gd name="connsiteX13" fmla="*/ 1306286 w 4572000"/>
+              <a:gd name="connsiteY13" fmla="*/ 18288 h 18288"/>
+              <a:gd name="connsiteX14" fmla="*/ 790303 w 4572000"/>
+              <a:gd name="connsiteY14" fmla="*/ 18288 h 18288"/>
+              <a:gd name="connsiteX15" fmla="*/ 0 w 4572000"/>
+              <a:gd name="connsiteY15" fmla="*/ 18288 h 18288"/>
+              <a:gd name="connsiteX16" fmla="*/ 0 w 4572000"/>
+              <a:gd name="connsiteY16" fmla="*/ 0 h 18288"/>
+            </a:gdLst>
+            <a:ahLst/>
+            <a:cxnLst>
+              <a:cxn ang="0">
+                <a:pos x="connsiteX0" y="connsiteY0"/>
+              </a:cxn>
+              <a:cxn ang="0">
+                <a:pos x="connsiteX1" y="connsiteY1"/>
+              </a:cxn>
+              <a:cxn ang="0">
+                <a:pos x="connsiteX2" y="connsiteY2"/>
+              </a:cxn>
+              <a:cxn ang="0">
+                <a:pos x="connsiteX3" y="connsiteY3"/>
+              </a:cxn>
+              <a:cxn ang="0">
+                <a:pos x="connsiteX4" y="connsiteY4"/>
+              </a:cxn>
+              <a:cxn ang="0">
+                <a:pos x="connsiteX5" y="connsiteY5"/>
+              </a:cxn>
+              <a:cxn ang="0">
+                <a:pos x="connsiteX6" y="connsiteY6"/>
+              </a:cxn>
+              <a:cxn ang="0">
+                <a:pos x="connsiteX7" y="connsiteY7"/>
+              </a:cxn>
+              <a:cxn ang="0">
+                <a:pos x="connsiteX8" y="connsiteY8"/>
+              </a:cxn>
+              <a:cxn ang="0">
+                <a:pos x="connsiteX9" y="connsiteY9"/>
+              </a:cxn>
+              <a:cxn ang="0">
+                <a:pos x="connsiteX10" y="connsiteY10"/>
+              </a:cxn>
+              <a:cxn ang="0">
+                <a:pos x="connsiteX11" y="connsiteY11"/>
+              </a:cxn>
+              <a:cxn ang="0">
+                <a:pos x="connsiteX12" y="connsiteY12"/>
+              </a:cxn>
+              <a:cxn ang="0">
+                <a:pos x="connsiteX13" y="connsiteY13"/>
+              </a:cxn>
+              <a:cxn ang="0">
+                <a:pos x="connsiteX14" y="connsiteY14"/>
+              </a:cxn>
+              <a:cxn ang="0">
+                <a:pos x="connsiteX15" y="connsiteY15"/>
+              </a:cxn>
+              <a:cxn ang="0">
+                <a:pos x="connsiteX16" y="connsiteY16"/>
+              </a:cxn>
+            </a:cxnLst>
+            <a:rect l="l" t="t" r="r" b="b"/>
+            <a:pathLst>
+              <a:path w="4572000" h="18288" fill="none" extrusionOk="0">
+                <a:moveTo>
+                  <a:pt x="0" y="0"/>
+                </a:moveTo>
+                <a:cubicBezTo>
+                  <a:pt x="105156" y="-20963"/>
+                  <a:pt x="340432" y="822"/>
+                  <a:pt x="515983" y="0"/>
+                </a:cubicBezTo>
+                <a:cubicBezTo>
+                  <a:pt x="691534" y="-822"/>
+                  <a:pt x="850679" y="16479"/>
+                  <a:pt x="1031966" y="0"/>
+                </a:cubicBezTo>
+                <a:cubicBezTo>
+                  <a:pt x="1213253" y="-16479"/>
+                  <a:pt x="1443646" y="-18730"/>
+                  <a:pt x="1639389" y="0"/>
+                </a:cubicBezTo>
+                <a:cubicBezTo>
+                  <a:pt x="1835132" y="18730"/>
+                  <a:pt x="2159975" y="18531"/>
+                  <a:pt x="2383971" y="0"/>
+                </a:cubicBezTo>
+                <a:cubicBezTo>
+                  <a:pt x="2607967" y="-18531"/>
+                  <a:pt x="2719096" y="-12030"/>
+                  <a:pt x="2945674" y="0"/>
+                </a:cubicBezTo>
+                <a:cubicBezTo>
+                  <a:pt x="3172252" y="12030"/>
+                  <a:pt x="3269167" y="27666"/>
+                  <a:pt x="3507377" y="0"/>
+                </a:cubicBezTo>
+                <a:cubicBezTo>
+                  <a:pt x="3745587" y="-27666"/>
+                  <a:pt x="4116741" y="18705"/>
+                  <a:pt x="4572000" y="0"/>
+                </a:cubicBezTo>
+                <a:cubicBezTo>
+                  <a:pt x="4572895" y="8974"/>
+                  <a:pt x="4571454" y="9359"/>
+                  <a:pt x="4572000" y="18288"/>
+                </a:cubicBezTo>
+                <a:cubicBezTo>
+                  <a:pt x="4374698" y="3942"/>
+                  <a:pt x="4098874" y="-11042"/>
+                  <a:pt x="3873137" y="18288"/>
+                </a:cubicBezTo>
+                <a:cubicBezTo>
+                  <a:pt x="3647400" y="47618"/>
+                  <a:pt x="3517055" y="5421"/>
+                  <a:pt x="3311434" y="18288"/>
+                </a:cubicBezTo>
+                <a:cubicBezTo>
+                  <a:pt x="3105813" y="31155"/>
+                  <a:pt x="3025168" y="17856"/>
+                  <a:pt x="2749731" y="18288"/>
+                </a:cubicBezTo>
+                <a:cubicBezTo>
+                  <a:pt x="2474294" y="18720"/>
+                  <a:pt x="2291766" y="-14168"/>
+                  <a:pt x="2050869" y="18288"/>
+                </a:cubicBezTo>
+                <a:cubicBezTo>
+                  <a:pt x="1809972" y="50744"/>
+                  <a:pt x="1540276" y="46798"/>
+                  <a:pt x="1306286" y="18288"/>
+                </a:cubicBezTo>
+                <a:cubicBezTo>
+                  <a:pt x="1072296" y="-10222"/>
+                  <a:pt x="972445" y="19645"/>
+                  <a:pt x="790303" y="18288"/>
+                </a:cubicBezTo>
+                <a:cubicBezTo>
+                  <a:pt x="608161" y="16931"/>
+                  <a:pt x="200981" y="8241"/>
+                  <a:pt x="0" y="18288"/>
+                </a:cubicBezTo>
+                <a:cubicBezTo>
+                  <a:pt x="-229" y="14222"/>
+                  <a:pt x="509" y="5816"/>
+                  <a:pt x="0" y="0"/>
+                </a:cubicBezTo>
+                <a:close/>
+              </a:path>
+              <a:path w="4572000" h="18288" stroke="0" extrusionOk="0">
+                <a:moveTo>
+                  <a:pt x="0" y="0"/>
+                </a:moveTo>
+                <a:cubicBezTo>
+                  <a:pt x="143285" y="-9565"/>
+                  <a:pt x="327959" y="-11498"/>
+                  <a:pt x="561703" y="0"/>
+                </a:cubicBezTo>
+                <a:cubicBezTo>
+                  <a:pt x="795447" y="11498"/>
+                  <a:pt x="838260" y="18255"/>
+                  <a:pt x="1077686" y="0"/>
+                </a:cubicBezTo>
+                <a:cubicBezTo>
+                  <a:pt x="1317112" y="-18255"/>
+                  <a:pt x="1437472" y="23514"/>
+                  <a:pt x="1639389" y="0"/>
+                </a:cubicBezTo>
+                <a:cubicBezTo>
+                  <a:pt x="1841306" y="-23514"/>
+                  <a:pt x="2037142" y="-12551"/>
+                  <a:pt x="2292531" y="0"/>
+                </a:cubicBezTo>
+                <a:cubicBezTo>
+                  <a:pt x="2547920" y="12551"/>
+                  <a:pt x="2810436" y="-20352"/>
+                  <a:pt x="2991394" y="0"/>
+                </a:cubicBezTo>
+                <a:cubicBezTo>
+                  <a:pt x="3172352" y="20352"/>
+                  <a:pt x="3530025" y="-13347"/>
+                  <a:pt x="3735977" y="0"/>
+                </a:cubicBezTo>
+                <a:cubicBezTo>
+                  <a:pt x="3941929" y="13347"/>
+                  <a:pt x="4161497" y="34086"/>
+                  <a:pt x="4572000" y="0"/>
+                </a:cubicBezTo>
+                <a:cubicBezTo>
+                  <a:pt x="4571545" y="6162"/>
+                  <a:pt x="4571903" y="11775"/>
+                  <a:pt x="4572000" y="18288"/>
+                </a:cubicBezTo>
+                <a:cubicBezTo>
+                  <a:pt x="4228040" y="36490"/>
+                  <a:pt x="4199736" y="42557"/>
+                  <a:pt x="3873137" y="18288"/>
+                </a:cubicBezTo>
+                <a:cubicBezTo>
+                  <a:pt x="3546538" y="-5981"/>
+                  <a:pt x="3472124" y="16809"/>
+                  <a:pt x="3128554" y="18288"/>
+                </a:cubicBezTo>
+                <a:cubicBezTo>
+                  <a:pt x="2784984" y="19767"/>
+                  <a:pt x="2735896" y="-17781"/>
+                  <a:pt x="2383971" y="18288"/>
+                </a:cubicBezTo>
+                <a:cubicBezTo>
+                  <a:pt x="2032046" y="54357"/>
+                  <a:pt x="2019324" y="2920"/>
+                  <a:pt x="1867989" y="18288"/>
+                </a:cubicBezTo>
+                <a:cubicBezTo>
+                  <a:pt x="1716654" y="33656"/>
+                  <a:pt x="1418675" y="32575"/>
+                  <a:pt x="1169126" y="18288"/>
+                </a:cubicBezTo>
+                <a:cubicBezTo>
+                  <a:pt x="919577" y="4001"/>
+                  <a:pt x="798537" y="16165"/>
+                  <a:pt x="561703" y="18288"/>
+                </a:cubicBezTo>
+                <a:cubicBezTo>
+                  <a:pt x="324869" y="20411"/>
+                  <a:pt x="221395" y="-912"/>
+                  <a:pt x="0" y="18288"/>
+                </a:cubicBezTo>
+                <a:cubicBezTo>
+                  <a:pt x="766" y="10800"/>
+                  <a:pt x="-457" y="8180"/>
+                  <a:pt x="0" y="0"/>
+                </a:cubicBezTo>
+                <a:close/>
+              </a:path>
+            </a:pathLst>
+          </a:custGeom>
+          <a:solidFill>
+            <a:schemeClr val="accent2"/>
+          </a:solidFill>
+          <a:ln w="41275" cap="rnd">
+            <a:solidFill>
+              <a:schemeClr val="accent2"/>
+            </a:solidFill>
+            <a:round/>
+            <a:extLst>
+              <a:ext uri="{C807C97D-BFC1-408E-A445-0C87EB9F89A2}">
+                <ask:lineSketchStyleProps xmlns:ask="http://schemas.microsoft.com/office/drawing/2018/sketchyshapes" sd="2727557108">
+                  <a:prstGeom prst="rect">
+                    <a:avLst/>
+                  </a:prstGeom>
+                  <ask:type>
+                    <ask:lineSketchFreehand/>
+                  </ask:type>
+                </ask:lineSketchStyleProps>
+              </a:ext>
+            </a:extLst>
+          </a:ln>
+        </p:spPr>
+        <p:style>
+          <a:lnRef idx="2">
+            <a:schemeClr val="accent1">
+              <a:shade val="50000"/>
+            </a:schemeClr>
+          </a:lnRef>
+          <a:fillRef idx="1">
+            <a:schemeClr val="accent1"/>
+          </a:fillRef>
+          <a:effectRef idx="0">
+            <a:schemeClr val="accent1"/>
+          </a:effectRef>
+          <a:fontRef idx="minor">
+            <a:schemeClr val="lt1"/>
+          </a:fontRef>
+        </p:style>
+        <p:txBody>
+          <a:bodyPr rtlCol="0" anchor="ctr"/>
+          <a:lstStyle/>
+          <a:p>
+            <a:pPr algn="ctr"/>
+            <a:endParaRPr lang="en-US"/>
+          </a:p>
+        </p:txBody>
+      </p:sp>
+      <p:pic>
+        <p:nvPicPr>
+          <p:cNvPr id="7" name="Picture 6">
+            <a:extLst>
+              <a:ext uri="{FF2B5EF4-FFF2-40B4-BE49-F238E27FC236}">
+                <a16:creationId xmlns:a16="http://schemas.microsoft.com/office/drawing/2014/main" id="{3DADF186-90F8-6AFD-2DF8-0E8A75E022F9}"/>
+              </a:ext>
+            </a:extLst>
+          </p:cNvPr>
+          <p:cNvPicPr>
+            <a:picLocks noChangeAspect="1"/>
+          </p:cNvPicPr>
+          <p:nvPr/>
+        </p:nvPicPr>
+        <p:blipFill>
+          <a:blip r:embed="rId2"/>
+          <a:stretch>
+            <a:fillRect/>
+          </a:stretch>
+        </p:blipFill>
+        <p:spPr>
+          <a:xfrm>
+            <a:off x="302703" y="2726166"/>
+            <a:ext cx="11787469" cy="3929156"/>
+          </a:xfrm>
+          <a:prstGeom prst="rect">
+            <a:avLst/>
+          </a:prstGeom>
+        </p:spPr>
+      </p:pic>
+      <p:sp>
+        <p:nvSpPr>
+          <p:cNvPr id="8" name="TextBox 7">
+            <a:extLst>
+              <a:ext uri="{FF2B5EF4-FFF2-40B4-BE49-F238E27FC236}">
+                <a16:creationId xmlns:a16="http://schemas.microsoft.com/office/drawing/2014/main" id="{ED2A7057-5D4B-3B18-814A-35FC970F45BC}"/>
+              </a:ext>
+            </a:extLst>
+          </p:cNvPr>
+          <p:cNvSpPr txBox="1"/>
+          <p:nvPr/>
+        </p:nvSpPr>
+        <p:spPr>
+          <a:xfrm>
+            <a:off x="2921341" y="2526111"/>
+            <a:ext cx="6550191" cy="400110"/>
+          </a:xfrm>
+          <a:prstGeom prst="rect">
+            <a:avLst/>
+          </a:prstGeom>
+          <a:noFill/>
+        </p:spPr>
+        <p:txBody>
+          <a:bodyPr wrap="none" rtlCol="0">
+            <a:spAutoFit/>
+          </a:bodyPr>
+          <a:lstStyle/>
+          <a:p>
+            <a:r>
+              <a:rPr lang="en-US" sz="2000" dirty="0">
+                <a:latin typeface="Lato" panose="020F0502020204030203" pitchFamily="34" charset="0"/>
+                <a:ea typeface="Lato" panose="020F0502020204030203" pitchFamily="34" charset="0"/>
+                <a:cs typeface="Lato" panose="020F0502020204030203" pitchFamily="34" charset="0"/>
+              </a:rPr>
+              <a:t>FREQUENCY OF FIRES PER MONTH IN A GIVEN YEAR</a:t>
+            </a:r>
+          </a:p>
+        </p:txBody>
+      </p:sp>
+    </p:spTree>
+    <p:extLst>
+      <p:ext uri="{BB962C8B-B14F-4D97-AF65-F5344CB8AC3E}">
+        <p14:creationId xmlns:p14="http://schemas.microsoft.com/office/powerpoint/2010/main" val="967499017"/>
+      </p:ext>
+    </p:extLst>
+  </p:cSld>
+  <p:clrMapOvr>
+    <a:masterClrMapping/>
+  </p:clrMapOvr>
+</p:sld>
+</file>
+
 <file path=ppt/slides/slide6.xml><?xml version="1.0" encoding="utf-8"?>
 <p:sld xmlns:a="http://schemas.openxmlformats.org/drawingml/2006/main" xmlns:r="http://schemas.openxmlformats.org/officeDocument/2006/relationships" xmlns:p="http://schemas.openxmlformats.org/presentationml/2006/main">
   <p:cSld>
+    <p:bg>
+      <p:bgPr>
+        <a:solidFill>
+          <a:schemeClr val="bg1"/>
+        </a:solidFill>
+        <a:effectLst/>
+      </p:bgPr>
+    </p:bg>
     <p:spTree>
       <p:nvGrpSpPr>
         <p:cNvPr id="1" name=""/>
@@ -8487,28 +10802,36 @@
       </p:grpSpPr>
       <p:pic>
         <p:nvPicPr>
-          <p:cNvPr id="3" name="Picture 2">
+          <p:cNvPr id="3" name="Content Placeholder 4" descr="Chart&#10;&#10;Description automatically generated">
             <a:extLst>
               <a:ext uri="{FF2B5EF4-FFF2-40B4-BE49-F238E27FC236}">
-                <a16:creationId xmlns:a16="http://schemas.microsoft.com/office/drawing/2014/main" id="{7EBAD5D9-29D1-56DA-64AB-912B04742B8E}"/>
+                <a16:creationId xmlns:a16="http://schemas.microsoft.com/office/drawing/2014/main" id="{C599CD34-377E-9B34-C2D7-89C94D86C250}"/>
               </a:ext>
             </a:extLst>
           </p:cNvPr>
           <p:cNvPicPr>
-            <a:picLocks noChangeAspect="1"/>
+            <a:picLocks noGrp="1" noChangeAspect="1"/>
           </p:cNvPicPr>
-          <p:nvPr/>
+          <p:nvPr>
+            <p:ph idx="1"/>
+          </p:nvPr>
         </p:nvPicPr>
         <p:blipFill>
-          <a:blip r:embed="rId2"/>
+          <a:blip r:embed="rId2">
+            <a:extLst>
+              <a:ext uri="{28A0092B-C50C-407E-A947-70E740481C1C}">
+                <a14:useLocalDpi xmlns:a14="http://schemas.microsoft.com/office/drawing/2010/main" val="0"/>
+              </a:ext>
+            </a:extLst>
+          </a:blip>
           <a:stretch>
             <a:fillRect/>
           </a:stretch>
         </p:blipFill>
         <p:spPr>
           <a:xfrm>
-            <a:off x="352383" y="1695801"/>
-            <a:ext cx="6264006" cy="4461305"/>
+            <a:off x="0" y="1771727"/>
+            <a:ext cx="12192000" cy="4023358"/>
           </a:xfrm>
           <a:prstGeom prst="rect">
             <a:avLst/>
@@ -8517,10 +10840,10 @@
       </p:pic>
       <p:sp>
         <p:nvSpPr>
-          <p:cNvPr id="5" name="TextBox 4">
+          <p:cNvPr id="4" name="TextBox 3">
             <a:extLst>
               <a:ext uri="{FF2B5EF4-FFF2-40B4-BE49-F238E27FC236}">
-                <a16:creationId xmlns:a16="http://schemas.microsoft.com/office/drawing/2014/main" id="{A14189C5-63D4-906B-1F2F-5FC9038D4CBD}"/>
+                <a16:creationId xmlns:a16="http://schemas.microsoft.com/office/drawing/2014/main" id="{07E2F2B8-8BE9-ECB3-216F-DCF77A121C11}"/>
               </a:ext>
             </a:extLst>
           </p:cNvPr>
@@ -8529,8 +10852,8 @@
         </p:nvSpPr>
         <p:spPr>
           <a:xfrm>
-            <a:off x="1319916" y="351764"/>
-            <a:ext cx="7385933" cy="830997"/>
+            <a:off x="2873803" y="1062915"/>
+            <a:ext cx="6444393" cy="400110"/>
           </a:xfrm>
           <a:prstGeom prst="rect">
             <a:avLst/>
@@ -8543,48 +10866,21 @@
           </a:bodyPr>
           <a:lstStyle/>
           <a:p>
-            <a:pPr algn="ctr"/>
             <a:r>
-              <a:rPr lang="en-US" sz="4800" b="1" dirty="0"/>
-              <a:t>Drought Effect on Wildfires?</a:t>
+              <a:rPr lang="en-US" sz="2000" dirty="0">
+                <a:latin typeface="Lato" panose="020F0502020204030203" pitchFamily="34" charset="0"/>
+                <a:ea typeface="Lato" panose="020F0502020204030203" pitchFamily="34" charset="0"/>
+                <a:cs typeface="Lato" panose="020F0502020204030203" pitchFamily="34" charset="0"/>
+              </a:rPr>
+              <a:t>FREQUENCY OF FIRES PER HOUR FOR A GIVEN DAY</a:t>
             </a:r>
           </a:p>
         </p:txBody>
       </p:sp>
-      <p:pic>
-        <p:nvPicPr>
-          <p:cNvPr id="7" name="Picture 6">
-            <a:extLst>
-              <a:ext uri="{FF2B5EF4-FFF2-40B4-BE49-F238E27FC236}">
-                <a16:creationId xmlns:a16="http://schemas.microsoft.com/office/drawing/2014/main" id="{E3C85F48-047E-9C45-D1E7-C3799BF975DD}"/>
-              </a:ext>
-            </a:extLst>
-          </p:cNvPr>
-          <p:cNvPicPr>
-            <a:picLocks noChangeAspect="1"/>
-          </p:cNvPicPr>
-          <p:nvPr/>
-        </p:nvPicPr>
-        <p:blipFill>
-          <a:blip r:embed="rId3"/>
-          <a:stretch>
-            <a:fillRect/>
-          </a:stretch>
-        </p:blipFill>
-        <p:spPr>
-          <a:xfrm>
-            <a:off x="6899021" y="2044936"/>
-            <a:ext cx="4880586" cy="4149574"/>
-          </a:xfrm>
-          <a:prstGeom prst="rect">
-            <a:avLst/>
-          </a:prstGeom>
-        </p:spPr>
-      </p:pic>
     </p:spTree>
     <p:extLst>
       <p:ext uri="{BB962C8B-B14F-4D97-AF65-F5344CB8AC3E}">
-        <p14:creationId xmlns:p14="http://schemas.microsoft.com/office/powerpoint/2010/main" val="275704010"/>
+        <p14:creationId xmlns:p14="http://schemas.microsoft.com/office/powerpoint/2010/main" val="26610140"/>
       </p:ext>
     </p:extLst>
   </p:cSld>
@@ -8597,6 +10893,14 @@
 <file path=ppt/slides/slide7.xml><?xml version="1.0" encoding="utf-8"?>
 <p:sld xmlns:a="http://schemas.openxmlformats.org/drawingml/2006/main" xmlns:r="http://schemas.openxmlformats.org/officeDocument/2006/relationships" xmlns:p="http://schemas.openxmlformats.org/presentationml/2006/main">
   <p:cSld>
+    <p:bg>
+      <p:bgPr>
+        <a:solidFill>
+          <a:schemeClr val="bg1"/>
+        </a:solidFill>
+        <a:effectLst/>
+      </p:bgPr>
+    </p:bg>
     <p:spTree>
       <p:nvGrpSpPr>
         <p:cNvPr id="1" name=""/>
@@ -8611,162 +10915,768 @@
           <a:chExt cx="0" cy="0"/>
         </a:xfrm>
       </p:grpSpPr>
+      <p:sp useBgFill="1">
+        <p:nvSpPr>
+          <p:cNvPr id="10" name="Rectangle 9">
+            <a:extLst>
+              <a:ext uri="{FF2B5EF4-FFF2-40B4-BE49-F238E27FC236}">
+                <a16:creationId xmlns:a16="http://schemas.microsoft.com/office/drawing/2014/main" id="{2D2B266D-3625-4584-A5C3-7D3F672CFF30}"/>
+              </a:ext>
+              <a:ext uri="{C183D7F6-B498-43B3-948B-1728B52AA6E4}">
+                <adec:decorative xmlns:adec="http://schemas.microsoft.com/office/drawing/2017/decorative" val="1"/>
+              </a:ext>
+            </a:extLst>
+          </p:cNvPr>
+          <p:cNvSpPr>
+            <a:spLocks noGrp="1" noRot="1" noChangeAspect="1" noMove="1" noResize="1" noEditPoints="1" noAdjustHandles="1" noChangeArrowheads="1" noChangeShapeType="1" noTextEdit="1"/>
+          </p:cNvSpPr>
+          <p:nvPr>
+            <p:extLst>
+              <p:ext uri="{386F3935-93C4-4BCD-93E2-E3B085C9AB24}">
+                <p16:designElem xmlns:p16="http://schemas.microsoft.com/office/powerpoint/2015/main" val="1"/>
+              </p:ext>
+            </p:extLst>
+          </p:nvPr>
+        </p:nvSpPr>
+        <p:spPr>
+          <a:xfrm>
+            <a:off x="0" y="0"/>
+            <a:ext cx="12188952" cy="6858000"/>
+          </a:xfrm>
+          <a:prstGeom prst="rect">
+            <a:avLst/>
+          </a:prstGeom>
+          <a:ln>
+            <a:noFill/>
+          </a:ln>
+        </p:spPr>
+        <p:style>
+          <a:lnRef idx="2">
+            <a:schemeClr val="accent1">
+              <a:shade val="50000"/>
+            </a:schemeClr>
+          </a:lnRef>
+          <a:fillRef idx="1">
+            <a:schemeClr val="accent1"/>
+          </a:fillRef>
+          <a:effectRef idx="0">
+            <a:schemeClr val="accent1"/>
+          </a:effectRef>
+          <a:fontRef idx="minor">
+            <a:schemeClr val="lt1"/>
+          </a:fontRef>
+        </p:style>
+        <p:txBody>
+          <a:bodyPr rtlCol="0" anchor="ctr"/>
+          <a:lstStyle/>
+          <a:p>
+            <a:pPr algn="ctr"/>
+            <a:endParaRPr lang="en-US"/>
+          </a:p>
+        </p:txBody>
+      </p:sp>
+      <p:sp>
+        <p:nvSpPr>
+          <p:cNvPr id="12" name="Rectangle 11">
+            <a:extLst>
+              <a:ext uri="{FF2B5EF4-FFF2-40B4-BE49-F238E27FC236}">
+                <a16:creationId xmlns:a16="http://schemas.microsoft.com/office/drawing/2014/main" id="{C463B99A-73EE-4FBB-B7C4-F9F9BCC25C65}"/>
+              </a:ext>
+              <a:ext uri="{C183D7F6-B498-43B3-948B-1728B52AA6E4}">
+                <adec:decorative xmlns:adec="http://schemas.microsoft.com/office/drawing/2017/decorative" val="1"/>
+              </a:ext>
+            </a:extLst>
+          </p:cNvPr>
+          <p:cNvSpPr>
+            <a:spLocks noGrp="1" noRot="1" noChangeAspect="1" noMove="1" noResize="1" noEditPoints="1" noAdjustHandles="1" noChangeArrowheads="1" noChangeShapeType="1" noTextEdit="1"/>
+          </p:cNvSpPr>
+          <p:nvPr>
+            <p:extLst>
+              <p:ext uri="{386F3935-93C4-4BCD-93E2-E3B085C9AB24}">
+                <p16:designElem xmlns:p16="http://schemas.microsoft.com/office/powerpoint/2015/main" val="1"/>
+              </p:ext>
+            </p:extLst>
+          </p:nvPr>
+        </p:nvSpPr>
+        <p:spPr>
+          <a:xfrm>
+            <a:off x="0" y="0"/>
+            <a:ext cx="12188952" cy="6858000"/>
+          </a:xfrm>
+          <a:prstGeom prst="rect">
+            <a:avLst/>
+          </a:prstGeom>
+          <a:solidFill>
+            <a:schemeClr val="accent2"/>
+          </a:solidFill>
+          <a:ln>
+            <a:noFill/>
+          </a:ln>
+        </p:spPr>
+        <p:style>
+          <a:lnRef idx="2">
+            <a:schemeClr val="accent1">
+              <a:shade val="50000"/>
+            </a:schemeClr>
+          </a:lnRef>
+          <a:fillRef idx="1">
+            <a:schemeClr val="accent1"/>
+          </a:fillRef>
+          <a:effectRef idx="0">
+            <a:schemeClr val="accent1"/>
+          </a:effectRef>
+          <a:fontRef idx="minor">
+            <a:schemeClr val="lt1"/>
+          </a:fontRef>
+        </p:style>
+        <p:txBody>
+          <a:bodyPr rtlCol="0" anchor="ctr"/>
+          <a:lstStyle/>
+          <a:p>
+            <a:pPr algn="ctr"/>
+            <a:endParaRPr lang="en-US"/>
+          </a:p>
+        </p:txBody>
+      </p:sp>
+      <p:sp>
+        <p:nvSpPr>
+          <p:cNvPr id="14" name="Freeform: Shape 13">
+            <a:extLst>
+              <a:ext uri="{FF2B5EF4-FFF2-40B4-BE49-F238E27FC236}">
+                <a16:creationId xmlns:a16="http://schemas.microsoft.com/office/drawing/2014/main" id="{A5D2A5D1-BA0D-47D3-B051-DA7743C46E28}"/>
+              </a:ext>
+              <a:ext uri="{C183D7F6-B498-43B3-948B-1728B52AA6E4}">
+                <adec:decorative xmlns:adec="http://schemas.microsoft.com/office/drawing/2017/decorative" val="1"/>
+              </a:ext>
+            </a:extLst>
+          </p:cNvPr>
+          <p:cNvSpPr>
+            <a:spLocks noGrp="1" noRot="1" noChangeAspect="1" noMove="1" noResize="1" noEditPoints="1" noAdjustHandles="1" noChangeArrowheads="1" noChangeShapeType="1" noTextEdit="1"/>
+          </p:cNvSpPr>
+          <p:nvPr>
+            <p:extLst>
+              <p:ext uri="{386F3935-93C4-4BCD-93E2-E3B085C9AB24}">
+                <p16:designElem xmlns:p16="http://schemas.microsoft.com/office/powerpoint/2015/main" val="1"/>
+              </p:ext>
+            </p:extLst>
+          </p:nvPr>
+        </p:nvSpPr>
+        <p:spPr>
+          <a:xfrm>
+            <a:off x="0" y="0"/>
+            <a:ext cx="12192000" cy="6219825"/>
+          </a:xfrm>
+          <a:custGeom>
+            <a:avLst/>
+            <a:gdLst>
+              <a:gd name="connsiteX0" fmla="*/ 6789701 w 12192000"/>
+              <a:gd name="connsiteY0" fmla="*/ 6151588 h 6219825"/>
+              <a:gd name="connsiteX1" fmla="*/ 6788702 w 12192000"/>
+              <a:gd name="connsiteY1" fmla="*/ 6151666 h 6219825"/>
+              <a:gd name="connsiteX2" fmla="*/ 6788476 w 12192000"/>
+              <a:gd name="connsiteY2" fmla="*/ 6152200 h 6219825"/>
+              <a:gd name="connsiteX3" fmla="*/ 9834 w 12192000"/>
+              <a:gd name="connsiteY3" fmla="*/ 0 h 6219825"/>
+              <a:gd name="connsiteX4" fmla="*/ 12357 w 12192000"/>
+              <a:gd name="connsiteY4" fmla="*/ 1 h 6219825"/>
+              <a:gd name="connsiteX5" fmla="*/ 12192000 w 12192000"/>
+              <a:gd name="connsiteY5" fmla="*/ 1 h 6219825"/>
+              <a:gd name="connsiteX6" fmla="*/ 12192000 w 12192000"/>
+              <a:gd name="connsiteY6" fmla="*/ 5105401 h 6219825"/>
+              <a:gd name="connsiteX7" fmla="*/ 12191716 w 12192000"/>
+              <a:gd name="connsiteY7" fmla="*/ 5105401 h 6219825"/>
+              <a:gd name="connsiteX8" fmla="*/ 12192000 w 12192000"/>
+              <a:gd name="connsiteY8" fmla="*/ 5256977 h 6219825"/>
+              <a:gd name="connsiteX9" fmla="*/ 12061096 w 12192000"/>
+              <a:gd name="connsiteY9" fmla="*/ 5296034 h 6219825"/>
+              <a:gd name="connsiteX10" fmla="*/ 11676800 w 12192000"/>
+              <a:gd name="connsiteY10" fmla="*/ 5399652 h 6219825"/>
+              <a:gd name="connsiteX11" fmla="*/ 10425355 w 12192000"/>
+              <a:gd name="connsiteY11" fmla="*/ 5683310 h 6219825"/>
+              <a:gd name="connsiteX12" fmla="*/ 9424022 w 12192000"/>
+              <a:gd name="connsiteY12" fmla="*/ 5858546 h 6219825"/>
+              <a:gd name="connsiteX13" fmla="*/ 8458419 w 12192000"/>
+              <a:gd name="connsiteY13" fmla="*/ 5992303 h 6219825"/>
+              <a:gd name="connsiteX14" fmla="*/ 7715970 w 12192000"/>
+              <a:gd name="connsiteY14" fmla="*/ 6072283 h 6219825"/>
+              <a:gd name="connsiteX15" fmla="*/ 6951716 w 12192000"/>
+              <a:gd name="connsiteY15" fmla="*/ 6138091 h 6219825"/>
+              <a:gd name="connsiteX16" fmla="*/ 6936303 w 12192000"/>
+              <a:gd name="connsiteY16" fmla="*/ 6140163 h 6219825"/>
+              <a:gd name="connsiteX17" fmla="*/ 6790448 w 12192000"/>
+              <a:gd name="connsiteY17" fmla="*/ 6151529 h 6219825"/>
+              <a:gd name="connsiteX18" fmla="*/ 6799941 w 12192000"/>
+              <a:gd name="connsiteY18" fmla="*/ 6153349 h 6219825"/>
+              <a:gd name="connsiteX19" fmla="*/ 6835432 w 12192000"/>
+              <a:gd name="connsiteY19" fmla="*/ 6151642 h 6219825"/>
+              <a:gd name="connsiteX20" fmla="*/ 6884003 w 12192000"/>
+              <a:gd name="connsiteY20" fmla="*/ 6148662 h 6219825"/>
+              <a:gd name="connsiteX21" fmla="*/ 7578771 w 12192000"/>
+              <a:gd name="connsiteY21" fmla="*/ 6116122 h 6219825"/>
+              <a:gd name="connsiteX22" fmla="*/ 8623845 w 12192000"/>
+              <a:gd name="connsiteY22" fmla="*/ 6029188 h 6219825"/>
+              <a:gd name="connsiteX23" fmla="*/ 9479970 w 12192000"/>
+              <a:gd name="connsiteY23" fmla="*/ 5925239 h 6219825"/>
+              <a:gd name="connsiteX24" fmla="*/ 10629308 w 12192000"/>
+              <a:gd name="connsiteY24" fmla="*/ 5731000 h 6219825"/>
+              <a:gd name="connsiteX25" fmla="*/ 11998498 w 12192000"/>
+              <a:gd name="connsiteY25" fmla="*/ 5404869 h 6219825"/>
+              <a:gd name="connsiteX26" fmla="*/ 12192000 w 12192000"/>
+              <a:gd name="connsiteY26" fmla="*/ 5347846 h 6219825"/>
+              <a:gd name="connsiteX27" fmla="*/ 12192000 w 12192000"/>
+              <a:gd name="connsiteY27" fmla="*/ 5402606 h 6219825"/>
+              <a:gd name="connsiteX28" fmla="*/ 11829257 w 12192000"/>
+              <a:gd name="connsiteY28" fmla="*/ 5507950 h 6219825"/>
+              <a:gd name="connsiteX29" fmla="*/ 10939183 w 12192000"/>
+              <a:gd name="connsiteY29" fmla="*/ 5722555 h 6219825"/>
+              <a:gd name="connsiteX30" fmla="*/ 9985530 w 12192000"/>
+              <a:gd name="connsiteY30" fmla="*/ 5902635 h 6219825"/>
+              <a:gd name="connsiteX31" fmla="*/ 9186882 w 12192000"/>
+              <a:gd name="connsiteY31" fmla="*/ 6018631 h 6219825"/>
+              <a:gd name="connsiteX32" fmla="*/ 8578198 w 12192000"/>
+              <a:gd name="connsiteY32" fmla="*/ 6088179 h 6219825"/>
+              <a:gd name="connsiteX33" fmla="*/ 7864358 w 12192000"/>
+              <a:gd name="connsiteY33" fmla="*/ 6149656 h 6219825"/>
+              <a:gd name="connsiteX34" fmla="*/ 6935502 w 12192000"/>
+              <a:gd name="connsiteY34" fmla="*/ 6201071 h 6219825"/>
+              <a:gd name="connsiteX35" fmla="*/ 6477750 w 12192000"/>
+              <a:gd name="connsiteY35" fmla="*/ 6214980 h 6219825"/>
+              <a:gd name="connsiteX36" fmla="*/ 6362294 w 12192000"/>
+              <a:gd name="connsiteY36" fmla="*/ 6219825 h 6219825"/>
+              <a:gd name="connsiteX37" fmla="*/ 6057129 w 12192000"/>
+              <a:gd name="connsiteY37" fmla="*/ 6219825 h 6219825"/>
+              <a:gd name="connsiteX38" fmla="*/ 5977784 w 12192000"/>
+              <a:gd name="connsiteY38" fmla="*/ 6215229 h 6219825"/>
+              <a:gd name="connsiteX39" fmla="*/ 5265087 w 12192000"/>
+              <a:gd name="connsiteY39" fmla="*/ 6178965 h 6219825"/>
+              <a:gd name="connsiteX40" fmla="*/ 4346277 w 12192000"/>
+              <a:gd name="connsiteY40" fmla="*/ 6116869 h 6219825"/>
+              <a:gd name="connsiteX41" fmla="*/ 3373045 w 12192000"/>
+              <a:gd name="connsiteY41" fmla="*/ 6018259 h 6219825"/>
+              <a:gd name="connsiteX42" fmla="*/ 2362173 w 12192000"/>
+              <a:gd name="connsiteY42" fmla="*/ 5899282 h 6219825"/>
+              <a:gd name="connsiteX43" fmla="*/ 1233178 w 12192000"/>
+              <a:gd name="connsiteY43" fmla="*/ 5726033 h 6219825"/>
+              <a:gd name="connsiteX44" fmla="*/ 68500 w 12192000"/>
+              <a:gd name="connsiteY44" fmla="*/ 5486226 h 6219825"/>
+              <a:gd name="connsiteX45" fmla="*/ 0 w 12192000"/>
+              <a:gd name="connsiteY45" fmla="*/ 5468863 h 6219825"/>
+              <a:gd name="connsiteX46" fmla="*/ 0 w 12192000"/>
+              <a:gd name="connsiteY46" fmla="*/ 5412351 h 6219825"/>
+              <a:gd name="connsiteX47" fmla="*/ 72441 w 12192000"/>
+              <a:gd name="connsiteY47" fmla="*/ 5431135 h 6219825"/>
+              <a:gd name="connsiteX48" fmla="*/ 600716 w 12192000"/>
+              <a:gd name="connsiteY48" fmla="*/ 5549555 h 6219825"/>
+              <a:gd name="connsiteX49" fmla="*/ 1769512 w 12192000"/>
+              <a:gd name="connsiteY49" fmla="*/ 5759811 h 6219825"/>
+              <a:gd name="connsiteX50" fmla="*/ 2613554 w 12192000"/>
+              <a:gd name="connsiteY50" fmla="*/ 5876802 h 6219825"/>
+              <a:gd name="connsiteX51" fmla="*/ 2581134 w 12192000"/>
+              <a:gd name="connsiteY51" fmla="*/ 5866867 h 6219825"/>
+              <a:gd name="connsiteX52" fmla="*/ 1112635 w 12192000"/>
+              <a:gd name="connsiteY52" fmla="*/ 5534031 h 6219825"/>
+              <a:gd name="connsiteX53" fmla="*/ 420412 w 12192000"/>
+              <a:gd name="connsiteY53" fmla="*/ 5334514 h 6219825"/>
+              <a:gd name="connsiteX54" fmla="*/ 0 w 12192000"/>
+              <a:gd name="connsiteY54" fmla="*/ 5195539 h 6219825"/>
+              <a:gd name="connsiteX55" fmla="*/ 60 w 12192000"/>
+              <a:gd name="connsiteY55" fmla="*/ 5105401 h 6219825"/>
+              <a:gd name="connsiteX56" fmla="*/ 0 w 12192000"/>
+              <a:gd name="connsiteY56" fmla="*/ 5105401 h 6219825"/>
+              <a:gd name="connsiteX57" fmla="*/ 0 w 12192000"/>
+              <a:gd name="connsiteY57" fmla="*/ 1 h 6219825"/>
+              <a:gd name="connsiteX58" fmla="*/ 9834 w 12192000"/>
+              <a:gd name="connsiteY58" fmla="*/ 1 h 6219825"/>
+            </a:gdLst>
+            <a:ahLst/>
+            <a:cxnLst>
+              <a:cxn ang="0">
+                <a:pos x="connsiteX0" y="connsiteY0"/>
+              </a:cxn>
+              <a:cxn ang="0">
+                <a:pos x="connsiteX1" y="connsiteY1"/>
+              </a:cxn>
+              <a:cxn ang="0">
+                <a:pos x="connsiteX2" y="connsiteY2"/>
+              </a:cxn>
+              <a:cxn ang="0">
+                <a:pos x="connsiteX3" y="connsiteY3"/>
+              </a:cxn>
+              <a:cxn ang="0">
+                <a:pos x="connsiteX4" y="connsiteY4"/>
+              </a:cxn>
+              <a:cxn ang="0">
+                <a:pos x="connsiteX5" y="connsiteY5"/>
+              </a:cxn>
+              <a:cxn ang="0">
+                <a:pos x="connsiteX6" y="connsiteY6"/>
+              </a:cxn>
+              <a:cxn ang="0">
+                <a:pos x="connsiteX7" y="connsiteY7"/>
+              </a:cxn>
+              <a:cxn ang="0">
+                <a:pos x="connsiteX8" y="connsiteY8"/>
+              </a:cxn>
+              <a:cxn ang="0">
+                <a:pos x="connsiteX9" y="connsiteY9"/>
+              </a:cxn>
+              <a:cxn ang="0">
+                <a:pos x="connsiteX10" y="connsiteY10"/>
+              </a:cxn>
+              <a:cxn ang="0">
+                <a:pos x="connsiteX11" y="connsiteY11"/>
+              </a:cxn>
+              <a:cxn ang="0">
+                <a:pos x="connsiteX12" y="connsiteY12"/>
+              </a:cxn>
+              <a:cxn ang="0">
+                <a:pos x="connsiteX13" y="connsiteY13"/>
+              </a:cxn>
+              <a:cxn ang="0">
+                <a:pos x="connsiteX14" y="connsiteY14"/>
+              </a:cxn>
+              <a:cxn ang="0">
+                <a:pos x="connsiteX15" y="connsiteY15"/>
+              </a:cxn>
+              <a:cxn ang="0">
+                <a:pos x="connsiteX16" y="connsiteY16"/>
+              </a:cxn>
+              <a:cxn ang="0">
+                <a:pos x="connsiteX17" y="connsiteY17"/>
+              </a:cxn>
+              <a:cxn ang="0">
+                <a:pos x="connsiteX18" y="connsiteY18"/>
+              </a:cxn>
+              <a:cxn ang="0">
+                <a:pos x="connsiteX19" y="connsiteY19"/>
+              </a:cxn>
+              <a:cxn ang="0">
+                <a:pos x="connsiteX20" y="connsiteY20"/>
+              </a:cxn>
+              <a:cxn ang="0">
+                <a:pos x="connsiteX21" y="connsiteY21"/>
+              </a:cxn>
+              <a:cxn ang="0">
+                <a:pos x="connsiteX22" y="connsiteY22"/>
+              </a:cxn>
+              <a:cxn ang="0">
+                <a:pos x="connsiteX23" y="connsiteY23"/>
+              </a:cxn>
+              <a:cxn ang="0">
+                <a:pos x="connsiteX24" y="connsiteY24"/>
+              </a:cxn>
+              <a:cxn ang="0">
+                <a:pos x="connsiteX25" y="connsiteY25"/>
+              </a:cxn>
+              <a:cxn ang="0">
+                <a:pos x="connsiteX26" y="connsiteY26"/>
+              </a:cxn>
+              <a:cxn ang="0">
+                <a:pos x="connsiteX27" y="connsiteY27"/>
+              </a:cxn>
+              <a:cxn ang="0">
+                <a:pos x="connsiteX28" y="connsiteY28"/>
+              </a:cxn>
+              <a:cxn ang="0">
+                <a:pos x="connsiteX29" y="connsiteY29"/>
+              </a:cxn>
+              <a:cxn ang="0">
+                <a:pos x="connsiteX30" y="connsiteY30"/>
+              </a:cxn>
+              <a:cxn ang="0">
+                <a:pos x="connsiteX31" y="connsiteY31"/>
+              </a:cxn>
+              <a:cxn ang="0">
+                <a:pos x="connsiteX32" y="connsiteY32"/>
+              </a:cxn>
+              <a:cxn ang="0">
+                <a:pos x="connsiteX33" y="connsiteY33"/>
+              </a:cxn>
+              <a:cxn ang="0">
+                <a:pos x="connsiteX34" y="connsiteY34"/>
+              </a:cxn>
+              <a:cxn ang="0">
+                <a:pos x="connsiteX35" y="connsiteY35"/>
+              </a:cxn>
+              <a:cxn ang="0">
+                <a:pos x="connsiteX36" y="connsiteY36"/>
+              </a:cxn>
+              <a:cxn ang="0">
+                <a:pos x="connsiteX37" y="connsiteY37"/>
+              </a:cxn>
+              <a:cxn ang="0">
+                <a:pos x="connsiteX38" y="connsiteY38"/>
+              </a:cxn>
+              <a:cxn ang="0">
+                <a:pos x="connsiteX39" y="connsiteY39"/>
+              </a:cxn>
+              <a:cxn ang="0">
+                <a:pos x="connsiteX40" y="connsiteY40"/>
+              </a:cxn>
+              <a:cxn ang="0">
+                <a:pos x="connsiteX41" y="connsiteY41"/>
+              </a:cxn>
+              <a:cxn ang="0">
+                <a:pos x="connsiteX42" y="connsiteY42"/>
+              </a:cxn>
+              <a:cxn ang="0">
+                <a:pos x="connsiteX43" y="connsiteY43"/>
+              </a:cxn>
+              <a:cxn ang="0">
+                <a:pos x="connsiteX44" y="connsiteY44"/>
+              </a:cxn>
+              <a:cxn ang="0">
+                <a:pos x="connsiteX45" y="connsiteY45"/>
+              </a:cxn>
+              <a:cxn ang="0">
+                <a:pos x="connsiteX46" y="connsiteY46"/>
+              </a:cxn>
+              <a:cxn ang="0">
+                <a:pos x="connsiteX47" y="connsiteY47"/>
+              </a:cxn>
+              <a:cxn ang="0">
+                <a:pos x="connsiteX48" y="connsiteY48"/>
+              </a:cxn>
+              <a:cxn ang="0">
+                <a:pos x="connsiteX49" y="connsiteY49"/>
+              </a:cxn>
+              <a:cxn ang="0">
+                <a:pos x="connsiteX50" y="connsiteY50"/>
+              </a:cxn>
+              <a:cxn ang="0">
+                <a:pos x="connsiteX51" y="connsiteY51"/>
+              </a:cxn>
+              <a:cxn ang="0">
+                <a:pos x="connsiteX52" y="connsiteY52"/>
+              </a:cxn>
+              <a:cxn ang="0">
+                <a:pos x="connsiteX53" y="connsiteY53"/>
+              </a:cxn>
+              <a:cxn ang="0">
+                <a:pos x="connsiteX54" y="connsiteY54"/>
+              </a:cxn>
+              <a:cxn ang="0">
+                <a:pos x="connsiteX55" y="connsiteY55"/>
+              </a:cxn>
+              <a:cxn ang="0">
+                <a:pos x="connsiteX56" y="connsiteY56"/>
+              </a:cxn>
+              <a:cxn ang="0">
+                <a:pos x="connsiteX57" y="connsiteY57"/>
+              </a:cxn>
+              <a:cxn ang="0">
+                <a:pos x="connsiteX58" y="connsiteY58"/>
+              </a:cxn>
+            </a:cxnLst>
+            <a:rect l="l" t="t" r="r" b="b"/>
+            <a:pathLst>
+              <a:path w="12192000" h="6219825">
+                <a:moveTo>
+                  <a:pt x="6789701" y="6151588"/>
+                </a:moveTo>
+                <a:lnTo>
+                  <a:pt x="6788702" y="6151666"/>
+                </a:lnTo>
+                <a:cubicBezTo>
+                  <a:pt x="6788627" y="6151844"/>
+                  <a:pt x="6788551" y="6152022"/>
+                  <a:pt x="6788476" y="6152200"/>
+                </a:cubicBezTo>
+                <a:close/>
+                <a:moveTo>
+                  <a:pt x="9834" y="0"/>
+                </a:moveTo>
+                <a:lnTo>
+                  <a:pt x="12357" y="1"/>
+                </a:lnTo>
+                <a:lnTo>
+                  <a:pt x="12192000" y="1"/>
+                </a:lnTo>
+                <a:lnTo>
+                  <a:pt x="12192000" y="5105401"/>
+                </a:lnTo>
+                <a:lnTo>
+                  <a:pt x="12191716" y="5105401"/>
+                </a:lnTo>
+                <a:lnTo>
+                  <a:pt x="12192000" y="5256977"/>
+                </a:lnTo>
+                <a:lnTo>
+                  <a:pt x="12061096" y="5296034"/>
+                </a:lnTo>
+                <a:cubicBezTo>
+                  <a:pt x="11933500" y="5332263"/>
+                  <a:pt x="11805390" y="5366806"/>
+                  <a:pt x="11676800" y="5399652"/>
+                </a:cubicBezTo>
+                <a:cubicBezTo>
+                  <a:pt x="11262789" y="5507204"/>
+                  <a:pt x="10845343" y="5600846"/>
+                  <a:pt x="10425355" y="5683310"/>
+                </a:cubicBezTo>
+                <a:cubicBezTo>
+                  <a:pt x="10092810" y="5748549"/>
+                  <a:pt x="9759033" y="5806970"/>
+                  <a:pt x="9424022" y="5858546"/>
+                </a:cubicBezTo>
+                <a:cubicBezTo>
+                  <a:pt x="9102997" y="5908224"/>
+                  <a:pt x="8781133" y="5952809"/>
+                  <a:pt x="8458419" y="5992303"/>
+                </a:cubicBezTo>
+                <a:cubicBezTo>
+                  <a:pt x="8211360" y="6022481"/>
+                  <a:pt x="7963792" y="6048065"/>
+                  <a:pt x="7715970" y="6072283"/>
+                </a:cubicBezTo>
+                <a:lnTo>
+                  <a:pt x="6951716" y="6138091"/>
+                </a:lnTo>
+                <a:lnTo>
+                  <a:pt x="6936303" y="6140163"/>
+                </a:lnTo>
+                <a:lnTo>
+                  <a:pt x="6790448" y="6151529"/>
+                </a:lnTo>
+                <a:lnTo>
+                  <a:pt x="6799941" y="6153349"/>
+                </a:lnTo>
+                <a:cubicBezTo>
+                  <a:pt x="6811623" y="6153816"/>
+                  <a:pt x="6823734" y="6151642"/>
+                  <a:pt x="6835432" y="6151642"/>
+                </a:cubicBezTo>
+                <a:cubicBezTo>
+                  <a:pt x="6851580" y="6151642"/>
+                  <a:pt x="6867729" y="6149034"/>
+                  <a:pt x="6884003" y="6148662"/>
+                </a:cubicBezTo>
+                <a:cubicBezTo>
+                  <a:pt x="7115805" y="6143198"/>
+                  <a:pt x="7347351" y="6131026"/>
+                  <a:pt x="7578771" y="6116122"/>
+                </a:cubicBezTo>
+                <a:cubicBezTo>
+                  <a:pt x="7927552" y="6093644"/>
+                  <a:pt x="8276080" y="6065453"/>
+                  <a:pt x="8623845" y="6029188"/>
+                </a:cubicBezTo>
+                <a:cubicBezTo>
+                  <a:pt x="8909939" y="5999878"/>
+                  <a:pt x="9195310" y="5965228"/>
+                  <a:pt x="9479970" y="5925239"/>
+                </a:cubicBezTo>
+                <a:cubicBezTo>
+                  <a:pt x="9864901" y="5870842"/>
+                  <a:pt x="10248014" y="5806101"/>
+                  <a:pt x="10629308" y="5731000"/>
+                </a:cubicBezTo>
+                <a:cubicBezTo>
+                  <a:pt x="11090114" y="5639842"/>
+                  <a:pt x="11546975" y="5532291"/>
+                  <a:pt x="11998498" y="5404869"/>
+                </a:cubicBezTo>
+                <a:lnTo>
+                  <a:pt x="12192000" y="5347846"/>
+                </a:lnTo>
+                <a:lnTo>
+                  <a:pt x="12192000" y="5402606"/>
+                </a:lnTo>
+                <a:lnTo>
+                  <a:pt x="11829257" y="5507950"/>
+                </a:lnTo>
+                <a:cubicBezTo>
+                  <a:pt x="11534769" y="5587680"/>
+                  <a:pt x="11238120" y="5658596"/>
+                  <a:pt x="10939183" y="5722555"/>
+                </a:cubicBezTo>
+                <a:cubicBezTo>
+                  <a:pt x="10622824" y="5790365"/>
+                  <a:pt x="10304941" y="5850387"/>
+                  <a:pt x="9985530" y="5902635"/>
+                </a:cubicBezTo>
+                <a:cubicBezTo>
+                  <a:pt x="9720036" y="5946102"/>
+                  <a:pt x="9453814" y="5984764"/>
+                  <a:pt x="9186882" y="6018631"/>
+                </a:cubicBezTo>
+                <a:cubicBezTo>
+                  <a:pt x="8984197" y="6044216"/>
+                  <a:pt x="8781514" y="6068309"/>
+                  <a:pt x="8578198" y="6088179"/>
+                </a:cubicBezTo>
+                <a:lnTo>
+                  <a:pt x="7864358" y="6149656"/>
+                </a:lnTo>
+                <a:cubicBezTo>
+                  <a:pt x="7554994" y="6172009"/>
+                  <a:pt x="7245502" y="6189895"/>
+                  <a:pt x="6935502" y="6201071"/>
+                </a:cubicBezTo>
+                <a:lnTo>
+                  <a:pt x="6477750" y="6214980"/>
+                </a:lnTo>
+                <a:cubicBezTo>
+                  <a:pt x="6439195" y="6212895"/>
+                  <a:pt x="6400529" y="6214521"/>
+                  <a:pt x="6362294" y="6219825"/>
+                </a:cubicBezTo>
+                <a:lnTo>
+                  <a:pt x="6057129" y="6219825"/>
+                </a:lnTo>
+                <a:lnTo>
+                  <a:pt x="5977784" y="6215229"/>
+                </a:lnTo>
+                <a:lnTo>
+                  <a:pt x="5265087" y="6178965"/>
+                </a:lnTo>
+                <a:cubicBezTo>
+                  <a:pt x="4958267" y="6166544"/>
+                  <a:pt x="4651826" y="6146055"/>
+                  <a:pt x="4346277" y="6116869"/>
+                </a:cubicBezTo>
+                <a:lnTo>
+                  <a:pt x="3373045" y="6018259"/>
+                </a:lnTo>
+                <a:cubicBezTo>
+                  <a:pt x="3035412" y="5983982"/>
+                  <a:pt x="2698456" y="5944327"/>
+                  <a:pt x="2362173" y="5899282"/>
+                </a:cubicBezTo>
+                <a:cubicBezTo>
+                  <a:pt x="1984692" y="5849108"/>
+                  <a:pt x="1608364" y="5791358"/>
+                  <a:pt x="1233178" y="5726033"/>
+                </a:cubicBezTo>
+                <a:cubicBezTo>
+                  <a:pt x="842181" y="5657291"/>
+                  <a:pt x="453758" y="5578770"/>
+                  <a:pt x="68500" y="5486226"/>
+                </a:cubicBezTo>
+                <a:lnTo>
+                  <a:pt x="0" y="5468863"/>
+                </a:lnTo>
+                <a:lnTo>
+                  <a:pt x="0" y="5412351"/>
+                </a:lnTo>
+                <a:lnTo>
+                  <a:pt x="72441" y="5431135"/>
+                </a:lnTo>
+                <a:cubicBezTo>
+                  <a:pt x="247961" y="5473331"/>
+                  <a:pt x="424164" y="5512608"/>
+                  <a:pt x="600716" y="5549555"/>
+                </a:cubicBezTo>
+                <a:cubicBezTo>
+                  <a:pt x="988279" y="5630403"/>
+                  <a:pt x="1378133" y="5699330"/>
+                  <a:pt x="1769512" y="5759811"/>
+                </a:cubicBezTo>
+                <a:cubicBezTo>
+                  <a:pt x="2052426" y="5803406"/>
+                  <a:pt x="2335725" y="5843519"/>
+                  <a:pt x="2613554" y="5876802"/>
+                </a:cubicBezTo>
+                <a:cubicBezTo>
+                  <a:pt x="2605544" y="5879410"/>
+                  <a:pt x="2594611" y="5869350"/>
+                  <a:pt x="2581134" y="5866867"/>
+                </a:cubicBezTo>
+                <a:cubicBezTo>
+                  <a:pt x="2087178" y="5774877"/>
+                  <a:pt x="1597684" y="5663937"/>
+                  <a:pt x="1112635" y="5534031"/>
+                </a:cubicBezTo>
+                <a:cubicBezTo>
+                  <a:pt x="880453" y="5471934"/>
+                  <a:pt x="649713" y="5405428"/>
+                  <a:pt x="420412" y="5334514"/>
+                </a:cubicBezTo>
+                <a:lnTo>
+                  <a:pt x="0" y="5195539"/>
+                </a:lnTo>
+                <a:lnTo>
+                  <a:pt x="60" y="5105401"/>
+                </a:lnTo>
+                <a:lnTo>
+                  <a:pt x="0" y="5105401"/>
+                </a:lnTo>
+                <a:lnTo>
+                  <a:pt x="0" y="1"/>
+                </a:lnTo>
+                <a:lnTo>
+                  <a:pt x="9834" y="1"/>
+                </a:lnTo>
+                <a:close/>
+              </a:path>
+            </a:pathLst>
+          </a:custGeom>
+          <a:solidFill>
+            <a:schemeClr val="bg1"/>
+          </a:solidFill>
+          <a:ln>
+            <a:noFill/>
+          </a:ln>
+        </p:spPr>
+        <p:style>
+          <a:lnRef idx="2">
+            <a:schemeClr val="accent1">
+              <a:shade val="50000"/>
+            </a:schemeClr>
+          </a:lnRef>
+          <a:fillRef idx="1">
+            <a:schemeClr val="accent1"/>
+          </a:fillRef>
+          <a:effectRef idx="0">
+            <a:schemeClr val="accent1"/>
+          </a:effectRef>
+          <a:fontRef idx="minor">
+            <a:schemeClr val="lt1"/>
+          </a:fontRef>
+        </p:style>
+        <p:txBody>
+          <a:bodyPr wrap="square" rtlCol="0" anchor="ctr">
+            <a:noAutofit/>
+          </a:bodyPr>
+          <a:lstStyle/>
+          <a:p>
+            <a:pPr algn="ctr"/>
+            <a:endParaRPr lang="en-US"/>
+          </a:p>
+        </p:txBody>
+      </p:sp>
       <p:pic>
         <p:nvPicPr>
-          <p:cNvPr id="10" name="Picture 9">
+          <p:cNvPr id="5" name="Content Placeholder 4" descr="Chart, line chart, histogram&#10;&#10;Description automatically generated">
             <a:extLst>
               <a:ext uri="{FF2B5EF4-FFF2-40B4-BE49-F238E27FC236}">
-                <a16:creationId xmlns:a16="http://schemas.microsoft.com/office/drawing/2014/main" id="{AAF5C2CF-E996-2FF6-52E1-D666192E9EE7}"/>
+                <a16:creationId xmlns:a16="http://schemas.microsoft.com/office/drawing/2014/main" id="{8069ED98-93ED-FC1F-2D9C-CB17B28651D1}"/>
               </a:ext>
             </a:extLst>
           </p:cNvPr>
           <p:cNvPicPr>
-            <a:picLocks noChangeAspect="1"/>
+            <a:picLocks noGrp="1" noChangeAspect="1"/>
           </p:cNvPicPr>
-          <p:nvPr/>
+          <p:nvPr>
+            <p:ph idx="1"/>
+          </p:nvPr>
         </p:nvPicPr>
         <p:blipFill>
-          <a:blip r:embed="rId2"/>
+          <a:blip r:embed="rId2">
+            <a:extLst>
+              <a:ext uri="{28A0092B-C50C-407E-A947-70E740481C1C}">
+                <a14:useLocalDpi xmlns:a14="http://schemas.microsoft.com/office/drawing/2010/main" val="0"/>
+              </a:ext>
+            </a:extLst>
+          </a:blip>
           <a:stretch>
             <a:fillRect/>
           </a:stretch>
         </p:blipFill>
         <p:spPr>
           <a:xfrm>
-            <a:off x="2369631" y="2123859"/>
-            <a:ext cx="7057002" cy="3628600"/>
-          </a:xfrm>
-          <a:prstGeom prst="rect">
-            <a:avLst/>
-          </a:prstGeom>
-        </p:spPr>
-      </p:pic>
-      <p:pic>
-        <p:nvPicPr>
-          <p:cNvPr id="14" name="Picture 13">
-            <a:extLst>
-              <a:ext uri="{FF2B5EF4-FFF2-40B4-BE49-F238E27FC236}">
-                <a16:creationId xmlns:a16="http://schemas.microsoft.com/office/drawing/2014/main" id="{80394D29-32AF-CB5A-54F0-0C219B430AC9}"/>
-              </a:ext>
-            </a:extLst>
-          </p:cNvPr>
-          <p:cNvPicPr>
-            <a:picLocks noChangeAspect="1"/>
-          </p:cNvPicPr>
-          <p:nvPr/>
-        </p:nvPicPr>
-        <p:blipFill>
-          <a:blip r:embed="rId3"/>
-          <a:stretch>
-            <a:fillRect/>
-          </a:stretch>
-        </p:blipFill>
-        <p:spPr>
-          <a:xfrm>
-            <a:off x="1880921" y="1680007"/>
-            <a:ext cx="7735164" cy="375147"/>
-          </a:xfrm>
-          <a:prstGeom prst="rect">
-            <a:avLst/>
-          </a:prstGeom>
-        </p:spPr>
-      </p:pic>
-      <p:sp>
-        <p:nvSpPr>
-          <p:cNvPr id="15" name="TextBox 14">
-            <a:extLst>
-              <a:ext uri="{FF2B5EF4-FFF2-40B4-BE49-F238E27FC236}">
-                <a16:creationId xmlns:a16="http://schemas.microsoft.com/office/drawing/2014/main" id="{5DA9D51D-098B-7226-24EE-38CB41DFF7B8}"/>
-              </a:ext>
-            </a:extLst>
-          </p:cNvPr>
-          <p:cNvSpPr txBox="1"/>
-          <p:nvPr/>
-        </p:nvSpPr>
-        <p:spPr>
-          <a:xfrm>
-            <a:off x="966420" y="548640"/>
-            <a:ext cx="10259155" cy="830997"/>
-          </a:xfrm>
-          <a:prstGeom prst="rect">
-            <a:avLst/>
-          </a:prstGeom>
-          <a:noFill/>
-        </p:spPr>
-        <p:txBody>
-          <a:bodyPr wrap="none" rtlCol="0">
-            <a:spAutoFit/>
-          </a:bodyPr>
-          <a:lstStyle/>
-          <a:p>
-            <a:pPr algn="ctr"/>
-            <a:r>
-              <a:rPr lang="en-US" sz="4800" b="1" dirty="0"/>
-              <a:t>Snapshot of the California drought data</a:t>
-            </a:r>
-          </a:p>
-        </p:txBody>
-      </p:sp>
-      <p:sp>
-        <p:nvSpPr>
-          <p:cNvPr id="16" name="TextBox 15">
-            <a:extLst>
-              <a:ext uri="{FF2B5EF4-FFF2-40B4-BE49-F238E27FC236}">
-                <a16:creationId xmlns:a16="http://schemas.microsoft.com/office/drawing/2014/main" id="{679B7223-7128-7AA9-96FB-9A0F484A7078}"/>
-              </a:ext>
-            </a:extLst>
-          </p:cNvPr>
-          <p:cNvSpPr txBox="1"/>
-          <p:nvPr/>
-        </p:nvSpPr>
-        <p:spPr>
-          <a:xfrm>
-            <a:off x="5259187" y="6101497"/>
-            <a:ext cx="4356898" cy="523220"/>
-          </a:xfrm>
-          <a:prstGeom prst="rect">
-            <a:avLst/>
-          </a:prstGeom>
-          <a:noFill/>
-        </p:spPr>
-        <p:txBody>
-          <a:bodyPr wrap="none" rtlCol="0">
-            <a:spAutoFit/>
-          </a:bodyPr>
-          <a:lstStyle/>
-          <a:p>
-            <a:pPr algn="ctr"/>
-            <a:r>
-              <a:rPr lang="en-US" sz="2800" dirty="0"/>
-              <a:t>Source: USDM-california.csv </a:t>
-            </a:r>
-          </a:p>
-        </p:txBody>
-      </p:sp>
-      <p:pic>
-        <p:nvPicPr>
-          <p:cNvPr id="18" name="Picture 17">
-            <a:extLst>
-              <a:ext uri="{FF2B5EF4-FFF2-40B4-BE49-F238E27FC236}">
-                <a16:creationId xmlns:a16="http://schemas.microsoft.com/office/drawing/2014/main" id="{7887899B-3807-2F9F-7777-95707AF465FF}"/>
-              </a:ext>
-            </a:extLst>
-          </p:cNvPr>
-          <p:cNvPicPr>
-            <a:picLocks noChangeAspect="1"/>
-          </p:cNvPicPr>
-          <p:nvPr/>
-        </p:nvPicPr>
-        <p:blipFill>
-          <a:blip r:embed="rId4"/>
-          <a:stretch>
-            <a:fillRect/>
-          </a:stretch>
-        </p:blipFill>
-        <p:spPr>
-          <a:xfrm>
-            <a:off x="1472057" y="6047749"/>
-            <a:ext cx="3678130" cy="630715"/>
+            <a:off x="880791" y="379506"/>
+            <a:ext cx="10427370" cy="4953000"/>
           </a:xfrm>
           <a:prstGeom prst="rect">
             <a:avLst/>
@@ -8776,7 +11686,7 @@
     </p:spTree>
     <p:extLst>
       <p:ext uri="{BB962C8B-B14F-4D97-AF65-F5344CB8AC3E}">
-        <p14:creationId xmlns:p14="http://schemas.microsoft.com/office/powerpoint/2010/main" val="2701033604"/>
+        <p14:creationId xmlns:p14="http://schemas.microsoft.com/office/powerpoint/2010/main" val="3048181945"/>
       </p:ext>
     </p:extLst>
   </p:cSld>
@@ -8805,10 +11715,10 @@
       </p:grpSpPr>
       <p:pic>
         <p:nvPicPr>
-          <p:cNvPr id="8" name="Picture 7">
+          <p:cNvPr id="10" name="Picture 9">
             <a:extLst>
               <a:ext uri="{FF2B5EF4-FFF2-40B4-BE49-F238E27FC236}">
-                <a16:creationId xmlns:a16="http://schemas.microsoft.com/office/drawing/2014/main" id="{17FFBCA6-AF05-75F8-E1F5-2369263240D4}"/>
+                <a16:creationId xmlns:a16="http://schemas.microsoft.com/office/drawing/2014/main" id="{AAF5C2CF-E996-2FF6-52E1-D666192E9EE7}"/>
               </a:ext>
             </a:extLst>
           </p:cNvPr>
@@ -8825,8 +11735,38 @@
         </p:blipFill>
         <p:spPr>
           <a:xfrm>
-            <a:off x="2680817" y="1521162"/>
-            <a:ext cx="6830360" cy="5122770"/>
+            <a:off x="2369631" y="2140825"/>
+            <a:ext cx="7057002" cy="3628600"/>
+          </a:xfrm>
+          <a:prstGeom prst="rect">
+            <a:avLst/>
+          </a:prstGeom>
+        </p:spPr>
+      </p:pic>
+      <p:pic>
+        <p:nvPicPr>
+          <p:cNvPr id="14" name="Picture 13">
+            <a:extLst>
+              <a:ext uri="{FF2B5EF4-FFF2-40B4-BE49-F238E27FC236}">
+                <a16:creationId xmlns:a16="http://schemas.microsoft.com/office/drawing/2014/main" id="{80394D29-32AF-CB5A-54F0-0C219B430AC9}"/>
+              </a:ext>
+            </a:extLst>
+          </p:cNvPr>
+          <p:cNvPicPr>
+            <a:picLocks noChangeAspect="1"/>
+          </p:cNvPicPr>
+          <p:nvPr/>
+        </p:nvPicPr>
+        <p:blipFill>
+          <a:blip r:embed="rId3"/>
+          <a:stretch>
+            <a:fillRect/>
+          </a:stretch>
+        </p:blipFill>
+        <p:spPr>
+          <a:xfrm>
+            <a:off x="2030550" y="1541101"/>
+            <a:ext cx="7735164" cy="375147"/>
           </a:xfrm>
           <a:prstGeom prst="rect">
             <a:avLst/>
@@ -8835,10 +11775,10 @@
       </p:pic>
       <p:sp>
         <p:nvSpPr>
-          <p:cNvPr id="5" name="TextBox 4">
+          <p:cNvPr id="15" name="TextBox 14">
             <a:extLst>
               <a:ext uri="{FF2B5EF4-FFF2-40B4-BE49-F238E27FC236}">
-                <a16:creationId xmlns:a16="http://schemas.microsoft.com/office/drawing/2014/main" id="{E066F086-10B9-CE48-0F71-E5EA9EC911FC}"/>
+                <a16:creationId xmlns:a16="http://schemas.microsoft.com/office/drawing/2014/main" id="{5DA9D51D-098B-7226-24EE-38CB41DFF7B8}"/>
               </a:ext>
             </a:extLst>
           </p:cNvPr>
@@ -8847,8 +11787,8 @@
         </p:nvSpPr>
         <p:spPr>
           <a:xfrm>
-            <a:off x="1002844" y="548640"/>
-            <a:ext cx="10186315" cy="830997"/>
+            <a:off x="1575307" y="539275"/>
+            <a:ext cx="9041386" cy="830997"/>
           </a:xfrm>
           <a:prstGeom prst="rect">
             <a:avLst/>
@@ -8863,16 +11803,90 @@
           <a:p>
             <a:pPr algn="ctr"/>
             <a:r>
-              <a:rPr lang="en-US" sz="4800" b="1" dirty="0"/>
-              <a:t>Drought area of the California in a year</a:t>
+              <a:rPr lang="en-US" sz="4800" b="1" dirty="0">
+                <a:latin typeface="+mj-lt"/>
+                <a:ea typeface="Lato" panose="020F0502020204030203" pitchFamily="34" charset="0"/>
+                <a:cs typeface="Lato" panose="020F0502020204030203" pitchFamily="34" charset="0"/>
+              </a:rPr>
+              <a:t>Snapshot of California Drought Data</a:t>
             </a:r>
           </a:p>
         </p:txBody>
       </p:sp>
+      <p:sp>
+        <p:nvSpPr>
+          <p:cNvPr id="16" name="TextBox 15">
+            <a:extLst>
+              <a:ext uri="{FF2B5EF4-FFF2-40B4-BE49-F238E27FC236}">
+                <a16:creationId xmlns:a16="http://schemas.microsoft.com/office/drawing/2014/main" id="{679B7223-7128-7AA9-96FB-9A0F484A7078}"/>
+              </a:ext>
+            </a:extLst>
+          </p:cNvPr>
+          <p:cNvSpPr txBox="1"/>
+          <p:nvPr/>
+        </p:nvSpPr>
+        <p:spPr>
+          <a:xfrm>
+            <a:off x="5444398" y="5994002"/>
+            <a:ext cx="4793300" cy="523220"/>
+          </a:xfrm>
+          <a:prstGeom prst="rect">
+            <a:avLst/>
+          </a:prstGeom>
+          <a:noFill/>
+        </p:spPr>
+        <p:txBody>
+          <a:bodyPr wrap="none" rtlCol="0">
+            <a:spAutoFit/>
+          </a:bodyPr>
+          <a:lstStyle/>
+          <a:p>
+            <a:pPr algn="ctr"/>
+            <a:r>
+              <a:rPr lang="en-US" sz="2800" dirty="0">
+                <a:latin typeface="Lato" panose="020F0502020204030203" pitchFamily="34" charset="0"/>
+                <a:ea typeface="Lato" panose="020F0502020204030203" pitchFamily="34" charset="0"/>
+                <a:cs typeface="Lato" panose="020F0502020204030203" pitchFamily="34" charset="0"/>
+              </a:rPr>
+              <a:t>Source: USDM-california.csv </a:t>
+            </a:r>
+          </a:p>
+        </p:txBody>
+      </p:sp>
+      <p:pic>
+        <p:nvPicPr>
+          <p:cNvPr id="18" name="Picture 17">
+            <a:extLst>
+              <a:ext uri="{FF2B5EF4-FFF2-40B4-BE49-F238E27FC236}">
+                <a16:creationId xmlns:a16="http://schemas.microsoft.com/office/drawing/2014/main" id="{7887899B-3807-2F9F-7777-95707AF465FF}"/>
+              </a:ext>
+            </a:extLst>
+          </p:cNvPr>
+          <p:cNvPicPr>
+            <a:picLocks noChangeAspect="1"/>
+          </p:cNvPicPr>
+          <p:nvPr/>
+        </p:nvPicPr>
+        <p:blipFill>
+          <a:blip r:embed="rId4"/>
+          <a:stretch>
+            <a:fillRect/>
+          </a:stretch>
+        </p:blipFill>
+        <p:spPr>
+          <a:xfrm>
+            <a:off x="1634845" y="5940254"/>
+            <a:ext cx="3678130" cy="630715"/>
+          </a:xfrm>
+          <a:prstGeom prst="rect">
+            <a:avLst/>
+          </a:prstGeom>
+        </p:spPr>
+      </p:pic>
     </p:spTree>
     <p:extLst>
       <p:ext uri="{BB962C8B-B14F-4D97-AF65-F5344CB8AC3E}">
-        <p14:creationId xmlns:p14="http://schemas.microsoft.com/office/powerpoint/2010/main" val="2379626168"/>
+        <p14:creationId xmlns:p14="http://schemas.microsoft.com/office/powerpoint/2010/main" val="2701033604"/>
       </p:ext>
     </p:extLst>
   </p:cSld>
@@ -8885,6 +11899,14 @@
 <file path=ppt/slides/slide9.xml><?xml version="1.0" encoding="utf-8"?>
 <p:sld xmlns:a="http://schemas.openxmlformats.org/drawingml/2006/main" xmlns:r="http://schemas.openxmlformats.org/officeDocument/2006/relationships" xmlns:p="http://schemas.openxmlformats.org/presentationml/2006/main">
   <p:cSld>
+    <p:bg>
+      <p:bgPr>
+        <a:solidFill>
+          <a:schemeClr val="bg1"/>
+        </a:solidFill>
+        <a:effectLst/>
+      </p:bgPr>
+    </p:bg>
     <p:spTree>
       <p:nvGrpSpPr>
         <p:cNvPr id="1" name=""/>
@@ -8901,68 +11923,157 @@
       </p:grpSpPr>
       <p:sp>
         <p:nvSpPr>
-          <p:cNvPr id="2" name="Title 1">
+          <p:cNvPr id="17" name="Down Arrow 7">
             <a:extLst>
               <a:ext uri="{FF2B5EF4-FFF2-40B4-BE49-F238E27FC236}">
-                <a16:creationId xmlns:a16="http://schemas.microsoft.com/office/drawing/2014/main" id="{10768FC4-F365-615B-13FD-5BD8E8BE3BF5}"/>
+                <a16:creationId xmlns:a16="http://schemas.microsoft.com/office/drawing/2014/main" id="{D4771268-CB57-404A-9271-370EB28F6090}"/>
+              </a:ext>
+              <a:ext uri="{C183D7F6-B498-43B3-948B-1728B52AA6E4}">
+                <adec:decorative xmlns:adec="http://schemas.microsoft.com/office/drawing/2017/decorative" val="1"/>
               </a:ext>
             </a:extLst>
           </p:cNvPr>
           <p:cNvSpPr>
-            <a:spLocks noGrp="1"/>
+            <a:spLocks noGrp="1" noRot="1" noChangeAspect="1" noMove="1" noResize="1" noEditPoints="1" noAdjustHandles="1" noChangeArrowheads="1" noChangeShapeType="1" noTextEdit="1"/>
           </p:cNvSpPr>
           <p:nvPr>
-            <p:ph type="title"/>
+            <p:extLst>
+              <p:ext uri="{386F3935-93C4-4BCD-93E2-E3B085C9AB24}">
+                <p16:designElem xmlns:p16="http://schemas.microsoft.com/office/powerpoint/2015/main" val="1"/>
+              </p:ext>
+            </p:extLst>
           </p:nvPr>
         </p:nvSpPr>
-        <p:spPr/>
+        <p:spPr>
+          <a:xfrm rot="16200000">
+            <a:off x="800100" y="1491343"/>
+            <a:ext cx="3333749" cy="3499103"/>
+          </a:xfrm>
+          <a:prstGeom prst="downArrow">
+            <a:avLst>
+              <a:gd name="adj1" fmla="val 100000"/>
+              <a:gd name="adj2" fmla="val 15788"/>
+            </a:avLst>
+          </a:prstGeom>
+          <a:solidFill>
+            <a:srgbClr val="404040"/>
+          </a:solidFill>
+          <a:ln w="53975">
+            <a:noFill/>
+          </a:ln>
+        </p:spPr>
+        <p:style>
+          <a:lnRef idx="2">
+            <a:schemeClr val="accent1">
+              <a:shade val="50000"/>
+            </a:schemeClr>
+          </a:lnRef>
+          <a:fillRef idx="1">
+            <a:schemeClr val="accent1"/>
+          </a:fillRef>
+          <a:effectRef idx="0">
+            <a:schemeClr val="accent1"/>
+          </a:effectRef>
+          <a:fontRef idx="minor">
+            <a:schemeClr val="lt1"/>
+          </a:fontRef>
+        </p:style>
         <p:txBody>
-          <a:bodyPr/>
+          <a:bodyPr rtlCol="0" anchor="ctr"/>
           <a:lstStyle/>
           <a:p>
-            <a:endParaRPr lang="en-US" dirty="0"/>
+            <a:pPr algn="ctr"/>
+            <a:endParaRPr lang="en-US"/>
+          </a:p>
+        </p:txBody>
+      </p:sp>
+      <p:sp>
+        <p:nvSpPr>
+          <p:cNvPr id="5" name="TextBox 4">
+            <a:extLst>
+              <a:ext uri="{FF2B5EF4-FFF2-40B4-BE49-F238E27FC236}">
+                <a16:creationId xmlns:a16="http://schemas.microsoft.com/office/drawing/2014/main" id="{E066F086-10B9-CE48-0F71-E5EA9EC911FC}"/>
+              </a:ext>
+            </a:extLst>
+          </p:cNvPr>
+          <p:cNvSpPr txBox="1"/>
+          <p:nvPr/>
+        </p:nvSpPr>
+        <p:spPr>
+          <a:xfrm>
+            <a:off x="1028700" y="1967266"/>
+            <a:ext cx="2628900" cy="2547257"/>
+          </a:xfrm>
+          <a:prstGeom prst="rect">
+            <a:avLst/>
+          </a:prstGeom>
+          <a:noFill/>
+        </p:spPr>
+        <p:txBody>
+          <a:bodyPr vert="horz" lIns="91440" tIns="45720" rIns="91440" bIns="45720" rtlCol="0" anchor="ctr">
+            <a:normAutofit/>
+          </a:bodyPr>
+          <a:lstStyle/>
+          <a:p>
+            <a:pPr>
+              <a:lnSpc>
+                <a:spcPct val="90000"/>
+              </a:lnSpc>
+              <a:spcBef>
+                <a:spcPct val="0"/>
+              </a:spcBef>
+              <a:spcAft>
+                <a:spcPts val="600"/>
+              </a:spcAft>
+            </a:pPr>
+            <a:r>
+              <a:rPr lang="en-US" sz="3600" b="1" kern="1200" dirty="0">
+                <a:solidFill>
+                  <a:srgbClr val="FFFFFF"/>
+                </a:solidFill>
+                <a:latin typeface="+mj-lt"/>
+                <a:ea typeface="+mj-ea"/>
+                <a:cs typeface="+mj-cs"/>
+              </a:rPr>
+              <a:t>Current Drought Area % in California</a:t>
+            </a:r>
           </a:p>
         </p:txBody>
       </p:sp>
       <p:pic>
         <p:nvPicPr>
-          <p:cNvPr id="5" name="Content Placeholder 4" descr="Chart, bar chart&#10;&#10;Description automatically generated">
+          <p:cNvPr id="8" name="Picture 7" descr="Diagram&#10;&#10;Description automatically generated">
             <a:extLst>
               <a:ext uri="{FF2B5EF4-FFF2-40B4-BE49-F238E27FC236}">
-                <a16:creationId xmlns:a16="http://schemas.microsoft.com/office/drawing/2014/main" id="{D037DB51-D28B-8B14-3D04-A85B29D66ED8}"/>
+                <a16:creationId xmlns:a16="http://schemas.microsoft.com/office/drawing/2014/main" id="{17FFBCA6-AF05-75F8-E1F5-2369263240D4}"/>
               </a:ext>
             </a:extLst>
           </p:cNvPr>
           <p:cNvPicPr>
-            <a:picLocks noGrp="1" noChangeAspect="1"/>
+            <a:picLocks noChangeAspect="1"/>
           </p:cNvPicPr>
-          <p:nvPr>
-            <p:ph idx="1"/>
-          </p:nvPr>
+          <p:nvPr/>
         </p:nvPicPr>
         <p:blipFill>
-          <a:blip r:embed="rId2">
-            <a:extLst>
-              <a:ext uri="{28A0092B-C50C-407E-A947-70E740481C1C}">
-                <a14:useLocalDpi xmlns:a14="http://schemas.microsoft.com/office/drawing/2010/main" val="0"/>
-              </a:ext>
-            </a:extLst>
-          </a:blip>
+          <a:blip r:embed="rId2"/>
           <a:stretch>
             <a:fillRect/>
           </a:stretch>
         </p:blipFill>
         <p:spPr>
           <a:xfrm>
-            <a:off x="1637722" y="1825625"/>
-            <a:ext cx="8916555" cy="4351338"/>
+            <a:off x="4777316" y="885073"/>
+            <a:ext cx="6780700" cy="5085525"/>
           </a:xfrm>
+          <a:prstGeom prst="rect">
+            <a:avLst/>
+          </a:prstGeom>
         </p:spPr>
       </p:pic>
     </p:spTree>
     <p:extLst>
       <p:ext uri="{BB962C8B-B14F-4D97-AF65-F5344CB8AC3E}">
-        <p14:creationId xmlns:p14="http://schemas.microsoft.com/office/powerpoint/2010/main" val="967499017"/>
+        <p14:creationId xmlns:p14="http://schemas.microsoft.com/office/powerpoint/2010/main" val="2379626168"/>
       </p:ext>
     </p:extLst>
   </p:cSld>

--- a/Project3_CA_WildFires.pptx
+++ b/Project3_CA_WildFires.pptx
@@ -11,10 +11,10 @@
     <p:sldId id="256" r:id="rId2"/>
     <p:sldId id="260" r:id="rId3"/>
     <p:sldId id="263" r:id="rId4"/>
-    <p:sldId id="264" r:id="rId5"/>
-    <p:sldId id="265" r:id="rId6"/>
-    <p:sldId id="270" r:id="rId7"/>
-    <p:sldId id="267" r:id="rId8"/>
+    <p:sldId id="265" r:id="rId5"/>
+    <p:sldId id="270" r:id="rId6"/>
+    <p:sldId id="267" r:id="rId7"/>
+    <p:sldId id="264" r:id="rId8"/>
     <p:sldId id="257" r:id="rId9"/>
     <p:sldId id="258" r:id="rId10"/>
     <p:sldId id="268" r:id="rId11"/>
@@ -10059,172 +10059,6 @@
 <file path=ppt/slides/slide4.xml><?xml version="1.0" encoding="utf-8"?>
 <p:sld xmlns:a="http://schemas.openxmlformats.org/drawingml/2006/main" xmlns:r="http://schemas.openxmlformats.org/officeDocument/2006/relationships" xmlns:p="http://schemas.openxmlformats.org/presentationml/2006/main">
   <p:cSld>
-    <p:spTree>
-      <p:nvGrpSpPr>
-        <p:cNvPr id="1" name=""/>
-        <p:cNvGrpSpPr/>
-        <p:nvPr/>
-      </p:nvGrpSpPr>
-      <p:grpSpPr>
-        <a:xfrm>
-          <a:off x="0" y="0"/>
-          <a:ext cx="0" cy="0"/>
-          <a:chOff x="0" y="0"/>
-          <a:chExt cx="0" cy="0"/>
-        </a:xfrm>
-      </p:grpSpPr>
-      <p:pic>
-        <p:nvPicPr>
-          <p:cNvPr id="14" name="Picture 13">
-            <a:extLst>
-              <a:ext uri="{FF2B5EF4-FFF2-40B4-BE49-F238E27FC236}">
-                <a16:creationId xmlns:a16="http://schemas.microsoft.com/office/drawing/2014/main" id="{A4F0681C-FD3D-89F9-53EC-3E9E2446EBA9}"/>
-              </a:ext>
-            </a:extLst>
-          </p:cNvPr>
-          <p:cNvPicPr>
-            <a:picLocks/>
-          </p:cNvPicPr>
-          <p:nvPr/>
-        </p:nvPicPr>
-        <p:blipFill>
-          <a:blip r:embed="rId2"/>
-          <a:stretch>
-            <a:fillRect/>
-          </a:stretch>
-        </p:blipFill>
-        <p:spPr>
-          <a:xfrm>
-            <a:off x="-8429" y="-1104"/>
-            <a:ext cx="12188952" cy="6858000"/>
-          </a:xfrm>
-          <a:prstGeom prst="rect">
-            <a:avLst/>
-          </a:prstGeom>
-        </p:spPr>
-      </p:pic>
-      <p:sp>
-        <p:nvSpPr>
-          <p:cNvPr id="8" name="TextBox 7">
-            <a:extLst>
-              <a:ext uri="{FF2B5EF4-FFF2-40B4-BE49-F238E27FC236}">
-                <a16:creationId xmlns:a16="http://schemas.microsoft.com/office/drawing/2014/main" id="{59C1FCC8-8874-7CC2-1A68-23D87644E078}"/>
-              </a:ext>
-            </a:extLst>
-          </p:cNvPr>
-          <p:cNvSpPr txBox="1"/>
-          <p:nvPr/>
-        </p:nvSpPr>
-        <p:spPr>
-          <a:xfrm>
-            <a:off x="340075" y="1594839"/>
-            <a:ext cx="3133900" cy="3196244"/>
-          </a:xfrm>
-          <a:prstGeom prst="ellipse">
-            <a:avLst/>
-          </a:prstGeom>
-          <a:solidFill>
-            <a:srgbClr val="FFFFFF"/>
-          </a:solidFill>
-          <a:ln w="174625" cmpd="thinThick">
-            <a:solidFill>
-              <a:srgbClr val="FFFFFF"/>
-            </a:solidFill>
-          </a:ln>
-        </p:spPr>
-        <p:txBody>
-          <a:bodyPr vert="horz" lIns="91440" tIns="45720" rIns="91440" bIns="45720" rtlCol="0" anchor="ctr">
-            <a:normAutofit/>
-          </a:bodyPr>
-          <a:lstStyle/>
-          <a:p>
-            <a:pPr algn="ctr">
-              <a:lnSpc>
-                <a:spcPct val="90000"/>
-              </a:lnSpc>
-              <a:spcBef>
-                <a:spcPct val="0"/>
-              </a:spcBef>
-              <a:spcAft>
-                <a:spcPts val="600"/>
-              </a:spcAft>
-            </a:pPr>
-            <a:r>
-              <a:rPr lang="en-US" sz="2600" b="1" dirty="0">
-                <a:solidFill>
-                  <a:srgbClr val="262626"/>
-                </a:solidFill>
-                <a:latin typeface="+mj-lt"/>
-                <a:ea typeface="+mj-ea"/>
-                <a:cs typeface="+mj-cs"/>
-              </a:rPr>
-              <a:t>California Wildfire Locations</a:t>
-            </a:r>
-          </a:p>
-          <a:p>
-            <a:pPr algn="ctr">
-              <a:lnSpc>
-                <a:spcPct val="90000"/>
-              </a:lnSpc>
-              <a:spcBef>
-                <a:spcPct val="0"/>
-              </a:spcBef>
-              <a:spcAft>
-                <a:spcPts val="600"/>
-              </a:spcAft>
-            </a:pPr>
-            <a:r>
-              <a:rPr lang="en-US" sz="2000" b="1" dirty="0">
-                <a:solidFill>
-                  <a:srgbClr val="262626"/>
-                </a:solidFill>
-                <a:latin typeface="+mj-lt"/>
-                <a:ea typeface="+mj-ea"/>
-                <a:cs typeface="+mj-cs"/>
-              </a:rPr>
-              <a:t>(Leaflet </a:t>
-            </a:r>
-            <a:r>
-              <a:rPr lang="en-US" sz="2000" b="1" dirty="0" err="1">
-                <a:solidFill>
-                  <a:srgbClr val="262626"/>
-                </a:solidFill>
-                <a:latin typeface="+mj-lt"/>
-                <a:ea typeface="+mj-ea"/>
-                <a:cs typeface="+mj-cs"/>
-              </a:rPr>
-              <a:t>Javascript</a:t>
-            </a:r>
-            <a:r>
-              <a:rPr lang="en-US" sz="2000" b="1" dirty="0">
-                <a:solidFill>
-                  <a:srgbClr val="262626"/>
-                </a:solidFill>
-                <a:latin typeface="+mj-lt"/>
-                <a:ea typeface="+mj-ea"/>
-                <a:cs typeface="+mj-cs"/>
-              </a:rPr>
-              <a:t>)</a:t>
-            </a:r>
-          </a:p>
-        </p:txBody>
-      </p:sp>
-    </p:spTree>
-    <p:extLst>
-      <p:ext uri="{BB962C8B-B14F-4D97-AF65-F5344CB8AC3E}">
-        <p14:creationId xmlns:p14="http://schemas.microsoft.com/office/powerpoint/2010/main" val="2875906683"/>
-      </p:ext>
-    </p:extLst>
-  </p:cSld>
-  <p:clrMapOvr>
-    <a:masterClrMapping/>
-  </p:clrMapOvr>
-</p:sld>
-</file>
-
-<file path=ppt/slides/slide5.xml><?xml version="1.0" encoding="utf-8"?>
-<p:sld xmlns:a="http://schemas.openxmlformats.org/drawingml/2006/main" xmlns:r="http://schemas.openxmlformats.org/officeDocument/2006/relationships" xmlns:p="http://schemas.openxmlformats.org/presentationml/2006/main">
-  <p:cSld>
     <p:bg>
       <p:bgPr>
         <a:solidFill>
@@ -10775,7 +10609,7 @@
 </p:sld>
 </file>
 
-<file path=ppt/slides/slide6.xml><?xml version="1.0" encoding="utf-8"?>
+<file path=ppt/slides/slide5.xml><?xml version="1.0" encoding="utf-8"?>
 <p:sld xmlns:a="http://schemas.openxmlformats.org/drawingml/2006/main" xmlns:r="http://schemas.openxmlformats.org/officeDocument/2006/relationships" xmlns:p="http://schemas.openxmlformats.org/presentationml/2006/main">
   <p:cSld>
     <p:bg>
@@ -10890,7 +10724,7 @@
 </p:sld>
 </file>
 
-<file path=ppt/slides/slide7.xml><?xml version="1.0" encoding="utf-8"?>
+<file path=ppt/slides/slide6.xml><?xml version="1.0" encoding="utf-8"?>
 <p:sld xmlns:a="http://schemas.openxmlformats.org/drawingml/2006/main" xmlns:r="http://schemas.openxmlformats.org/officeDocument/2006/relationships" xmlns:p="http://schemas.openxmlformats.org/presentationml/2006/main">
   <p:cSld>
     <p:bg>
@@ -11687,6 +11521,172 @@
     <p:extLst>
       <p:ext uri="{BB962C8B-B14F-4D97-AF65-F5344CB8AC3E}">
         <p14:creationId xmlns:p14="http://schemas.microsoft.com/office/powerpoint/2010/main" val="3048181945"/>
+      </p:ext>
+    </p:extLst>
+  </p:cSld>
+  <p:clrMapOvr>
+    <a:masterClrMapping/>
+  </p:clrMapOvr>
+</p:sld>
+</file>
+
+<file path=ppt/slides/slide7.xml><?xml version="1.0" encoding="utf-8"?>
+<p:sld xmlns:a="http://schemas.openxmlformats.org/drawingml/2006/main" xmlns:r="http://schemas.openxmlformats.org/officeDocument/2006/relationships" xmlns:p="http://schemas.openxmlformats.org/presentationml/2006/main">
+  <p:cSld>
+    <p:spTree>
+      <p:nvGrpSpPr>
+        <p:cNvPr id="1" name=""/>
+        <p:cNvGrpSpPr/>
+        <p:nvPr/>
+      </p:nvGrpSpPr>
+      <p:grpSpPr>
+        <a:xfrm>
+          <a:off x="0" y="0"/>
+          <a:ext cx="0" cy="0"/>
+          <a:chOff x="0" y="0"/>
+          <a:chExt cx="0" cy="0"/>
+        </a:xfrm>
+      </p:grpSpPr>
+      <p:pic>
+        <p:nvPicPr>
+          <p:cNvPr id="14" name="Picture 13">
+            <a:extLst>
+              <a:ext uri="{FF2B5EF4-FFF2-40B4-BE49-F238E27FC236}">
+                <a16:creationId xmlns:a16="http://schemas.microsoft.com/office/drawing/2014/main" id="{A4F0681C-FD3D-89F9-53EC-3E9E2446EBA9}"/>
+              </a:ext>
+            </a:extLst>
+          </p:cNvPr>
+          <p:cNvPicPr>
+            <a:picLocks/>
+          </p:cNvPicPr>
+          <p:nvPr/>
+        </p:nvPicPr>
+        <p:blipFill>
+          <a:blip r:embed="rId2"/>
+          <a:stretch>
+            <a:fillRect/>
+          </a:stretch>
+        </p:blipFill>
+        <p:spPr>
+          <a:xfrm>
+            <a:off x="-8429" y="-1104"/>
+            <a:ext cx="12188952" cy="6858000"/>
+          </a:xfrm>
+          <a:prstGeom prst="rect">
+            <a:avLst/>
+          </a:prstGeom>
+        </p:spPr>
+      </p:pic>
+      <p:sp>
+        <p:nvSpPr>
+          <p:cNvPr id="8" name="TextBox 7">
+            <a:extLst>
+              <a:ext uri="{FF2B5EF4-FFF2-40B4-BE49-F238E27FC236}">
+                <a16:creationId xmlns:a16="http://schemas.microsoft.com/office/drawing/2014/main" id="{59C1FCC8-8874-7CC2-1A68-23D87644E078}"/>
+              </a:ext>
+            </a:extLst>
+          </p:cNvPr>
+          <p:cNvSpPr txBox="1"/>
+          <p:nvPr/>
+        </p:nvSpPr>
+        <p:spPr>
+          <a:xfrm>
+            <a:off x="340075" y="1594839"/>
+            <a:ext cx="3133900" cy="3196244"/>
+          </a:xfrm>
+          <a:prstGeom prst="ellipse">
+            <a:avLst/>
+          </a:prstGeom>
+          <a:solidFill>
+            <a:srgbClr val="FFFFFF"/>
+          </a:solidFill>
+          <a:ln w="174625" cmpd="thinThick">
+            <a:solidFill>
+              <a:srgbClr val="FFFFFF"/>
+            </a:solidFill>
+          </a:ln>
+        </p:spPr>
+        <p:txBody>
+          <a:bodyPr vert="horz" lIns="91440" tIns="45720" rIns="91440" bIns="45720" rtlCol="0" anchor="ctr">
+            <a:normAutofit/>
+          </a:bodyPr>
+          <a:lstStyle/>
+          <a:p>
+            <a:pPr algn="ctr">
+              <a:lnSpc>
+                <a:spcPct val="90000"/>
+              </a:lnSpc>
+              <a:spcBef>
+                <a:spcPct val="0"/>
+              </a:spcBef>
+              <a:spcAft>
+                <a:spcPts val="600"/>
+              </a:spcAft>
+            </a:pPr>
+            <a:r>
+              <a:rPr lang="en-US" sz="2600" b="1" dirty="0">
+                <a:solidFill>
+                  <a:srgbClr val="262626"/>
+                </a:solidFill>
+                <a:latin typeface="+mj-lt"/>
+                <a:ea typeface="+mj-ea"/>
+                <a:cs typeface="+mj-cs"/>
+              </a:rPr>
+              <a:t>California Wildfire Locations</a:t>
+            </a:r>
+          </a:p>
+          <a:p>
+            <a:pPr algn="ctr">
+              <a:lnSpc>
+                <a:spcPct val="90000"/>
+              </a:lnSpc>
+              <a:spcBef>
+                <a:spcPct val="0"/>
+              </a:spcBef>
+              <a:spcAft>
+                <a:spcPts val="600"/>
+              </a:spcAft>
+            </a:pPr>
+            <a:r>
+              <a:rPr lang="en-US" sz="2000" b="1" dirty="0">
+                <a:solidFill>
+                  <a:srgbClr val="262626"/>
+                </a:solidFill>
+                <a:latin typeface="+mj-lt"/>
+                <a:ea typeface="+mj-ea"/>
+                <a:cs typeface="+mj-cs"/>
+              </a:rPr>
+              <a:t>(Leaflet </a:t>
+            </a:r>
+            <a:r>
+              <a:rPr lang="en-US" sz="2000" b="1" dirty="0" err="1">
+                <a:solidFill>
+                  <a:srgbClr val="262626"/>
+                </a:solidFill>
+                <a:latin typeface="+mj-lt"/>
+                <a:ea typeface="+mj-ea"/>
+                <a:cs typeface="+mj-cs"/>
+              </a:rPr>
+              <a:t>Javascript</a:t>
+            </a:r>
+            <a:r>
+              <a:rPr lang="en-US" sz="2000" b="1" dirty="0">
+                <a:solidFill>
+                  <a:srgbClr val="262626"/>
+                </a:solidFill>
+                <a:latin typeface="+mj-lt"/>
+                <a:ea typeface="+mj-ea"/>
+                <a:cs typeface="+mj-cs"/>
+              </a:rPr>
+              <a:t>)</a:t>
+            </a:r>
+          </a:p>
+        </p:txBody>
+      </p:sp>
+    </p:spTree>
+    <p:extLst>
+      <p:ext uri="{BB962C8B-B14F-4D97-AF65-F5344CB8AC3E}">
+        <p14:creationId xmlns:p14="http://schemas.microsoft.com/office/powerpoint/2010/main" val="2875906683"/>
       </p:ext>
     </p:extLst>
   </p:cSld>

--- a/Project3_CA_WildFires.pptx
+++ b/Project3_CA_WildFires.pptx
@@ -206,7 +206,7 @@
           <a:p>
             <a:fld id="{CC2CE1C3-CD50-44C9-8579-B138BF86FD83}" type="datetimeFigureOut">
               <a:rPr lang="en-US" smtClean="0"/>
-              <a:t>7/29/22</a:t>
+              <a:t>7/30/2022</a:t>
             </a:fld>
             <a:endParaRPr lang="en-US"/>
           </a:p>
@@ -620,7 +620,7 @@
           <a:p>
             <a:fld id="{AD1B6942-FA69-4AD1-BE7A-FACDCEFC9702}" type="datetimeFigureOut">
               <a:rPr lang="en-US" smtClean="0"/>
-              <a:t>7/29/22</a:t>
+              <a:t>7/30/2022</a:t>
             </a:fld>
             <a:endParaRPr lang="en-US"/>
           </a:p>
@@ -818,7 +818,7 @@
           <a:p>
             <a:fld id="{AD1B6942-FA69-4AD1-BE7A-FACDCEFC9702}" type="datetimeFigureOut">
               <a:rPr lang="en-US" smtClean="0"/>
-              <a:t>7/29/22</a:t>
+              <a:t>7/30/2022</a:t>
             </a:fld>
             <a:endParaRPr lang="en-US"/>
           </a:p>
@@ -1026,7 +1026,7 @@
           <a:p>
             <a:fld id="{AD1B6942-FA69-4AD1-BE7A-FACDCEFC9702}" type="datetimeFigureOut">
               <a:rPr lang="en-US" smtClean="0"/>
-              <a:t>7/29/22</a:t>
+              <a:t>7/30/2022</a:t>
             </a:fld>
             <a:endParaRPr lang="en-US"/>
           </a:p>
@@ -1224,7 +1224,7 @@
           <a:p>
             <a:fld id="{AD1B6942-FA69-4AD1-BE7A-FACDCEFC9702}" type="datetimeFigureOut">
               <a:rPr lang="en-US" smtClean="0"/>
-              <a:t>7/29/22</a:t>
+              <a:t>7/30/2022</a:t>
             </a:fld>
             <a:endParaRPr lang="en-US"/>
           </a:p>
@@ -1499,7 +1499,7 @@
           <a:p>
             <a:fld id="{AD1B6942-FA69-4AD1-BE7A-FACDCEFC9702}" type="datetimeFigureOut">
               <a:rPr lang="en-US" smtClean="0"/>
-              <a:t>7/29/22</a:t>
+              <a:t>7/30/2022</a:t>
             </a:fld>
             <a:endParaRPr lang="en-US"/>
           </a:p>
@@ -1764,7 +1764,7 @@
           <a:p>
             <a:fld id="{AD1B6942-FA69-4AD1-BE7A-FACDCEFC9702}" type="datetimeFigureOut">
               <a:rPr lang="en-US" smtClean="0"/>
-              <a:t>7/29/22</a:t>
+              <a:t>7/30/2022</a:t>
             </a:fld>
             <a:endParaRPr lang="en-US"/>
           </a:p>
@@ -2176,7 +2176,7 @@
           <a:p>
             <a:fld id="{AD1B6942-FA69-4AD1-BE7A-FACDCEFC9702}" type="datetimeFigureOut">
               <a:rPr lang="en-US" smtClean="0"/>
-              <a:t>7/29/22</a:t>
+              <a:t>7/30/2022</a:t>
             </a:fld>
             <a:endParaRPr lang="en-US"/>
           </a:p>
@@ -2317,7 +2317,7 @@
           <a:p>
             <a:fld id="{AD1B6942-FA69-4AD1-BE7A-FACDCEFC9702}" type="datetimeFigureOut">
               <a:rPr lang="en-US" smtClean="0"/>
-              <a:t>7/29/22</a:t>
+              <a:t>7/30/2022</a:t>
             </a:fld>
             <a:endParaRPr lang="en-US"/>
           </a:p>
@@ -2430,7 +2430,7 @@
           <a:p>
             <a:fld id="{AD1B6942-FA69-4AD1-BE7A-FACDCEFC9702}" type="datetimeFigureOut">
               <a:rPr lang="en-US" smtClean="0"/>
-              <a:t>7/29/22</a:t>
+              <a:t>7/30/2022</a:t>
             </a:fld>
             <a:endParaRPr lang="en-US"/>
           </a:p>
@@ -2741,7 +2741,7 @@
           <a:p>
             <a:fld id="{AD1B6942-FA69-4AD1-BE7A-FACDCEFC9702}" type="datetimeFigureOut">
               <a:rPr lang="en-US" smtClean="0"/>
-              <a:t>7/29/22</a:t>
+              <a:t>7/30/2022</a:t>
             </a:fld>
             <a:endParaRPr lang="en-US"/>
           </a:p>
@@ -3029,7 +3029,7 @@
           <a:p>
             <a:fld id="{AD1B6942-FA69-4AD1-BE7A-FACDCEFC9702}" type="datetimeFigureOut">
               <a:rPr lang="en-US" smtClean="0"/>
-              <a:t>7/29/22</a:t>
+              <a:t>7/30/2022</a:t>
             </a:fld>
             <a:endParaRPr lang="en-US"/>
           </a:p>
@@ -3270,7 +3270,7 @@
           <a:p>
             <a:fld id="{AD1B6942-FA69-4AD1-BE7A-FACDCEFC9702}" type="datetimeFigureOut">
               <a:rPr lang="en-US" smtClean="0"/>
-              <a:t>7/29/22</a:t>
+              <a:t>7/30/2022</a:t>
             </a:fld>
             <a:endParaRPr lang="en-US"/>
           </a:p>
@@ -8616,7 +8616,20 @@
                 <a:ea typeface="Lato" panose="020F0502020204030203" pitchFamily="34" charset="0"/>
                 <a:cs typeface="Lato" panose="020F0502020204030203" pitchFamily="34" charset="0"/>
               </a:rPr>
-              <a:t>Most fire causes </a:t>
+              <a:t>Most fire causes are unknown.</a:t>
+            </a:r>
+          </a:p>
+          <a:p>
+            <a:r>
+              <a:rPr lang="en-US" sz="2200" dirty="0">
+                <a:solidFill>
+                  <a:srgbClr val="FFFFFF"/>
+                </a:solidFill>
+                <a:latin typeface="Lato" panose="020F0502020204030203" pitchFamily="34" charset="0"/>
+                <a:ea typeface="Lato" panose="020F0502020204030203" pitchFamily="34" charset="0"/>
+                <a:cs typeface="Lato" panose="020F0502020204030203" pitchFamily="34" charset="0"/>
+              </a:rPr>
+              <a:t>Fires across the state have been progressively increasing </a:t>
             </a:r>
             <a:r>
               <a:rPr lang="en-US" sz="2200">
@@ -8627,18 +8640,8 @@
                 <a:ea typeface="Lato" panose="020F0502020204030203" pitchFamily="34" charset="0"/>
                 <a:cs typeface="Lato" panose="020F0502020204030203" pitchFamily="34" charset="0"/>
               </a:rPr>
-              <a:t>are unknown.</a:t>
+              <a:t>from 2014-2022</a:t>
             </a:r>
-            <a:endParaRPr lang="en-US" sz="2200" dirty="0">
-              <a:solidFill>
-                <a:srgbClr val="FFFFFF"/>
-              </a:solidFill>
-              <a:latin typeface="Lato" panose="020F0502020204030203" pitchFamily="34" charset="0"/>
-              <a:ea typeface="Lato" panose="020F0502020204030203" pitchFamily="34" charset="0"/>
-              <a:cs typeface="Lato" panose="020F0502020204030203" pitchFamily="34" charset="0"/>
-            </a:endParaRPr>
-          </a:p>
-          <a:p>
             <a:r>
               <a:rPr lang="en-US" sz="2200" dirty="0">
                 <a:solidFill>
@@ -8648,7 +8651,7 @@
                 <a:ea typeface="Lato" panose="020F0502020204030203" pitchFamily="34" charset="0"/>
                 <a:cs typeface="Lato" panose="020F0502020204030203" pitchFamily="34" charset="0"/>
               </a:rPr>
-              <a:t>Fires across the state have been progressively increasing from 2012-2022, with a large increase over the past 3 years due to rising temperatures and longer droughts.</a:t>
+              <a:t>, with a large increase over the past 3 years due to rising temperatures and longer droughts.</a:t>
             </a:r>
           </a:p>
           <a:p>
@@ -9099,7 +9102,7 @@
                 <a:ea typeface="Lato" panose="020F0502020204030203" pitchFamily="34" charset="0"/>
                 <a:cs typeface="Lato" panose="020F0502020204030203" pitchFamily="34" charset="0"/>
               </a:rPr>
-              <a:t>ildfires in California from 2012 to date exploring the number of fires per year, burn length and location using several datasets.</a:t>
+              <a:t>ildfires in California from 2014 to date exploring the number of fires per year, burn length and location using several datasets.</a:t>
             </a:r>
           </a:p>
         </p:txBody>
